--- a/Courses/Software-Sciences/IT-Module-4-Problem-Solving-with-ICT/04-Risk-Analysis/04-Risk-Analysis.pptx
+++ b/Courses/Software-Sciences/IT-Module-4-Problem-Solving-with-ICT/04-Risk-Analysis/04-Risk-Analysis.pptx
@@ -21,14 +21,14 @@
     <p:sldId id="655" r:id="rId9"/>
     <p:sldId id="640" r:id="rId10"/>
     <p:sldId id="641" r:id="rId11"/>
-    <p:sldId id="610" r:id="rId12"/>
-    <p:sldId id="636" r:id="rId13"/>
-    <p:sldId id="642" r:id="rId14"/>
-    <p:sldId id="648" r:id="rId15"/>
-    <p:sldId id="650" r:id="rId16"/>
-    <p:sldId id="644" r:id="rId17"/>
-    <p:sldId id="639" r:id="rId18"/>
-    <p:sldId id="657" r:id="rId19"/>
+    <p:sldId id="639" r:id="rId12"/>
+    <p:sldId id="657" r:id="rId13"/>
+    <p:sldId id="610" r:id="rId14"/>
+    <p:sldId id="636" r:id="rId15"/>
+    <p:sldId id="642" r:id="rId16"/>
+    <p:sldId id="648" r:id="rId17"/>
+    <p:sldId id="650" r:id="rId18"/>
+    <p:sldId id="644" r:id="rId19"/>
     <p:sldId id="658" r:id="rId20"/>
     <p:sldId id="659" r:id="rId21"/>
     <p:sldId id="633" r:id="rId22"/>
@@ -153,6 +153,12 @@
             <p14:sldId id="641"/>
           </p14:sldIdLst>
         </p14:section>
+        <p14:section name="Пример: Матрица на риска на Google Classroom&#13;" id="{C1DF9EB4-CE77-CA44-907B-BD32599A00F3}">
+          <p14:sldIdLst>
+            <p14:sldId id="639"/>
+            <p14:sldId id="657"/>
+          </p14:sldIdLst>
+        </p14:section>
         <p14:section name="Методи за анализ на риска" id="{EB44CA50-B176-0C4C-B0D0-5459023C7783}">
           <p14:sldIdLst>
             <p14:sldId id="610"/>
@@ -161,12 +167,6 @@
             <p14:sldId id="648"/>
             <p14:sldId id="650"/>
             <p14:sldId id="644"/>
-          </p14:sldIdLst>
-        </p14:section>
-        <p14:section name="Пример: Матрица на риска на Google Classroom&#13;" id="{C1DF9EB4-CE77-CA44-907B-BD32599A00F3}">
-          <p14:sldIdLst>
-            <p14:sldId id="639"/>
-            <p14:sldId id="657"/>
           </p14:sldIdLst>
         </p14:section>
         <p14:section name="Пример: SWOT анализ на YouTube" id="{877605A2-6B36-F044-B14D-5F63DE850195}">
@@ -318,7 +318,7 @@
           <a:p>
             <a:fld id="{4E087215-0C8F-4762-A664-737A353EC9A4}" type="datetimeFigureOut">
               <a:rPr lang="bg-BG" smtClean="0"/>
-              <a:t>21.03.25 г.</a:t>
+              <a:t>1.05.25 г.</a:t>
             </a:fld>
             <a:endParaRPr lang="bg-BG"/>
           </a:p>
@@ -514,7 +514,7 @@
           <a:p>
             <a:fld id="{72D84649-876A-46C9-8472-14CB09C070D8}" type="datetimeFigureOut">
               <a:rPr lang="en-US" smtClean="0"/>
-              <a:t>3/21/25</a:t>
+              <a:t>5/1/25</a:t>
             </a:fld>
             <a:endParaRPr lang="en-US"/>
           </a:p>
@@ -1114,7 +1114,7 @@
             <a:fld id="{3EBA5BD7-F043-4D1B-AA17-CD412FC534DE}" type="slidenum">
               <a:rPr lang="en-US" smtClean="0"/>
               <a:pPr/>
-              <a:t>14</a:t>
+              <a:t>15</a:t>
             </a:fld>
             <a:endParaRPr lang="en-US" dirty="0"/>
           </a:p>
@@ -1162,7 +1162,7 @@
     </p:spTree>
     <p:extLst>
       <p:ext uri="{BB962C8B-B14F-4D97-AF65-F5344CB8AC3E}">
-        <p14:creationId xmlns:p14="http://schemas.microsoft.com/office/powerpoint/2010/main" val="1431587322"/>
+        <p14:creationId xmlns:p14="http://schemas.microsoft.com/office/powerpoint/2010/main" val="2928403385"/>
       </p:ext>
     </p:extLst>
   </p:cSld>
@@ -1344,7 +1344,7 @@
             <a:fld id="{3EBA5BD7-F043-4D1B-AA17-CD412FC534DE}" type="slidenum">
               <a:rPr lang="en-US" smtClean="0"/>
               <a:pPr/>
-              <a:t>15</a:t>
+              <a:t>16</a:t>
             </a:fld>
             <a:endParaRPr lang="en-US" dirty="0"/>
           </a:p>
@@ -1392,7 +1392,7 @@
     </p:spTree>
     <p:extLst>
       <p:ext uri="{BB962C8B-B14F-4D97-AF65-F5344CB8AC3E}">
-        <p14:creationId xmlns:p14="http://schemas.microsoft.com/office/powerpoint/2010/main" val="4068905220"/>
+        <p14:creationId xmlns:p14="http://schemas.microsoft.com/office/powerpoint/2010/main" val="1431587322"/>
       </p:ext>
     </p:extLst>
   </p:cSld>
@@ -1574,7 +1574,7 @@
             <a:fld id="{3EBA5BD7-F043-4D1B-AA17-CD412FC534DE}" type="slidenum">
               <a:rPr lang="en-US" smtClean="0"/>
               <a:pPr/>
-              <a:t>16</a:t>
+              <a:t>17</a:t>
             </a:fld>
             <a:endParaRPr lang="en-US" dirty="0"/>
           </a:p>
@@ -1622,7 +1622,7 @@
     </p:spTree>
     <p:extLst>
       <p:ext uri="{BB962C8B-B14F-4D97-AF65-F5344CB8AC3E}">
-        <p14:creationId xmlns:p14="http://schemas.microsoft.com/office/powerpoint/2010/main" val="563795320"/>
+        <p14:creationId xmlns:p14="http://schemas.microsoft.com/office/powerpoint/2010/main" val="4068905220"/>
       </p:ext>
     </p:extLst>
   </p:cSld>
@@ -1676,16 +1676,16 @@
           <a:bodyPr/>
           <a:lstStyle/>
           <a:p>
-            <a:endParaRPr lang="en-US" dirty="0"/>
+            <a:endParaRPr lang="en-US"/>
           </a:p>
         </p:txBody>
       </p:sp>
       <p:sp>
         <p:nvSpPr>
-          <p:cNvPr id="7" name="Slide Number Placeholder 5">
+          <p:cNvPr id="6" name="Slide Number Placeholder 5">
             <a:extLst>
               <a:ext uri="{FF2B5EF4-FFF2-40B4-BE49-F238E27FC236}">
-                <a16:creationId xmlns:a16="http://schemas.microsoft.com/office/drawing/2014/main" id="{BD88B0D8-949C-482D-990A-2DAB14AD4AD1}"/>
+                <a16:creationId xmlns:a16="http://schemas.microsoft.com/office/drawing/2014/main" id="{973EF363-177A-44DE-80E9-FC9248B7DCA2}"/>
               </a:ext>
             </a:extLst>
           </p:cNvPr>
@@ -1804,7 +1804,7 @@
             <a:fld id="{3EBA5BD7-F043-4D1B-AA17-CD412FC534DE}" type="slidenum">
               <a:rPr lang="en-US" smtClean="0"/>
               <a:pPr/>
-              <a:t>17</a:t>
+              <a:t>18</a:t>
             </a:fld>
             <a:endParaRPr lang="en-US" dirty="0"/>
           </a:p>
@@ -1815,7 +1815,7 @@
           <p:cNvPr id="4" name="Footer Placeholder 3">
             <a:extLst>
               <a:ext uri="{FF2B5EF4-FFF2-40B4-BE49-F238E27FC236}">
-                <a16:creationId xmlns:a16="http://schemas.microsoft.com/office/drawing/2014/main" id="{58474633-D38D-4432-867B-70F325FA7016}"/>
+                <a16:creationId xmlns:a16="http://schemas.microsoft.com/office/drawing/2014/main" id="{8EE613EE-6697-4964-A067-C2136C00C834}"/>
               </a:ext>
             </a:extLst>
           </p:cNvPr>
@@ -1852,7 +1852,7 @@
     </p:spTree>
     <p:extLst>
       <p:ext uri="{BB962C8B-B14F-4D97-AF65-F5344CB8AC3E}">
-        <p14:creationId xmlns:p14="http://schemas.microsoft.com/office/powerpoint/2010/main" val="3295241353"/>
+        <p14:creationId xmlns:p14="http://schemas.microsoft.com/office/powerpoint/2010/main" val="563795320"/>
       </p:ext>
     </p:extLst>
   </p:cSld>
@@ -4180,7 +4180,7 @@
     </p:spTree>
     <p:extLst>
       <p:ext uri="{BB962C8B-B14F-4D97-AF65-F5344CB8AC3E}">
-        <p14:creationId xmlns:p14="http://schemas.microsoft.com/office/powerpoint/2010/main" val="382771432"/>
+        <p14:creationId xmlns:p14="http://schemas.microsoft.com/office/powerpoint/2010/main" val="3295241353"/>
       </p:ext>
     </p:extLst>
   </p:cSld>
@@ -4234,16 +4234,16 @@
           <a:bodyPr/>
           <a:lstStyle/>
           <a:p>
-            <a:endParaRPr lang="en-US"/>
+            <a:endParaRPr lang="en-US" dirty="0"/>
           </a:p>
         </p:txBody>
       </p:sp>
       <p:sp>
         <p:nvSpPr>
-          <p:cNvPr id="6" name="Slide Number Placeholder 5">
+          <p:cNvPr id="7" name="Slide Number Placeholder 5">
             <a:extLst>
               <a:ext uri="{FF2B5EF4-FFF2-40B4-BE49-F238E27FC236}">
-                <a16:creationId xmlns:a16="http://schemas.microsoft.com/office/drawing/2014/main" id="{973EF363-177A-44DE-80E9-FC9248B7DCA2}"/>
+                <a16:creationId xmlns:a16="http://schemas.microsoft.com/office/drawing/2014/main" id="{BD88B0D8-949C-482D-990A-2DAB14AD4AD1}"/>
               </a:ext>
             </a:extLst>
           </p:cNvPr>
@@ -4362,7 +4362,7 @@
             <a:fld id="{3EBA5BD7-F043-4D1B-AA17-CD412FC534DE}" type="slidenum">
               <a:rPr lang="en-US" smtClean="0"/>
               <a:pPr/>
-              <a:t>12</a:t>
+              <a:t>13</a:t>
             </a:fld>
             <a:endParaRPr lang="en-US" dirty="0"/>
           </a:p>
@@ -4373,7 +4373,7 @@
           <p:cNvPr id="4" name="Footer Placeholder 3">
             <a:extLst>
               <a:ext uri="{FF2B5EF4-FFF2-40B4-BE49-F238E27FC236}">
-                <a16:creationId xmlns:a16="http://schemas.microsoft.com/office/drawing/2014/main" id="{8EE613EE-6697-4964-A067-C2136C00C834}"/>
+                <a16:creationId xmlns:a16="http://schemas.microsoft.com/office/drawing/2014/main" id="{58474633-D38D-4432-867B-70F325FA7016}"/>
               </a:ext>
             </a:extLst>
           </p:cNvPr>
@@ -4410,7 +4410,7 @@
     </p:spTree>
     <p:extLst>
       <p:ext uri="{BB962C8B-B14F-4D97-AF65-F5344CB8AC3E}">
-        <p14:creationId xmlns:p14="http://schemas.microsoft.com/office/powerpoint/2010/main" val="827816975"/>
+        <p14:creationId xmlns:p14="http://schemas.microsoft.com/office/powerpoint/2010/main" val="382771432"/>
       </p:ext>
     </p:extLst>
   </p:cSld>
@@ -4592,7 +4592,7 @@
             <a:fld id="{3EBA5BD7-F043-4D1B-AA17-CD412FC534DE}" type="slidenum">
               <a:rPr lang="en-US" smtClean="0"/>
               <a:pPr/>
-              <a:t>13</a:t>
+              <a:t>14</a:t>
             </a:fld>
             <a:endParaRPr lang="en-US" dirty="0"/>
           </a:p>
@@ -4640,7 +4640,7 @@
     </p:spTree>
     <p:extLst>
       <p:ext uri="{BB962C8B-B14F-4D97-AF65-F5344CB8AC3E}">
-        <p14:creationId xmlns:p14="http://schemas.microsoft.com/office/powerpoint/2010/main" val="2928403385"/>
+        <p14:creationId xmlns:p14="http://schemas.microsoft.com/office/powerpoint/2010/main" val="827816975"/>
       </p:ext>
     </p:extLst>
   </p:cSld>
@@ -10469,2602 +10469,6 @@
           <a:bodyPr/>
           <a:lstStyle/>
           <a:p>
-            <a:r>
-              <a:rPr lang="bg-BG" sz="4000" dirty="0"/>
-              <a:t>Идентифициране на рисковете</a:t>
-            </a:r>
-          </a:p>
-        </p:txBody>
-      </p:sp>
-      <p:sp>
-        <p:nvSpPr>
-          <p:cNvPr id="6" name="Slide Title">
-            <a:extLst>
-              <a:ext uri="{FF2B5EF4-FFF2-40B4-BE49-F238E27FC236}">
-                <a16:creationId xmlns:a16="http://schemas.microsoft.com/office/drawing/2014/main" id="{028D9EA3-B5E0-4F17-9467-4BE3C280DA68}"/>
-              </a:ext>
-            </a:extLst>
-          </p:cNvPr>
-          <p:cNvSpPr>
-            <a:spLocks noGrp="1"/>
-          </p:cNvSpPr>
-          <p:nvPr>
-            <p:ph type="title" sz="quarter" idx="10"/>
-          </p:nvPr>
-        </p:nvSpPr>
-        <p:spPr/>
-        <p:txBody>
-          <a:bodyPr/>
-          <a:lstStyle/>
-          <a:p>
-            <a:r>
-              <a:rPr lang="bg-BG" sz="5600" dirty="0"/>
-              <a:t>Методи за анализ на риска</a:t>
-            </a:r>
-            <a:endParaRPr lang="en-US" sz="5600" dirty="0"/>
-          </a:p>
-        </p:txBody>
-      </p:sp>
-      <p:pic>
-        <p:nvPicPr>
-          <p:cNvPr id="10" name="Picture 9">
-            <a:extLst>
-              <a:ext uri="{FF2B5EF4-FFF2-40B4-BE49-F238E27FC236}">
-                <a16:creationId xmlns:a16="http://schemas.microsoft.com/office/drawing/2014/main" id="{3D6A2548-E4F0-3AB2-4542-DAFD19F823C1}"/>
-              </a:ext>
-            </a:extLst>
-          </p:cNvPr>
-          <p:cNvPicPr>
-            <a:picLocks noChangeAspect="1"/>
-          </p:cNvPicPr>
-          <p:nvPr/>
-        </p:nvPicPr>
-        <p:blipFill>
-          <a:blip r:embed="rId3">
-            <a:extLst>
-              <a:ext uri="{28A0092B-C50C-407E-A947-70E740481C1C}">
-                <a14:useLocalDpi xmlns:a14="http://schemas.microsoft.com/office/drawing/2010/main" val="0"/>
-              </a:ext>
-            </a:extLst>
-          </a:blip>
-          <a:stretch>
-            <a:fillRect/>
-          </a:stretch>
-        </p:blipFill>
-        <p:spPr>
-          <a:xfrm>
-            <a:off x="4599750" y="1269000"/>
-            <a:ext cx="2992500" cy="2740008"/>
-          </a:xfrm>
-          <a:prstGeom prst="rect">
-            <a:avLst/>
-          </a:prstGeom>
-        </p:spPr>
-      </p:pic>
-    </p:spTree>
-    <p:extLst>
-      <p:ext uri="{BB962C8B-B14F-4D97-AF65-F5344CB8AC3E}">
-        <p14:creationId xmlns:p14="http://schemas.microsoft.com/office/powerpoint/2010/main" val="1625221437"/>
-      </p:ext>
-    </p:extLst>
-  </p:cSld>
-  <p:clrMapOvr>
-    <a:masterClrMapping/>
-  </p:clrMapOvr>
-  <mc:AlternateContent xmlns:mc="http://schemas.openxmlformats.org/markup-compatibility/2006" xmlns:p14="http://schemas.microsoft.com/office/powerpoint/2010/main">
-    <mc:Choice Requires="p14">
-      <p:transition spd="slow" p14:dur="2000" advClick="0" advTm="5000"/>
-    </mc:Choice>
-    <mc:Fallback xmlns="">
-      <p:transition spd="slow" advClick="0" advTm="5000"/>
-    </mc:Fallback>
-  </mc:AlternateContent>
-</p:sld>
-</file>
-
-<file path=ppt/slides/slide12.xml><?xml version="1.0" encoding="utf-8"?>
-<p:sld xmlns:a="http://schemas.openxmlformats.org/drawingml/2006/main" xmlns:r="http://schemas.openxmlformats.org/officeDocument/2006/relationships" xmlns:p="http://schemas.openxmlformats.org/presentationml/2006/main">
-  <p:cSld>
-    <p:spTree>
-      <p:nvGrpSpPr>
-        <p:cNvPr id="1" name=""/>
-        <p:cNvGrpSpPr/>
-        <p:nvPr/>
-      </p:nvGrpSpPr>
-      <p:grpSpPr>
-        <a:xfrm>
-          <a:off x="0" y="0"/>
-          <a:ext cx="0" cy="0"/>
-          <a:chOff x="0" y="0"/>
-          <a:chExt cx="0" cy="0"/>
-        </a:xfrm>
-      </p:grpSpPr>
-      <p:sp>
-        <p:nvSpPr>
-          <p:cNvPr id="9" name="Slide Number">
-            <a:extLst>
-              <a:ext uri="{FF2B5EF4-FFF2-40B4-BE49-F238E27FC236}">
-                <a16:creationId xmlns:a16="http://schemas.microsoft.com/office/drawing/2014/main" id="{8891F045-A272-4231-985A-53063F832AC8}"/>
-              </a:ext>
-            </a:extLst>
-          </p:cNvPr>
-          <p:cNvSpPr>
-            <a:spLocks noGrp="1"/>
-          </p:cNvSpPr>
-          <p:nvPr>
-            <p:ph type="sldNum" sz="quarter" idx="5"/>
-          </p:nvPr>
-        </p:nvSpPr>
-        <p:spPr>
-          <a:xfrm>
-            <a:off x="11753030" y="6507000"/>
-            <a:ext cx="367414" cy="297000"/>
-          </a:xfrm>
-        </p:spPr>
-        <p:txBody>
-          <a:bodyPr vert="horz" lIns="91440" tIns="45720" rIns="91440" bIns="45720" rtlCol="0" anchor="b"/>
-          <a:lstStyle>
-            <a:lvl1pPr algn="r">
-              <a:defRPr sz="1000"/>
-            </a:lvl1pPr>
-          </a:lstStyle>
-          <a:p>
-            <a:fld id="{2BF067CD-8E6B-4360-9AA8-C5DF2A48A6D1}" type="slidenum">
-              <a:rPr lang="en-US" smtClean="0"/>
-              <a:pPr/>
-              <a:t>12</a:t>
-            </a:fld>
-            <a:endParaRPr lang="en-US" dirty="0"/>
-          </a:p>
-        </p:txBody>
-      </p:sp>
-      <p:sp>
-        <p:nvSpPr>
-          <p:cNvPr id="7" name="Slide Body Text">
-            <a:extLst>
-              <a:ext uri="{FF2B5EF4-FFF2-40B4-BE49-F238E27FC236}">
-                <a16:creationId xmlns:a16="http://schemas.microsoft.com/office/drawing/2014/main" id="{320B2856-CE5E-4934-BD1C-1D81E68E529A}"/>
-              </a:ext>
-            </a:extLst>
-          </p:cNvPr>
-          <p:cNvSpPr>
-            <a:spLocks noGrp="1"/>
-          </p:cNvSpPr>
-          <p:nvPr>
-            <p:ph type="body" sz="quarter" idx="10"/>
-          </p:nvPr>
-        </p:nvSpPr>
-        <p:spPr>
-          <a:xfrm>
-            <a:off x="190402" y="1196125"/>
-            <a:ext cx="10270594" cy="5528766"/>
-          </a:xfrm>
-        </p:spPr>
-        <p:txBody>
-          <a:bodyPr>
-            <a:normAutofit lnSpcReduction="10000"/>
-          </a:bodyPr>
-          <a:lstStyle/>
-          <a:p>
-            <a:r>
-              <a:rPr lang="bg-BG" sz="3200" b="1" dirty="0"/>
-              <a:t>Метод</a:t>
-            </a:r>
-            <a:r>
-              <a:rPr lang="bg-BG" sz="3200" dirty="0"/>
-              <a:t> за </a:t>
-            </a:r>
-            <a:r>
-              <a:rPr lang="bg-BG" sz="3200" b="1" dirty="0">
-                <a:solidFill>
-                  <a:schemeClr val="bg1"/>
-                </a:solidFill>
-              </a:rPr>
-              <a:t>структурирано събиране </a:t>
-            </a:r>
-            <a:r>
-              <a:rPr lang="bg-BG" sz="3200" dirty="0"/>
-              <a:t>на </a:t>
-            </a:r>
-            <a:r>
-              <a:rPr lang="bg-BG" sz="3200" b="1" dirty="0"/>
-              <a:t>информация</a:t>
-            </a:r>
-            <a:r>
-              <a:rPr lang="bg-BG" sz="3200" dirty="0"/>
-              <a:t> за </a:t>
-            </a:r>
-            <a:r>
-              <a:rPr lang="bg-BG" sz="3200" b="1" dirty="0"/>
-              <a:t>потенциални рискове</a:t>
-            </a:r>
-            <a:r>
-              <a:rPr lang="bg-BG" sz="3200" dirty="0"/>
-              <a:t> чрез </a:t>
-            </a:r>
-            <a:r>
-              <a:rPr lang="bg-BG" sz="3200" b="1" dirty="0">
-                <a:solidFill>
-                  <a:schemeClr val="bg1"/>
-                </a:solidFill>
-              </a:rPr>
-              <a:t>предварително подготвени въпроси</a:t>
-            </a:r>
-          </a:p>
-          <a:p>
-            <a:r>
-              <a:rPr lang="bg-BG" sz="3200" dirty="0"/>
-              <a:t>Осигуряват </a:t>
-            </a:r>
-            <a:r>
-              <a:rPr lang="bg-BG" sz="3200" b="1" dirty="0"/>
-              <a:t>структурирани</a:t>
-            </a:r>
-            <a:r>
-              <a:rPr lang="bg-BG" sz="3200" dirty="0"/>
-              <a:t> и </a:t>
-            </a:r>
-            <a:r>
-              <a:rPr lang="bg-BG" sz="3200" b="1" dirty="0"/>
-              <a:t>обективни</a:t>
-            </a:r>
-            <a:r>
-              <a:rPr lang="bg-BG" sz="3200" dirty="0"/>
-              <a:t> </a:t>
-            </a:r>
-            <a:r>
-              <a:rPr lang="bg-BG" sz="3200" b="1" dirty="0"/>
-              <a:t>отговори</a:t>
-            </a:r>
-          </a:p>
-          <a:p>
-            <a:r>
-              <a:rPr lang="bg-BG" sz="3200" dirty="0"/>
-              <a:t>Подходящи са за </a:t>
-            </a:r>
-            <a:r>
-              <a:rPr lang="bg-BG" sz="3200" b="1" dirty="0"/>
-              <a:t>големи екипи </a:t>
-            </a:r>
-            <a:r>
-              <a:rPr lang="bg-BG" sz="3200" dirty="0"/>
-              <a:t>и </a:t>
-            </a:r>
-            <a:r>
-              <a:rPr lang="bg-BG" sz="3200" b="1" dirty="0"/>
-              <a:t>проекти</a:t>
-            </a:r>
-          </a:p>
-          <a:p>
-            <a:r>
-              <a:rPr lang="bg-BG" sz="3200" b="1" dirty="0"/>
-              <a:t>Примери</a:t>
-            </a:r>
-            <a:r>
-              <a:rPr lang="en-US" sz="3200" b="1" dirty="0"/>
-              <a:t>:</a:t>
-            </a:r>
-          </a:p>
-          <a:p>
-            <a:pPr lvl="1"/>
-            <a:r>
-              <a:rPr lang="bg-BG" sz="3000" dirty="0"/>
-              <a:t>Какви са най-големите технически предизвикателства при проекта?</a:t>
-            </a:r>
-          </a:p>
-          <a:p>
-            <a:pPr lvl="1"/>
-            <a:r>
-              <a:rPr lang="bg-BG" sz="3000" dirty="0"/>
-              <a:t>Какви са зависимостите на проекта</a:t>
-            </a:r>
-            <a:r>
-              <a:rPr lang="en-US" sz="3000" dirty="0"/>
-              <a:t> (</a:t>
-            </a:r>
-            <a:r>
-              <a:rPr lang="bg-BG" sz="3000" dirty="0"/>
-              <a:t>напр. трети страни, библиотеки)?</a:t>
-            </a:r>
-          </a:p>
-        </p:txBody>
-      </p:sp>
-      <p:sp>
-        <p:nvSpPr>
-          <p:cNvPr id="4" name="Slide Title"/>
-          <p:cNvSpPr>
-            <a:spLocks noGrp="1"/>
-          </p:cNvSpPr>
-          <p:nvPr>
-            <p:ph type="title"/>
-          </p:nvPr>
-        </p:nvSpPr>
-        <p:spPr>
-          <a:xfrm>
-            <a:off x="190406" y="100750"/>
-            <a:ext cx="10270594" cy="882654"/>
-          </a:xfrm>
-        </p:spPr>
-        <p:txBody>
-          <a:bodyPr/>
-          <a:lstStyle/>
-          <a:p>
-            <a:r>
-              <a:rPr lang="bg-BG" dirty="0"/>
-              <a:t>Въпросници</a:t>
-            </a:r>
-            <a:endParaRPr lang="en-US" dirty="0"/>
-          </a:p>
-        </p:txBody>
-      </p:sp>
-      <p:pic>
-        <p:nvPicPr>
-          <p:cNvPr id="6" name="Picture 5">
-            <a:extLst>
-              <a:ext uri="{FF2B5EF4-FFF2-40B4-BE49-F238E27FC236}">
-                <a16:creationId xmlns:a16="http://schemas.microsoft.com/office/drawing/2014/main" id="{87FB8174-91CB-98A2-3287-CAE35915A76B}"/>
-              </a:ext>
-            </a:extLst>
-          </p:cNvPr>
-          <p:cNvPicPr>
-            <a:picLocks noChangeAspect="1"/>
-          </p:cNvPicPr>
-          <p:nvPr/>
-        </p:nvPicPr>
-        <p:blipFill rotWithShape="1">
-          <a:blip r:embed="rId3">
-            <a:extLst>
-              <a:ext uri="{28A0092B-C50C-407E-A947-70E740481C1C}">
-                <a14:useLocalDpi xmlns:a14="http://schemas.microsoft.com/office/drawing/2010/main" val="0"/>
-              </a:ext>
-            </a:extLst>
-          </a:blip>
-          <a:srcRect t="3767" r="11064"/>
-          <a:stretch/>
-        </p:blipFill>
-        <p:spPr>
-          <a:xfrm>
-            <a:off x="10123657" y="2304070"/>
-            <a:ext cx="1813080" cy="3312875"/>
-          </a:xfrm>
-          <a:prstGeom prst="rect">
-            <a:avLst/>
-          </a:prstGeom>
-        </p:spPr>
-      </p:pic>
-    </p:spTree>
-    <p:extLst>
-      <p:ext uri="{BB962C8B-B14F-4D97-AF65-F5344CB8AC3E}">
-        <p14:creationId xmlns:p14="http://schemas.microsoft.com/office/powerpoint/2010/main" val="60034460"/>
-      </p:ext>
-    </p:extLst>
-  </p:cSld>
-  <p:clrMapOvr>
-    <a:masterClrMapping/>
-  </p:clrMapOvr>
-  <mc:AlternateContent xmlns:mc="http://schemas.openxmlformats.org/markup-compatibility/2006" xmlns:p14="http://schemas.microsoft.com/office/powerpoint/2010/main">
-    <mc:Choice Requires="p14">
-      <p:transition spd="slow" p14:dur="2000" advClick="0" advTm="5000"/>
-    </mc:Choice>
-    <mc:Fallback xmlns="">
-      <p:transition spd="slow" advClick="0" advTm="5000"/>
-    </mc:Fallback>
-  </mc:AlternateContent>
-  <p:timing>
-    <p:tnLst>
-      <p:par>
-        <p:cTn id="1" dur="indefinite" restart="never" nodeType="tmRoot">
-          <p:childTnLst>
-            <p:seq concurrent="1" nextAc="seek">
-              <p:cTn id="2" dur="indefinite" nodeType="mainSeq">
-                <p:childTnLst>
-                  <p:par>
-                    <p:cTn id="3" fill="hold">
-                      <p:stCondLst>
-                        <p:cond delay="indefinite"/>
-                      </p:stCondLst>
-                      <p:childTnLst>
-                        <p:par>
-                          <p:cTn id="4" fill="hold">
-                            <p:stCondLst>
-                              <p:cond delay="0"/>
-                            </p:stCondLst>
-                            <p:childTnLst>
-                              <p:par>
-                                <p:cTn id="5" presetID="1" presetClass="entr" presetSubtype="0" fill="hold" nodeType="clickEffect">
-                                  <p:stCondLst>
-                                    <p:cond delay="0"/>
-                                  </p:stCondLst>
-                                  <p:childTnLst>
-                                    <p:set>
-                                      <p:cBhvr>
-                                        <p:cTn id="6" dur="1" fill="hold">
-                                          <p:stCondLst>
-                                            <p:cond delay="0"/>
-                                          </p:stCondLst>
-                                        </p:cTn>
-                                        <p:tgtEl>
-                                          <p:spTgt spid="7">
-                                            <p:txEl>
-                                              <p:pRg st="1" end="1"/>
-                                            </p:txEl>
-                                          </p:spTgt>
-                                        </p:tgtEl>
-                                        <p:attrNameLst>
-                                          <p:attrName>style.visibility</p:attrName>
-                                        </p:attrNameLst>
-                                      </p:cBhvr>
-                                      <p:to>
-                                        <p:strVal val="visible"/>
-                                      </p:to>
-                                    </p:set>
-                                  </p:childTnLst>
-                                </p:cTn>
-                              </p:par>
-                            </p:childTnLst>
-                          </p:cTn>
-                        </p:par>
-                      </p:childTnLst>
-                    </p:cTn>
-                  </p:par>
-                  <p:par>
-                    <p:cTn id="7" fill="hold">
-                      <p:stCondLst>
-                        <p:cond delay="indefinite"/>
-                      </p:stCondLst>
-                      <p:childTnLst>
-                        <p:par>
-                          <p:cTn id="8" fill="hold">
-                            <p:stCondLst>
-                              <p:cond delay="0"/>
-                            </p:stCondLst>
-                            <p:childTnLst>
-                              <p:par>
-                                <p:cTn id="9" presetID="1" presetClass="entr" presetSubtype="0" fill="hold" nodeType="clickEffect">
-                                  <p:stCondLst>
-                                    <p:cond delay="0"/>
-                                  </p:stCondLst>
-                                  <p:childTnLst>
-                                    <p:set>
-                                      <p:cBhvr>
-                                        <p:cTn id="10" dur="1" fill="hold">
-                                          <p:stCondLst>
-                                            <p:cond delay="0"/>
-                                          </p:stCondLst>
-                                        </p:cTn>
-                                        <p:tgtEl>
-                                          <p:spTgt spid="7">
-                                            <p:txEl>
-                                              <p:pRg st="2" end="2"/>
-                                            </p:txEl>
-                                          </p:spTgt>
-                                        </p:tgtEl>
-                                        <p:attrNameLst>
-                                          <p:attrName>style.visibility</p:attrName>
-                                        </p:attrNameLst>
-                                      </p:cBhvr>
-                                      <p:to>
-                                        <p:strVal val="visible"/>
-                                      </p:to>
-                                    </p:set>
-                                  </p:childTnLst>
-                                </p:cTn>
-                              </p:par>
-                            </p:childTnLst>
-                          </p:cTn>
-                        </p:par>
-                      </p:childTnLst>
-                    </p:cTn>
-                  </p:par>
-                  <p:par>
-                    <p:cTn id="11" fill="hold">
-                      <p:stCondLst>
-                        <p:cond delay="indefinite"/>
-                      </p:stCondLst>
-                      <p:childTnLst>
-                        <p:par>
-                          <p:cTn id="12" fill="hold">
-                            <p:stCondLst>
-                              <p:cond delay="0"/>
-                            </p:stCondLst>
-                            <p:childTnLst>
-                              <p:par>
-                                <p:cTn id="13" presetID="1" presetClass="entr" presetSubtype="0" fill="hold" nodeType="clickEffect">
-                                  <p:stCondLst>
-                                    <p:cond delay="0"/>
-                                  </p:stCondLst>
-                                  <p:childTnLst>
-                                    <p:set>
-                                      <p:cBhvr>
-                                        <p:cTn id="14" dur="1" fill="hold">
-                                          <p:stCondLst>
-                                            <p:cond delay="0"/>
-                                          </p:stCondLst>
-                                        </p:cTn>
-                                        <p:tgtEl>
-                                          <p:spTgt spid="7">
-                                            <p:txEl>
-                                              <p:pRg st="3" end="3"/>
-                                            </p:txEl>
-                                          </p:spTgt>
-                                        </p:tgtEl>
-                                        <p:attrNameLst>
-                                          <p:attrName>style.visibility</p:attrName>
-                                        </p:attrNameLst>
-                                      </p:cBhvr>
-                                      <p:to>
-                                        <p:strVal val="visible"/>
-                                      </p:to>
-                                    </p:set>
-                                  </p:childTnLst>
-                                </p:cTn>
-                              </p:par>
-                            </p:childTnLst>
-                          </p:cTn>
-                        </p:par>
-                      </p:childTnLst>
-                    </p:cTn>
-                  </p:par>
-                  <p:par>
-                    <p:cTn id="15" fill="hold">
-                      <p:stCondLst>
-                        <p:cond delay="indefinite"/>
-                      </p:stCondLst>
-                      <p:childTnLst>
-                        <p:par>
-                          <p:cTn id="16" fill="hold">
-                            <p:stCondLst>
-                              <p:cond delay="0"/>
-                            </p:stCondLst>
-                            <p:childTnLst>
-                              <p:par>
-                                <p:cTn id="17" presetID="1" presetClass="entr" presetSubtype="0" fill="hold" nodeType="clickEffect">
-                                  <p:stCondLst>
-                                    <p:cond delay="0"/>
-                                  </p:stCondLst>
-                                  <p:childTnLst>
-                                    <p:set>
-                                      <p:cBhvr>
-                                        <p:cTn id="18" dur="1" fill="hold">
-                                          <p:stCondLst>
-                                            <p:cond delay="0"/>
-                                          </p:stCondLst>
-                                        </p:cTn>
-                                        <p:tgtEl>
-                                          <p:spTgt spid="7">
-                                            <p:txEl>
-                                              <p:pRg st="4" end="4"/>
-                                            </p:txEl>
-                                          </p:spTgt>
-                                        </p:tgtEl>
-                                        <p:attrNameLst>
-                                          <p:attrName>style.visibility</p:attrName>
-                                        </p:attrNameLst>
-                                      </p:cBhvr>
-                                      <p:to>
-                                        <p:strVal val="visible"/>
-                                      </p:to>
-                                    </p:set>
-                                  </p:childTnLst>
-                                </p:cTn>
-                              </p:par>
-                            </p:childTnLst>
-                          </p:cTn>
-                        </p:par>
-                      </p:childTnLst>
-                    </p:cTn>
-                  </p:par>
-                  <p:par>
-                    <p:cTn id="19" fill="hold">
-                      <p:stCondLst>
-                        <p:cond delay="indefinite"/>
-                      </p:stCondLst>
-                      <p:childTnLst>
-                        <p:par>
-                          <p:cTn id="20" fill="hold">
-                            <p:stCondLst>
-                              <p:cond delay="0"/>
-                            </p:stCondLst>
-                            <p:childTnLst>
-                              <p:par>
-                                <p:cTn id="21" presetID="1" presetClass="entr" presetSubtype="0" fill="hold" nodeType="clickEffect">
-                                  <p:stCondLst>
-                                    <p:cond delay="0"/>
-                                  </p:stCondLst>
-                                  <p:childTnLst>
-                                    <p:set>
-                                      <p:cBhvr>
-                                        <p:cTn id="22" dur="1" fill="hold">
-                                          <p:stCondLst>
-                                            <p:cond delay="0"/>
-                                          </p:stCondLst>
-                                        </p:cTn>
-                                        <p:tgtEl>
-                                          <p:spTgt spid="7">
-                                            <p:txEl>
-                                              <p:pRg st="5" end="5"/>
-                                            </p:txEl>
-                                          </p:spTgt>
-                                        </p:tgtEl>
-                                        <p:attrNameLst>
-                                          <p:attrName>style.visibility</p:attrName>
-                                        </p:attrNameLst>
-                                      </p:cBhvr>
-                                      <p:to>
-                                        <p:strVal val="visible"/>
-                                      </p:to>
-                                    </p:set>
-                                  </p:childTnLst>
-                                </p:cTn>
-                              </p:par>
-                            </p:childTnLst>
-                          </p:cTn>
-                        </p:par>
-                      </p:childTnLst>
-                    </p:cTn>
-                  </p:par>
-                </p:childTnLst>
-              </p:cTn>
-              <p:prevCondLst>
-                <p:cond evt="onPrev" delay="0">
-                  <p:tgtEl>
-                    <p:sldTgt/>
-                  </p:tgtEl>
-                </p:cond>
-              </p:prevCondLst>
-              <p:nextCondLst>
-                <p:cond evt="onNext" delay="0">
-                  <p:tgtEl>
-                    <p:sldTgt/>
-                  </p:tgtEl>
-                </p:cond>
-              </p:nextCondLst>
-            </p:seq>
-          </p:childTnLst>
-        </p:cTn>
-      </p:par>
-    </p:tnLst>
-  </p:timing>
-</p:sld>
-</file>
-
-<file path=ppt/slides/slide13.xml><?xml version="1.0" encoding="utf-8"?>
-<p:sld xmlns:a="http://schemas.openxmlformats.org/drawingml/2006/main" xmlns:r="http://schemas.openxmlformats.org/officeDocument/2006/relationships" xmlns:p="http://schemas.openxmlformats.org/presentationml/2006/main">
-  <p:cSld>
-    <p:spTree>
-      <p:nvGrpSpPr>
-        <p:cNvPr id="1" name=""/>
-        <p:cNvGrpSpPr/>
-        <p:nvPr/>
-      </p:nvGrpSpPr>
-      <p:grpSpPr>
-        <a:xfrm>
-          <a:off x="0" y="0"/>
-          <a:ext cx="0" cy="0"/>
-          <a:chOff x="0" y="0"/>
-          <a:chExt cx="0" cy="0"/>
-        </a:xfrm>
-      </p:grpSpPr>
-      <p:sp>
-        <p:nvSpPr>
-          <p:cNvPr id="9" name="Slide Number">
-            <a:extLst>
-              <a:ext uri="{FF2B5EF4-FFF2-40B4-BE49-F238E27FC236}">
-                <a16:creationId xmlns:a16="http://schemas.microsoft.com/office/drawing/2014/main" id="{8891F045-A272-4231-985A-53063F832AC8}"/>
-              </a:ext>
-            </a:extLst>
-          </p:cNvPr>
-          <p:cNvSpPr>
-            <a:spLocks noGrp="1"/>
-          </p:cNvSpPr>
-          <p:nvPr>
-            <p:ph type="sldNum" sz="quarter" idx="5"/>
-          </p:nvPr>
-        </p:nvSpPr>
-        <p:spPr>
-          <a:xfrm>
-            <a:off x="11753030" y="6507000"/>
-            <a:ext cx="367414" cy="297000"/>
-          </a:xfrm>
-        </p:spPr>
-        <p:txBody>
-          <a:bodyPr vert="horz" lIns="91440" tIns="45720" rIns="91440" bIns="45720" rtlCol="0" anchor="b"/>
-          <a:lstStyle>
-            <a:lvl1pPr algn="r">
-              <a:defRPr sz="1000"/>
-            </a:lvl1pPr>
-          </a:lstStyle>
-          <a:p>
-            <a:fld id="{2BF067CD-8E6B-4360-9AA8-C5DF2A48A6D1}" type="slidenum">
-              <a:rPr lang="en-US" smtClean="0"/>
-              <a:pPr/>
-              <a:t>13</a:t>
-            </a:fld>
-            <a:endParaRPr lang="en-US" dirty="0"/>
-          </a:p>
-        </p:txBody>
-      </p:sp>
-      <p:sp>
-        <p:nvSpPr>
-          <p:cNvPr id="7" name="Slide Body Text">
-            <a:extLst>
-              <a:ext uri="{FF2B5EF4-FFF2-40B4-BE49-F238E27FC236}">
-                <a16:creationId xmlns:a16="http://schemas.microsoft.com/office/drawing/2014/main" id="{320B2856-CE5E-4934-BD1C-1D81E68E529A}"/>
-              </a:ext>
-            </a:extLst>
-          </p:cNvPr>
-          <p:cNvSpPr>
-            <a:spLocks noGrp="1"/>
-          </p:cNvSpPr>
-          <p:nvPr>
-            <p:ph type="body" sz="quarter" idx="10"/>
-          </p:nvPr>
-        </p:nvSpPr>
-        <p:spPr>
-          <a:xfrm>
-            <a:off x="190402" y="1196125"/>
-            <a:ext cx="9280598" cy="5528766"/>
-          </a:xfrm>
-        </p:spPr>
-        <p:txBody>
-          <a:bodyPr>
-            <a:normAutofit lnSpcReduction="10000"/>
-          </a:bodyPr>
-          <a:lstStyle/>
-          <a:p>
-            <a:r>
-              <a:rPr lang="bg-BG" sz="3000" b="1" dirty="0"/>
-              <a:t>Техника</a:t>
-            </a:r>
-            <a:r>
-              <a:rPr lang="bg-BG" sz="3000" dirty="0"/>
-              <a:t> за </a:t>
-            </a:r>
-            <a:r>
-              <a:rPr lang="bg-BG" sz="3000" b="1" dirty="0">
-                <a:solidFill>
-                  <a:schemeClr val="bg1"/>
-                </a:solidFill>
-              </a:rPr>
-              <a:t>генериране на идеи</a:t>
-            </a:r>
-            <a:r>
-              <a:rPr lang="bg-BG" sz="3000" dirty="0"/>
-              <a:t> чрез </a:t>
-            </a:r>
-            <a:r>
-              <a:rPr lang="bg-BG" sz="3000" b="1" dirty="0"/>
-              <a:t>групови дискусии</a:t>
-            </a:r>
-          </a:p>
-          <a:p>
-            <a:r>
-              <a:rPr lang="bg-BG" sz="3000" dirty="0"/>
-              <a:t>Екипът предлага </a:t>
-            </a:r>
-            <a:r>
-              <a:rPr lang="bg-BG" sz="3000" b="1" dirty="0"/>
-              <a:t>възможни рискове без критика</a:t>
-            </a:r>
-            <a:r>
-              <a:rPr lang="bg-BG" sz="3000" dirty="0"/>
-              <a:t>, което стимулира </a:t>
-            </a:r>
-            <a:r>
-              <a:rPr lang="bg-BG" sz="3000" b="1" dirty="0"/>
-              <a:t>креативността</a:t>
-            </a:r>
-          </a:p>
-          <a:p>
-            <a:r>
-              <a:rPr lang="bg-BG" sz="3000" dirty="0"/>
-              <a:t>Подходящи са за </a:t>
-            </a:r>
-            <a:r>
-              <a:rPr lang="bg-BG" sz="3000" b="1" dirty="0"/>
-              <a:t>креативни екипи </a:t>
-            </a:r>
-            <a:r>
-              <a:rPr lang="bg-BG" sz="3000" dirty="0"/>
-              <a:t>и </a:t>
-            </a:r>
-            <a:r>
-              <a:rPr lang="bg-BG" sz="3000" b="1" dirty="0"/>
-              <a:t>иновации</a:t>
-            </a:r>
-          </a:p>
-          <a:p>
-            <a:r>
-              <a:rPr lang="bg-BG" sz="3000" b="1" dirty="0"/>
-              <a:t>Пример</a:t>
-            </a:r>
-            <a:r>
-              <a:rPr lang="en-US" sz="3000" b="1" dirty="0"/>
-              <a:t>:</a:t>
-            </a:r>
-          </a:p>
-          <a:p>
-            <a:pPr lvl="1"/>
-            <a:r>
-              <a:rPr lang="bg-BG" sz="2800" dirty="0"/>
-              <a:t>Екипът се събира и записва всички възможни проблеми, свързани с разработката на мобилно приложение (напр. несъвместимост с определени устройства, възможни сривове при голям брой потребители и др.</a:t>
-            </a:r>
-            <a:r>
-              <a:rPr lang="en-US" sz="2800" dirty="0"/>
-              <a:t>)</a:t>
-            </a:r>
-            <a:endParaRPr lang="bg-BG" sz="2800" dirty="0"/>
-          </a:p>
-        </p:txBody>
-      </p:sp>
-      <p:sp>
-        <p:nvSpPr>
-          <p:cNvPr id="4" name="Slide Title"/>
-          <p:cNvSpPr>
-            <a:spLocks noGrp="1"/>
-          </p:cNvSpPr>
-          <p:nvPr>
-            <p:ph type="title"/>
-          </p:nvPr>
-        </p:nvSpPr>
-        <p:spPr>
-          <a:xfrm>
-            <a:off x="190406" y="100750"/>
-            <a:ext cx="10270594" cy="882654"/>
-          </a:xfrm>
-        </p:spPr>
-        <p:txBody>
-          <a:bodyPr/>
-          <a:lstStyle/>
-          <a:p>
-            <a:r>
-              <a:rPr lang="bg-BG" dirty="0"/>
-              <a:t>Мозъчна атака </a:t>
-            </a:r>
-            <a:r>
-              <a:rPr lang="en-US" dirty="0"/>
-              <a:t>(Brainstorming)</a:t>
-            </a:r>
-          </a:p>
-        </p:txBody>
-      </p:sp>
-      <p:pic>
-        <p:nvPicPr>
-          <p:cNvPr id="3" name="Picture 2">
-            <a:extLst>
-              <a:ext uri="{FF2B5EF4-FFF2-40B4-BE49-F238E27FC236}">
-                <a16:creationId xmlns:a16="http://schemas.microsoft.com/office/drawing/2014/main" id="{008E871C-E8D2-D6EF-2DF4-CB292C373F95}"/>
-              </a:ext>
-            </a:extLst>
-          </p:cNvPr>
-          <p:cNvPicPr>
-            <a:picLocks noChangeAspect="1"/>
-          </p:cNvPicPr>
-          <p:nvPr/>
-        </p:nvPicPr>
-        <p:blipFill rotWithShape="1">
-          <a:blip r:embed="rId3">
-            <a:extLst>
-              <a:ext uri="{28A0092B-C50C-407E-A947-70E740481C1C}">
-                <a14:useLocalDpi xmlns:a14="http://schemas.microsoft.com/office/drawing/2010/main" val="0"/>
-              </a:ext>
-            </a:extLst>
-          </a:blip>
-          <a:srcRect l="2510" r="2285" b="2968"/>
-          <a:stretch/>
-        </p:blipFill>
-        <p:spPr>
-          <a:xfrm>
-            <a:off x="8504499" y="2700508"/>
-            <a:ext cx="3497099" cy="2520000"/>
-          </a:xfrm>
-          <a:prstGeom prst="rect">
-            <a:avLst/>
-          </a:prstGeom>
-        </p:spPr>
-      </p:pic>
-    </p:spTree>
-    <p:extLst>
-      <p:ext uri="{BB962C8B-B14F-4D97-AF65-F5344CB8AC3E}">
-        <p14:creationId xmlns:p14="http://schemas.microsoft.com/office/powerpoint/2010/main" val="3074497014"/>
-      </p:ext>
-    </p:extLst>
-  </p:cSld>
-  <p:clrMapOvr>
-    <a:masterClrMapping/>
-  </p:clrMapOvr>
-  <mc:AlternateContent xmlns:mc="http://schemas.openxmlformats.org/markup-compatibility/2006" xmlns:p14="http://schemas.microsoft.com/office/powerpoint/2010/main">
-    <mc:Choice Requires="p14">
-      <p:transition spd="slow" p14:dur="2000" advClick="0" advTm="5000"/>
-    </mc:Choice>
-    <mc:Fallback xmlns="">
-      <p:transition spd="slow" advClick="0" advTm="5000"/>
-    </mc:Fallback>
-  </mc:AlternateContent>
-  <p:timing>
-    <p:tnLst>
-      <p:par>
-        <p:cTn id="1" dur="indefinite" restart="never" nodeType="tmRoot">
-          <p:childTnLst>
-            <p:seq concurrent="1" nextAc="seek">
-              <p:cTn id="2" dur="indefinite" nodeType="mainSeq">
-                <p:childTnLst>
-                  <p:par>
-                    <p:cTn id="3" fill="hold">
-                      <p:stCondLst>
-                        <p:cond delay="indefinite"/>
-                      </p:stCondLst>
-                      <p:childTnLst>
-                        <p:par>
-                          <p:cTn id="4" fill="hold">
-                            <p:stCondLst>
-                              <p:cond delay="0"/>
-                            </p:stCondLst>
-                            <p:childTnLst>
-                              <p:par>
-                                <p:cTn id="5" presetID="1" presetClass="entr" presetSubtype="0" fill="hold" nodeType="clickEffect">
-                                  <p:stCondLst>
-                                    <p:cond delay="0"/>
-                                  </p:stCondLst>
-                                  <p:childTnLst>
-                                    <p:set>
-                                      <p:cBhvr>
-                                        <p:cTn id="6" dur="1" fill="hold">
-                                          <p:stCondLst>
-                                            <p:cond delay="0"/>
-                                          </p:stCondLst>
-                                        </p:cTn>
-                                        <p:tgtEl>
-                                          <p:spTgt spid="7">
-                                            <p:txEl>
-                                              <p:pRg st="1" end="1"/>
-                                            </p:txEl>
-                                          </p:spTgt>
-                                        </p:tgtEl>
-                                        <p:attrNameLst>
-                                          <p:attrName>style.visibility</p:attrName>
-                                        </p:attrNameLst>
-                                      </p:cBhvr>
-                                      <p:to>
-                                        <p:strVal val="visible"/>
-                                      </p:to>
-                                    </p:set>
-                                  </p:childTnLst>
-                                </p:cTn>
-                              </p:par>
-                            </p:childTnLst>
-                          </p:cTn>
-                        </p:par>
-                      </p:childTnLst>
-                    </p:cTn>
-                  </p:par>
-                  <p:par>
-                    <p:cTn id="7" fill="hold">
-                      <p:stCondLst>
-                        <p:cond delay="indefinite"/>
-                      </p:stCondLst>
-                      <p:childTnLst>
-                        <p:par>
-                          <p:cTn id="8" fill="hold">
-                            <p:stCondLst>
-                              <p:cond delay="0"/>
-                            </p:stCondLst>
-                            <p:childTnLst>
-                              <p:par>
-                                <p:cTn id="9" presetID="1" presetClass="entr" presetSubtype="0" fill="hold" nodeType="clickEffect">
-                                  <p:stCondLst>
-                                    <p:cond delay="0"/>
-                                  </p:stCondLst>
-                                  <p:childTnLst>
-                                    <p:set>
-                                      <p:cBhvr>
-                                        <p:cTn id="10" dur="1" fill="hold">
-                                          <p:stCondLst>
-                                            <p:cond delay="0"/>
-                                          </p:stCondLst>
-                                        </p:cTn>
-                                        <p:tgtEl>
-                                          <p:spTgt spid="7">
-                                            <p:txEl>
-                                              <p:pRg st="2" end="2"/>
-                                            </p:txEl>
-                                          </p:spTgt>
-                                        </p:tgtEl>
-                                        <p:attrNameLst>
-                                          <p:attrName>style.visibility</p:attrName>
-                                        </p:attrNameLst>
-                                      </p:cBhvr>
-                                      <p:to>
-                                        <p:strVal val="visible"/>
-                                      </p:to>
-                                    </p:set>
-                                  </p:childTnLst>
-                                </p:cTn>
-                              </p:par>
-                            </p:childTnLst>
-                          </p:cTn>
-                        </p:par>
-                      </p:childTnLst>
-                    </p:cTn>
-                  </p:par>
-                  <p:par>
-                    <p:cTn id="11" fill="hold">
-                      <p:stCondLst>
-                        <p:cond delay="indefinite"/>
-                      </p:stCondLst>
-                      <p:childTnLst>
-                        <p:par>
-                          <p:cTn id="12" fill="hold">
-                            <p:stCondLst>
-                              <p:cond delay="0"/>
-                            </p:stCondLst>
-                            <p:childTnLst>
-                              <p:par>
-                                <p:cTn id="13" presetID="1" presetClass="entr" presetSubtype="0" fill="hold" nodeType="clickEffect">
-                                  <p:stCondLst>
-                                    <p:cond delay="0"/>
-                                  </p:stCondLst>
-                                  <p:childTnLst>
-                                    <p:set>
-                                      <p:cBhvr>
-                                        <p:cTn id="14" dur="1" fill="hold">
-                                          <p:stCondLst>
-                                            <p:cond delay="0"/>
-                                          </p:stCondLst>
-                                        </p:cTn>
-                                        <p:tgtEl>
-                                          <p:spTgt spid="7">
-                                            <p:txEl>
-                                              <p:pRg st="3" end="3"/>
-                                            </p:txEl>
-                                          </p:spTgt>
-                                        </p:tgtEl>
-                                        <p:attrNameLst>
-                                          <p:attrName>style.visibility</p:attrName>
-                                        </p:attrNameLst>
-                                      </p:cBhvr>
-                                      <p:to>
-                                        <p:strVal val="visible"/>
-                                      </p:to>
-                                    </p:set>
-                                  </p:childTnLst>
-                                </p:cTn>
-                              </p:par>
-                            </p:childTnLst>
-                          </p:cTn>
-                        </p:par>
-                      </p:childTnLst>
-                    </p:cTn>
-                  </p:par>
-                  <p:par>
-                    <p:cTn id="15" fill="hold">
-                      <p:stCondLst>
-                        <p:cond delay="indefinite"/>
-                      </p:stCondLst>
-                      <p:childTnLst>
-                        <p:par>
-                          <p:cTn id="16" fill="hold">
-                            <p:stCondLst>
-                              <p:cond delay="0"/>
-                            </p:stCondLst>
-                            <p:childTnLst>
-                              <p:par>
-                                <p:cTn id="17" presetID="1" presetClass="entr" presetSubtype="0" fill="hold" nodeType="clickEffect">
-                                  <p:stCondLst>
-                                    <p:cond delay="0"/>
-                                  </p:stCondLst>
-                                  <p:childTnLst>
-                                    <p:set>
-                                      <p:cBhvr>
-                                        <p:cTn id="18" dur="1" fill="hold">
-                                          <p:stCondLst>
-                                            <p:cond delay="0"/>
-                                          </p:stCondLst>
-                                        </p:cTn>
-                                        <p:tgtEl>
-                                          <p:spTgt spid="7">
-                                            <p:txEl>
-                                              <p:pRg st="4" end="4"/>
-                                            </p:txEl>
-                                          </p:spTgt>
-                                        </p:tgtEl>
-                                        <p:attrNameLst>
-                                          <p:attrName>style.visibility</p:attrName>
-                                        </p:attrNameLst>
-                                      </p:cBhvr>
-                                      <p:to>
-                                        <p:strVal val="visible"/>
-                                      </p:to>
-                                    </p:set>
-                                  </p:childTnLst>
-                                </p:cTn>
-                              </p:par>
-                            </p:childTnLst>
-                          </p:cTn>
-                        </p:par>
-                      </p:childTnLst>
-                    </p:cTn>
-                  </p:par>
-                </p:childTnLst>
-              </p:cTn>
-              <p:prevCondLst>
-                <p:cond evt="onPrev" delay="0">
-                  <p:tgtEl>
-                    <p:sldTgt/>
-                  </p:tgtEl>
-                </p:cond>
-              </p:prevCondLst>
-              <p:nextCondLst>
-                <p:cond evt="onNext" delay="0">
-                  <p:tgtEl>
-                    <p:sldTgt/>
-                  </p:tgtEl>
-                </p:cond>
-              </p:nextCondLst>
-            </p:seq>
-          </p:childTnLst>
-        </p:cTn>
-      </p:par>
-    </p:tnLst>
-  </p:timing>
-</p:sld>
-</file>
-
-<file path=ppt/slides/slide14.xml><?xml version="1.0" encoding="utf-8"?>
-<p:sld xmlns:a="http://schemas.openxmlformats.org/drawingml/2006/main" xmlns:r="http://schemas.openxmlformats.org/officeDocument/2006/relationships" xmlns:p="http://schemas.openxmlformats.org/presentationml/2006/main">
-  <p:cSld>
-    <p:spTree>
-      <p:nvGrpSpPr>
-        <p:cNvPr id="1" name=""/>
-        <p:cNvGrpSpPr/>
-        <p:nvPr/>
-      </p:nvGrpSpPr>
-      <p:grpSpPr>
-        <a:xfrm>
-          <a:off x="0" y="0"/>
-          <a:ext cx="0" cy="0"/>
-          <a:chOff x="0" y="0"/>
-          <a:chExt cx="0" cy="0"/>
-        </a:xfrm>
-      </p:grpSpPr>
-      <p:sp>
-        <p:nvSpPr>
-          <p:cNvPr id="9" name="Slide Number">
-            <a:extLst>
-              <a:ext uri="{FF2B5EF4-FFF2-40B4-BE49-F238E27FC236}">
-                <a16:creationId xmlns:a16="http://schemas.microsoft.com/office/drawing/2014/main" id="{8891F045-A272-4231-985A-53063F832AC8}"/>
-              </a:ext>
-            </a:extLst>
-          </p:cNvPr>
-          <p:cNvSpPr>
-            <a:spLocks noGrp="1"/>
-          </p:cNvSpPr>
-          <p:nvPr>
-            <p:ph type="sldNum" sz="quarter" idx="5"/>
-          </p:nvPr>
-        </p:nvSpPr>
-        <p:spPr>
-          <a:xfrm>
-            <a:off x="11753030" y="6507000"/>
-            <a:ext cx="367414" cy="297000"/>
-          </a:xfrm>
-        </p:spPr>
-        <p:txBody>
-          <a:bodyPr vert="horz" lIns="91440" tIns="45720" rIns="91440" bIns="45720" rtlCol="0" anchor="b"/>
-          <a:lstStyle>
-            <a:lvl1pPr algn="r">
-              <a:defRPr sz="1000"/>
-            </a:lvl1pPr>
-          </a:lstStyle>
-          <a:p>
-            <a:fld id="{2BF067CD-8E6B-4360-9AA8-C5DF2A48A6D1}" type="slidenum">
-              <a:rPr lang="en-US" smtClean="0"/>
-              <a:pPr/>
-              <a:t>14</a:t>
-            </a:fld>
-            <a:endParaRPr lang="en-US" dirty="0"/>
-          </a:p>
-        </p:txBody>
-      </p:sp>
-      <p:sp>
-        <p:nvSpPr>
-          <p:cNvPr id="7" name="Slide Body Text">
-            <a:extLst>
-              <a:ext uri="{FF2B5EF4-FFF2-40B4-BE49-F238E27FC236}">
-                <a16:creationId xmlns:a16="http://schemas.microsoft.com/office/drawing/2014/main" id="{320B2856-CE5E-4934-BD1C-1D81E68E529A}"/>
-              </a:ext>
-            </a:extLst>
-          </p:cNvPr>
-          <p:cNvSpPr>
-            <a:spLocks noGrp="1"/>
-          </p:cNvSpPr>
-          <p:nvPr>
-            <p:ph type="body" sz="quarter" idx="10"/>
-          </p:nvPr>
-        </p:nvSpPr>
-        <p:spPr>
-          <a:xfrm>
-            <a:off x="190402" y="1196125"/>
-            <a:ext cx="11818096" cy="5528766"/>
-          </a:xfrm>
-        </p:spPr>
-        <p:txBody>
-          <a:bodyPr>
-            <a:normAutofit/>
-          </a:bodyPr>
-          <a:lstStyle/>
-          <a:p>
-            <a:r>
-              <a:rPr lang="bg-BG" sz="3000" dirty="0"/>
-              <a:t>Разглежда </a:t>
-            </a:r>
-            <a:r>
-              <a:rPr lang="bg-BG" sz="3000" b="1" dirty="0">
-                <a:solidFill>
-                  <a:schemeClr val="bg1"/>
-                </a:solidFill>
-              </a:rPr>
-              <a:t>силните</a:t>
-            </a:r>
-            <a:r>
-              <a:rPr lang="bg-BG" sz="3000" dirty="0"/>
-              <a:t> и </a:t>
-            </a:r>
-            <a:r>
-              <a:rPr lang="bg-BG" sz="3000" b="1" dirty="0">
-                <a:solidFill>
-                  <a:schemeClr val="bg1"/>
-                </a:solidFill>
-              </a:rPr>
-              <a:t>слабите</a:t>
-            </a:r>
-            <a:r>
-              <a:rPr lang="bg-BG" sz="3000" dirty="0">
-                <a:solidFill>
-                  <a:schemeClr val="bg1"/>
-                </a:solidFill>
-              </a:rPr>
-              <a:t> </a:t>
-            </a:r>
-            <a:r>
-              <a:rPr lang="bg-BG" sz="3000" b="1" dirty="0">
-                <a:solidFill>
-                  <a:schemeClr val="bg1"/>
-                </a:solidFill>
-              </a:rPr>
-              <a:t>страни</a:t>
-            </a:r>
-            <a:r>
-              <a:rPr lang="bg-BG" sz="3000" dirty="0">
-                <a:solidFill>
-                  <a:schemeClr val="bg1"/>
-                </a:solidFill>
-              </a:rPr>
-              <a:t> </a:t>
-            </a:r>
-            <a:r>
-              <a:rPr lang="bg-BG" sz="3000" dirty="0"/>
-              <a:t>на </a:t>
-            </a:r>
-            <a:r>
-              <a:rPr lang="bg-BG" sz="3000" b="1" dirty="0"/>
-              <a:t>проекта</a:t>
-            </a:r>
-            <a:r>
-              <a:rPr lang="bg-BG" sz="3000" dirty="0"/>
-              <a:t>, </a:t>
-            </a:r>
-            <a:r>
-              <a:rPr lang="bg-BG" sz="3000" b="1" dirty="0">
-                <a:solidFill>
-                  <a:schemeClr val="bg1"/>
-                </a:solidFill>
-              </a:rPr>
-              <a:t>възможностите</a:t>
-            </a:r>
-            <a:r>
-              <a:rPr lang="bg-BG" sz="3000" dirty="0"/>
-              <a:t> и </a:t>
-            </a:r>
-            <a:r>
-              <a:rPr lang="bg-BG" sz="3000" b="1" dirty="0">
-                <a:solidFill>
-                  <a:schemeClr val="bg1"/>
-                </a:solidFill>
-              </a:rPr>
-              <a:t>заплахите</a:t>
-            </a:r>
-            <a:r>
-              <a:rPr lang="bg-BG" sz="3000" dirty="0"/>
-              <a:t> от </a:t>
-            </a:r>
-            <a:r>
-              <a:rPr lang="bg-BG" sz="3000" b="1" dirty="0"/>
-              <a:t>външната среда</a:t>
-            </a:r>
-          </a:p>
-          <a:p>
-            <a:r>
-              <a:rPr lang="bg-BG" sz="3000" dirty="0"/>
-              <a:t>Позволява </a:t>
-            </a:r>
-            <a:r>
-              <a:rPr lang="bg-BG" sz="3000" b="1" dirty="0">
-                <a:solidFill>
-                  <a:schemeClr val="bg1"/>
-                </a:solidFill>
-              </a:rPr>
-              <a:t>стратегическо управление </a:t>
-            </a:r>
-            <a:r>
-              <a:rPr lang="bg-BG" sz="3000" dirty="0"/>
-              <a:t>на </a:t>
-            </a:r>
-            <a:r>
-              <a:rPr lang="bg-BG" sz="3000" b="1" dirty="0"/>
-              <a:t>риска</a:t>
-            </a:r>
-            <a:r>
-              <a:rPr lang="bg-BG" sz="3000" dirty="0"/>
-              <a:t> и </a:t>
-            </a:r>
-            <a:r>
-              <a:rPr lang="bg-BG" sz="3000" b="1" dirty="0">
-                <a:solidFill>
-                  <a:schemeClr val="bg1"/>
-                </a:solidFill>
-              </a:rPr>
-              <a:t>цялостен поглед </a:t>
-            </a:r>
-            <a:r>
-              <a:rPr lang="bg-BG" sz="3000" dirty="0"/>
-              <a:t>върху </a:t>
-            </a:r>
-            <a:r>
-              <a:rPr lang="bg-BG" sz="3000" b="1" dirty="0"/>
-              <a:t>проекта</a:t>
-            </a:r>
-          </a:p>
-          <a:p>
-            <a:r>
-              <a:rPr lang="bg-BG" sz="3000" dirty="0"/>
-              <a:t>Подходящ за </a:t>
-            </a:r>
-            <a:r>
-              <a:rPr lang="bg-BG" sz="3000" b="1" dirty="0"/>
-              <a:t>стратегии</a:t>
-            </a:r>
-            <a:r>
-              <a:rPr lang="bg-BG" sz="3000" dirty="0"/>
-              <a:t> и </a:t>
-            </a:r>
-            <a:r>
-              <a:rPr lang="bg-BG" sz="3000" b="1" dirty="0"/>
-              <a:t>бизнес решения</a:t>
-            </a:r>
-          </a:p>
-        </p:txBody>
-      </p:sp>
-      <p:sp>
-        <p:nvSpPr>
-          <p:cNvPr id="4" name="Slide Title"/>
-          <p:cNvSpPr>
-            <a:spLocks noGrp="1"/>
-          </p:cNvSpPr>
-          <p:nvPr>
-            <p:ph type="title"/>
-          </p:nvPr>
-        </p:nvSpPr>
-        <p:spPr>
-          <a:xfrm>
-            <a:off x="190406" y="100750"/>
-            <a:ext cx="10270594" cy="882654"/>
-          </a:xfrm>
-        </p:spPr>
-        <p:txBody>
-          <a:bodyPr/>
-          <a:lstStyle/>
-          <a:p>
-            <a:r>
-              <a:rPr lang="en-US" dirty="0"/>
-              <a:t>SWOT </a:t>
-            </a:r>
-            <a:r>
-              <a:rPr lang="bg-BG" dirty="0"/>
-              <a:t>анализ (</a:t>
-            </a:r>
-            <a:r>
-              <a:rPr lang="en-US" dirty="0"/>
-              <a:t>1)</a:t>
-            </a:r>
-          </a:p>
-        </p:txBody>
-      </p:sp>
-      <p:pic>
-        <p:nvPicPr>
-          <p:cNvPr id="6" name="Picture 5">
-            <a:extLst>
-              <a:ext uri="{FF2B5EF4-FFF2-40B4-BE49-F238E27FC236}">
-                <a16:creationId xmlns:a16="http://schemas.microsoft.com/office/drawing/2014/main" id="{F0526FED-F6FE-3F67-2703-23FE7C52A9B5}"/>
-              </a:ext>
-            </a:extLst>
-          </p:cNvPr>
-          <p:cNvPicPr>
-            <a:picLocks noChangeAspect="1"/>
-          </p:cNvPicPr>
-          <p:nvPr/>
-        </p:nvPicPr>
-        <p:blipFill>
-          <a:blip r:embed="rId3">
-            <a:extLst>
-              <a:ext uri="{28A0092B-C50C-407E-A947-70E740481C1C}">
-                <a14:useLocalDpi xmlns:a14="http://schemas.microsoft.com/office/drawing/2010/main" val="0"/>
-              </a:ext>
-            </a:extLst>
-          </a:blip>
-          <a:stretch>
-            <a:fillRect/>
-          </a:stretch>
-        </p:blipFill>
-        <p:spPr>
-          <a:xfrm>
-            <a:off x="1821000" y="4239000"/>
-            <a:ext cx="8550000" cy="2137500"/>
-          </a:xfrm>
-          <a:prstGeom prst="rect">
-            <a:avLst/>
-          </a:prstGeom>
-        </p:spPr>
-      </p:pic>
-    </p:spTree>
-    <p:extLst>
-      <p:ext uri="{BB962C8B-B14F-4D97-AF65-F5344CB8AC3E}">
-        <p14:creationId xmlns:p14="http://schemas.microsoft.com/office/powerpoint/2010/main" val="1373226465"/>
-      </p:ext>
-    </p:extLst>
-  </p:cSld>
-  <p:clrMapOvr>
-    <a:masterClrMapping/>
-  </p:clrMapOvr>
-  <mc:AlternateContent xmlns:mc="http://schemas.openxmlformats.org/markup-compatibility/2006" xmlns:p14="http://schemas.microsoft.com/office/powerpoint/2010/main">
-    <mc:Choice Requires="p14">
-      <p:transition spd="slow" p14:dur="2000" advClick="0" advTm="5000"/>
-    </mc:Choice>
-    <mc:Fallback xmlns="">
-      <p:transition spd="slow" advClick="0" advTm="5000"/>
-    </mc:Fallback>
-  </mc:AlternateContent>
-  <p:timing>
-    <p:tnLst>
-      <p:par>
-        <p:cTn id="1" dur="indefinite" restart="never" nodeType="tmRoot">
-          <p:childTnLst>
-            <p:seq concurrent="1" nextAc="seek">
-              <p:cTn id="2" dur="indefinite" nodeType="mainSeq">
-                <p:childTnLst>
-                  <p:par>
-                    <p:cTn id="3" fill="hold">
-                      <p:stCondLst>
-                        <p:cond delay="indefinite"/>
-                      </p:stCondLst>
-                      <p:childTnLst>
-                        <p:par>
-                          <p:cTn id="4" fill="hold">
-                            <p:stCondLst>
-                              <p:cond delay="0"/>
-                            </p:stCondLst>
-                            <p:childTnLst>
-                              <p:par>
-                                <p:cTn id="5" presetID="1" presetClass="entr" presetSubtype="0" fill="hold" nodeType="clickEffect">
-                                  <p:stCondLst>
-                                    <p:cond delay="0"/>
-                                  </p:stCondLst>
-                                  <p:childTnLst>
-                                    <p:set>
-                                      <p:cBhvr>
-                                        <p:cTn id="6" dur="1" fill="hold">
-                                          <p:stCondLst>
-                                            <p:cond delay="0"/>
-                                          </p:stCondLst>
-                                        </p:cTn>
-                                        <p:tgtEl>
-                                          <p:spTgt spid="7">
-                                            <p:txEl>
-                                              <p:pRg st="1" end="1"/>
-                                            </p:txEl>
-                                          </p:spTgt>
-                                        </p:tgtEl>
-                                        <p:attrNameLst>
-                                          <p:attrName>style.visibility</p:attrName>
-                                        </p:attrNameLst>
-                                      </p:cBhvr>
-                                      <p:to>
-                                        <p:strVal val="visible"/>
-                                      </p:to>
-                                    </p:set>
-                                  </p:childTnLst>
-                                </p:cTn>
-                              </p:par>
-                            </p:childTnLst>
-                          </p:cTn>
-                        </p:par>
-                      </p:childTnLst>
-                    </p:cTn>
-                  </p:par>
-                  <p:par>
-                    <p:cTn id="7" fill="hold">
-                      <p:stCondLst>
-                        <p:cond delay="indefinite"/>
-                      </p:stCondLst>
-                      <p:childTnLst>
-                        <p:par>
-                          <p:cTn id="8" fill="hold">
-                            <p:stCondLst>
-                              <p:cond delay="0"/>
-                            </p:stCondLst>
-                            <p:childTnLst>
-                              <p:par>
-                                <p:cTn id="9" presetID="1" presetClass="entr" presetSubtype="0" fill="hold" nodeType="clickEffect">
-                                  <p:stCondLst>
-                                    <p:cond delay="0"/>
-                                  </p:stCondLst>
-                                  <p:childTnLst>
-                                    <p:set>
-                                      <p:cBhvr>
-                                        <p:cTn id="10" dur="1" fill="hold">
-                                          <p:stCondLst>
-                                            <p:cond delay="0"/>
-                                          </p:stCondLst>
-                                        </p:cTn>
-                                        <p:tgtEl>
-                                          <p:spTgt spid="7">
-                                            <p:txEl>
-                                              <p:pRg st="2" end="2"/>
-                                            </p:txEl>
-                                          </p:spTgt>
-                                        </p:tgtEl>
-                                        <p:attrNameLst>
-                                          <p:attrName>style.visibility</p:attrName>
-                                        </p:attrNameLst>
-                                      </p:cBhvr>
-                                      <p:to>
-                                        <p:strVal val="visible"/>
-                                      </p:to>
-                                    </p:set>
-                                  </p:childTnLst>
-                                </p:cTn>
-                              </p:par>
-                            </p:childTnLst>
-                          </p:cTn>
-                        </p:par>
-                      </p:childTnLst>
-                    </p:cTn>
-                  </p:par>
-                </p:childTnLst>
-              </p:cTn>
-              <p:prevCondLst>
-                <p:cond evt="onPrev" delay="0">
-                  <p:tgtEl>
-                    <p:sldTgt/>
-                  </p:tgtEl>
-                </p:cond>
-              </p:prevCondLst>
-              <p:nextCondLst>
-                <p:cond evt="onNext" delay="0">
-                  <p:tgtEl>
-                    <p:sldTgt/>
-                  </p:tgtEl>
-                </p:cond>
-              </p:nextCondLst>
-            </p:seq>
-          </p:childTnLst>
-        </p:cTn>
-      </p:par>
-    </p:tnLst>
-  </p:timing>
-</p:sld>
-</file>
-
-<file path=ppt/slides/slide15.xml><?xml version="1.0" encoding="utf-8"?>
-<p:sld xmlns:a="http://schemas.openxmlformats.org/drawingml/2006/main" xmlns:r="http://schemas.openxmlformats.org/officeDocument/2006/relationships" xmlns:p="http://schemas.openxmlformats.org/presentationml/2006/main">
-  <p:cSld>
-    <p:spTree>
-      <p:nvGrpSpPr>
-        <p:cNvPr id="1" name=""/>
-        <p:cNvGrpSpPr/>
-        <p:nvPr/>
-      </p:nvGrpSpPr>
-      <p:grpSpPr>
-        <a:xfrm>
-          <a:off x="0" y="0"/>
-          <a:ext cx="0" cy="0"/>
-          <a:chOff x="0" y="0"/>
-          <a:chExt cx="0" cy="0"/>
-        </a:xfrm>
-      </p:grpSpPr>
-      <p:sp>
-        <p:nvSpPr>
-          <p:cNvPr id="9" name="Slide Number">
-            <a:extLst>
-              <a:ext uri="{FF2B5EF4-FFF2-40B4-BE49-F238E27FC236}">
-                <a16:creationId xmlns:a16="http://schemas.microsoft.com/office/drawing/2014/main" id="{8891F045-A272-4231-985A-53063F832AC8}"/>
-              </a:ext>
-            </a:extLst>
-          </p:cNvPr>
-          <p:cNvSpPr>
-            <a:spLocks noGrp="1"/>
-          </p:cNvSpPr>
-          <p:nvPr>
-            <p:ph type="sldNum" sz="quarter" idx="5"/>
-          </p:nvPr>
-        </p:nvSpPr>
-        <p:spPr>
-          <a:xfrm>
-            <a:off x="11753030" y="6507000"/>
-            <a:ext cx="367414" cy="297000"/>
-          </a:xfrm>
-        </p:spPr>
-        <p:txBody>
-          <a:bodyPr vert="horz" lIns="91440" tIns="45720" rIns="91440" bIns="45720" rtlCol="0" anchor="b"/>
-          <a:lstStyle>
-            <a:lvl1pPr algn="r">
-              <a:defRPr sz="1000"/>
-            </a:lvl1pPr>
-          </a:lstStyle>
-          <a:p>
-            <a:fld id="{2BF067CD-8E6B-4360-9AA8-C5DF2A48A6D1}" type="slidenum">
-              <a:rPr lang="en-US" smtClean="0"/>
-              <a:pPr/>
-              <a:t>15</a:t>
-            </a:fld>
-            <a:endParaRPr lang="en-US" dirty="0"/>
-          </a:p>
-        </p:txBody>
-      </p:sp>
-      <p:sp>
-        <p:nvSpPr>
-          <p:cNvPr id="7" name="Slide Body Text">
-            <a:extLst>
-              <a:ext uri="{FF2B5EF4-FFF2-40B4-BE49-F238E27FC236}">
-                <a16:creationId xmlns:a16="http://schemas.microsoft.com/office/drawing/2014/main" id="{320B2856-CE5E-4934-BD1C-1D81E68E529A}"/>
-              </a:ext>
-            </a:extLst>
-          </p:cNvPr>
-          <p:cNvSpPr>
-            <a:spLocks noGrp="1"/>
-          </p:cNvSpPr>
-          <p:nvPr>
-            <p:ph type="body" sz="quarter" idx="10"/>
-          </p:nvPr>
-        </p:nvSpPr>
-        <p:spPr>
-          <a:xfrm>
-            <a:off x="190402" y="1196125"/>
-            <a:ext cx="7976636" cy="5528766"/>
-          </a:xfrm>
-          <a:ln>
-            <a:noFill/>
-          </a:ln>
-        </p:spPr>
-        <p:txBody>
-          <a:bodyPr>
-            <a:normAutofit lnSpcReduction="10000"/>
-          </a:bodyPr>
-          <a:lstStyle/>
-          <a:p>
-            <a:r>
-              <a:rPr lang="en-US" sz="3000" b="1" dirty="0">
-                <a:solidFill>
-                  <a:schemeClr val="accent2"/>
-                </a:solidFill>
-              </a:rPr>
-              <a:t>S</a:t>
-            </a:r>
-            <a:r>
-              <a:rPr lang="en-US" sz="3000" b="1" dirty="0"/>
-              <a:t>trengths</a:t>
-            </a:r>
-            <a:r>
-              <a:rPr lang="bg-BG" sz="3000" b="1" dirty="0"/>
-              <a:t> </a:t>
-            </a:r>
-            <a:r>
-              <a:rPr lang="en-GB" sz="3200" dirty="0"/>
-              <a:t>–</a:t>
-            </a:r>
-            <a:r>
-              <a:rPr lang="bg-BG" sz="3000" b="1" dirty="0"/>
-              <a:t> </a:t>
-            </a:r>
-            <a:r>
-              <a:rPr lang="bg-BG" sz="3000" b="1" dirty="0">
-                <a:solidFill>
-                  <a:schemeClr val="bg1"/>
-                </a:solidFill>
-              </a:rPr>
-              <a:t>Силни страни</a:t>
-            </a:r>
-            <a:endParaRPr lang="en-US" sz="3000" b="1" dirty="0"/>
-          </a:p>
-          <a:p>
-            <a:pPr lvl="1"/>
-            <a:r>
-              <a:rPr lang="bg-BG" sz="3000" dirty="0"/>
-              <a:t>Какви </a:t>
-            </a:r>
-            <a:r>
-              <a:rPr lang="bg-BG" sz="3000" b="1" dirty="0"/>
-              <a:t>предимства</a:t>
-            </a:r>
-            <a:r>
-              <a:rPr lang="bg-BG" sz="3000" dirty="0"/>
-              <a:t> има </a:t>
-            </a:r>
-            <a:r>
-              <a:rPr lang="bg-BG" sz="3000" b="1" dirty="0"/>
-              <a:t>проектът</a:t>
-            </a:r>
-            <a:r>
-              <a:rPr lang="bg-BG" sz="3000" dirty="0"/>
-              <a:t>?</a:t>
-            </a:r>
-            <a:endParaRPr lang="en-US" sz="3000" dirty="0"/>
-          </a:p>
-          <a:p>
-            <a:r>
-              <a:rPr lang="en-US" sz="3000" b="1" dirty="0">
-                <a:solidFill>
-                  <a:srgbClr val="FF0000"/>
-                </a:solidFill>
-              </a:rPr>
-              <a:t>W</a:t>
-            </a:r>
-            <a:r>
-              <a:rPr lang="en-US" sz="3000" b="1" dirty="0"/>
-              <a:t>eaknesses</a:t>
-            </a:r>
-            <a:r>
-              <a:rPr lang="bg-BG" sz="3000" b="1" dirty="0"/>
-              <a:t> </a:t>
-            </a:r>
-            <a:r>
-              <a:rPr lang="en-GB" sz="2800" dirty="0"/>
-              <a:t>–</a:t>
-            </a:r>
-            <a:r>
-              <a:rPr lang="bg-BG" sz="3000" b="1" dirty="0"/>
-              <a:t> </a:t>
-            </a:r>
-            <a:r>
-              <a:rPr lang="bg-BG" sz="3000" b="1" dirty="0">
-                <a:solidFill>
-                  <a:schemeClr val="bg1"/>
-                </a:solidFill>
-              </a:rPr>
-              <a:t>Слаби страни</a:t>
-            </a:r>
-            <a:endParaRPr lang="bg-BG" sz="3000" b="1" dirty="0"/>
-          </a:p>
-          <a:p>
-            <a:pPr lvl="1"/>
-            <a:r>
-              <a:rPr lang="bg-BG" sz="2800" dirty="0"/>
-              <a:t>Какви </a:t>
-            </a:r>
-            <a:r>
-              <a:rPr lang="bg-BG" sz="2800" b="1" dirty="0"/>
-              <a:t>недостатъци</a:t>
-            </a:r>
-            <a:r>
-              <a:rPr lang="bg-BG" sz="2800" dirty="0"/>
-              <a:t> могат да създадат </a:t>
-            </a:r>
-            <a:r>
-              <a:rPr lang="bg-BG" sz="2800" b="1" dirty="0"/>
-              <a:t>проблеми</a:t>
-            </a:r>
-            <a:r>
-              <a:rPr lang="bg-BG" sz="2800" dirty="0"/>
-              <a:t>?</a:t>
-            </a:r>
-            <a:endParaRPr lang="en-US" sz="2800" dirty="0"/>
-          </a:p>
-          <a:p>
-            <a:r>
-              <a:rPr lang="en-US" sz="3000" b="1" dirty="0">
-                <a:solidFill>
-                  <a:schemeClr val="accent3">
-                    <a:lumMod val="75000"/>
-                  </a:schemeClr>
-                </a:solidFill>
-              </a:rPr>
-              <a:t>O</a:t>
-            </a:r>
-            <a:r>
-              <a:rPr lang="en-US" sz="3000" b="1" dirty="0"/>
-              <a:t>pportunities</a:t>
-            </a:r>
-            <a:r>
-              <a:rPr lang="bg-BG" sz="3000" b="1" dirty="0"/>
-              <a:t> </a:t>
-            </a:r>
-            <a:r>
-              <a:rPr lang="en-GB" sz="2800" dirty="0"/>
-              <a:t>–</a:t>
-            </a:r>
-            <a:r>
-              <a:rPr lang="bg-BG" sz="3000" b="1" dirty="0"/>
-              <a:t> </a:t>
-            </a:r>
-            <a:r>
-              <a:rPr lang="bg-BG" sz="3000" b="1" dirty="0">
-                <a:solidFill>
-                  <a:schemeClr val="bg1"/>
-                </a:solidFill>
-              </a:rPr>
-              <a:t>Възможности</a:t>
-            </a:r>
-            <a:endParaRPr lang="bg-BG" sz="3000" b="1" dirty="0"/>
-          </a:p>
-          <a:p>
-            <a:pPr lvl="1"/>
-            <a:r>
-              <a:rPr lang="bg-BG" sz="2800" dirty="0"/>
-              <a:t>Какви </a:t>
-            </a:r>
-            <a:r>
-              <a:rPr lang="bg-BG" sz="2800" b="1" dirty="0"/>
-              <a:t>външни фактори </a:t>
-            </a:r>
-            <a:r>
-              <a:rPr lang="bg-BG" sz="2800" dirty="0"/>
-              <a:t>могат да бъдат </a:t>
-            </a:r>
-            <a:r>
-              <a:rPr lang="bg-BG" sz="2800" b="1" dirty="0"/>
-              <a:t>полезни</a:t>
-            </a:r>
-            <a:r>
-              <a:rPr lang="bg-BG" sz="2800" dirty="0"/>
-              <a:t>?</a:t>
-            </a:r>
-            <a:endParaRPr lang="en-US" sz="2800" dirty="0"/>
-          </a:p>
-          <a:p>
-            <a:r>
-              <a:rPr lang="en-US" sz="3000" b="1" dirty="0">
-                <a:solidFill>
-                  <a:schemeClr val="bg1">
-                    <a:lumMod val="60000"/>
-                    <a:lumOff val="40000"/>
-                  </a:schemeClr>
-                </a:solidFill>
-              </a:rPr>
-              <a:t>T</a:t>
-            </a:r>
-            <a:r>
-              <a:rPr lang="en-US" sz="3000" b="1" dirty="0"/>
-              <a:t>hreats</a:t>
-            </a:r>
-            <a:r>
-              <a:rPr lang="bg-BG" sz="3000" b="1" dirty="0"/>
-              <a:t> </a:t>
-            </a:r>
-            <a:r>
-              <a:rPr lang="en-GB" sz="2800" dirty="0"/>
-              <a:t>–</a:t>
-            </a:r>
-            <a:r>
-              <a:rPr lang="bg-BG" sz="3000" b="1" dirty="0"/>
-              <a:t> </a:t>
-            </a:r>
-            <a:r>
-              <a:rPr lang="bg-BG" sz="3000" b="1" dirty="0">
-                <a:solidFill>
-                  <a:schemeClr val="bg1"/>
-                </a:solidFill>
-              </a:rPr>
-              <a:t>Заплахи</a:t>
-            </a:r>
-            <a:endParaRPr lang="bg-BG" sz="3000" b="1" dirty="0"/>
-          </a:p>
-          <a:p>
-            <a:pPr lvl="1"/>
-            <a:r>
-              <a:rPr lang="bg-BG" sz="2800" dirty="0"/>
-              <a:t>Какви </a:t>
-            </a:r>
-            <a:r>
-              <a:rPr lang="bg-BG" sz="2800" b="1" dirty="0"/>
-              <a:t>рискове</a:t>
-            </a:r>
-            <a:r>
-              <a:rPr lang="bg-BG" sz="2800" dirty="0"/>
-              <a:t> крие </a:t>
-            </a:r>
-            <a:r>
-              <a:rPr lang="bg-BG" sz="2800" b="1" dirty="0"/>
-              <a:t>външната среда</a:t>
-            </a:r>
-            <a:r>
-              <a:rPr lang="bg-BG" sz="2800" dirty="0"/>
-              <a:t>?</a:t>
-            </a:r>
-          </a:p>
-          <a:p>
-            <a:pPr lvl="1"/>
-            <a:endParaRPr lang="bg-BG" sz="2800" dirty="0"/>
-          </a:p>
-        </p:txBody>
-      </p:sp>
-      <p:sp>
-        <p:nvSpPr>
-          <p:cNvPr id="4" name="Slide Title"/>
-          <p:cNvSpPr>
-            <a:spLocks noGrp="1"/>
-          </p:cNvSpPr>
-          <p:nvPr>
-            <p:ph type="title"/>
-          </p:nvPr>
-        </p:nvSpPr>
-        <p:spPr>
-          <a:xfrm>
-            <a:off x="190406" y="100750"/>
-            <a:ext cx="10270594" cy="882654"/>
-          </a:xfrm>
-        </p:spPr>
-        <p:txBody>
-          <a:bodyPr/>
-          <a:lstStyle/>
-          <a:p>
-            <a:r>
-              <a:rPr lang="en-US" dirty="0"/>
-              <a:t>SWOT </a:t>
-            </a:r>
-            <a:r>
-              <a:rPr lang="bg-BG" dirty="0"/>
-              <a:t>анализ</a:t>
-            </a:r>
-            <a:r>
-              <a:rPr lang="en-US" dirty="0"/>
-              <a:t> (2)</a:t>
-            </a:r>
-          </a:p>
-        </p:txBody>
-      </p:sp>
-      <p:pic>
-        <p:nvPicPr>
-          <p:cNvPr id="2" name="Picture 1">
-            <a:extLst>
-              <a:ext uri="{FF2B5EF4-FFF2-40B4-BE49-F238E27FC236}">
-                <a16:creationId xmlns:a16="http://schemas.microsoft.com/office/drawing/2014/main" id="{99ADB807-58A4-10A5-72FF-D8D050C2D5EB}"/>
-              </a:ext>
-            </a:extLst>
-          </p:cNvPr>
-          <p:cNvPicPr>
-            <a:picLocks noChangeAspect="1"/>
-          </p:cNvPicPr>
-          <p:nvPr/>
-        </p:nvPicPr>
-        <p:blipFill>
-          <a:blip r:embed="rId3">
-            <a:extLst>
-              <a:ext uri="{28A0092B-C50C-407E-A947-70E740481C1C}">
-                <a14:useLocalDpi xmlns:a14="http://schemas.microsoft.com/office/drawing/2010/main" val="0"/>
-              </a:ext>
-            </a:extLst>
-          </a:blip>
-          <a:stretch>
-            <a:fillRect/>
-          </a:stretch>
-        </p:blipFill>
-        <p:spPr>
-          <a:xfrm>
-            <a:off x="7449707" y="1716993"/>
-            <a:ext cx="4487030" cy="4487030"/>
-          </a:xfrm>
-          <a:prstGeom prst="rect">
-            <a:avLst/>
-          </a:prstGeom>
-        </p:spPr>
-      </p:pic>
-    </p:spTree>
-    <p:extLst>
-      <p:ext uri="{BB962C8B-B14F-4D97-AF65-F5344CB8AC3E}">
-        <p14:creationId xmlns:p14="http://schemas.microsoft.com/office/powerpoint/2010/main" val="277296995"/>
-      </p:ext>
-    </p:extLst>
-  </p:cSld>
-  <p:clrMapOvr>
-    <a:masterClrMapping/>
-  </p:clrMapOvr>
-  <mc:AlternateContent xmlns:mc="http://schemas.openxmlformats.org/markup-compatibility/2006" xmlns:p14="http://schemas.microsoft.com/office/powerpoint/2010/main">
-    <mc:Choice Requires="p14">
-      <p:transition spd="slow" p14:dur="2000" advClick="0" advTm="5000"/>
-    </mc:Choice>
-    <mc:Fallback xmlns="">
-      <p:transition spd="slow" advClick="0" advTm="5000"/>
-    </mc:Fallback>
-  </mc:AlternateContent>
-  <p:timing>
-    <p:tnLst>
-      <p:par>
-        <p:cTn id="1" dur="indefinite" restart="never" nodeType="tmRoot">
-          <p:childTnLst>
-            <p:seq concurrent="1" nextAc="seek">
-              <p:cTn id="2" dur="indefinite" nodeType="mainSeq">
-                <p:childTnLst>
-                  <p:par>
-                    <p:cTn id="3" fill="hold">
-                      <p:stCondLst>
-                        <p:cond delay="indefinite"/>
-                      </p:stCondLst>
-                      <p:childTnLst>
-                        <p:par>
-                          <p:cTn id="4" fill="hold">
-                            <p:stCondLst>
-                              <p:cond delay="0"/>
-                            </p:stCondLst>
-                            <p:childTnLst>
-                              <p:par>
-                                <p:cTn id="5" presetID="1" presetClass="entr" presetSubtype="0" fill="hold" nodeType="clickEffect">
-                                  <p:stCondLst>
-                                    <p:cond delay="0"/>
-                                  </p:stCondLst>
-                                  <p:childTnLst>
-                                    <p:set>
-                                      <p:cBhvr>
-                                        <p:cTn id="6" dur="1" fill="hold">
-                                          <p:stCondLst>
-                                            <p:cond delay="0"/>
-                                          </p:stCondLst>
-                                        </p:cTn>
-                                        <p:tgtEl>
-                                          <p:spTgt spid="7">
-                                            <p:txEl>
-                                              <p:pRg st="1" end="1"/>
-                                            </p:txEl>
-                                          </p:spTgt>
-                                        </p:tgtEl>
-                                        <p:attrNameLst>
-                                          <p:attrName>style.visibility</p:attrName>
-                                        </p:attrNameLst>
-                                      </p:cBhvr>
-                                      <p:to>
-                                        <p:strVal val="visible"/>
-                                      </p:to>
-                                    </p:set>
-                                  </p:childTnLst>
-                                </p:cTn>
-                              </p:par>
-                            </p:childTnLst>
-                          </p:cTn>
-                        </p:par>
-                      </p:childTnLst>
-                    </p:cTn>
-                  </p:par>
-                  <p:par>
-                    <p:cTn id="7" fill="hold">
-                      <p:stCondLst>
-                        <p:cond delay="indefinite"/>
-                      </p:stCondLst>
-                      <p:childTnLst>
-                        <p:par>
-                          <p:cTn id="8" fill="hold">
-                            <p:stCondLst>
-                              <p:cond delay="0"/>
-                            </p:stCondLst>
-                            <p:childTnLst>
-                              <p:par>
-                                <p:cTn id="9" presetID="1" presetClass="entr" presetSubtype="0" fill="hold" nodeType="clickEffect">
-                                  <p:stCondLst>
-                                    <p:cond delay="0"/>
-                                  </p:stCondLst>
-                                  <p:childTnLst>
-                                    <p:set>
-                                      <p:cBhvr>
-                                        <p:cTn id="10" dur="1" fill="hold">
-                                          <p:stCondLst>
-                                            <p:cond delay="0"/>
-                                          </p:stCondLst>
-                                        </p:cTn>
-                                        <p:tgtEl>
-                                          <p:spTgt spid="7">
-                                            <p:txEl>
-                                              <p:pRg st="2" end="2"/>
-                                            </p:txEl>
-                                          </p:spTgt>
-                                        </p:tgtEl>
-                                        <p:attrNameLst>
-                                          <p:attrName>style.visibility</p:attrName>
-                                        </p:attrNameLst>
-                                      </p:cBhvr>
-                                      <p:to>
-                                        <p:strVal val="visible"/>
-                                      </p:to>
-                                    </p:set>
-                                  </p:childTnLst>
-                                </p:cTn>
-                              </p:par>
-                            </p:childTnLst>
-                          </p:cTn>
-                        </p:par>
-                      </p:childTnLst>
-                    </p:cTn>
-                  </p:par>
-                  <p:par>
-                    <p:cTn id="11" fill="hold">
-                      <p:stCondLst>
-                        <p:cond delay="indefinite"/>
-                      </p:stCondLst>
-                      <p:childTnLst>
-                        <p:par>
-                          <p:cTn id="12" fill="hold">
-                            <p:stCondLst>
-                              <p:cond delay="0"/>
-                            </p:stCondLst>
-                            <p:childTnLst>
-                              <p:par>
-                                <p:cTn id="13" presetID="1" presetClass="entr" presetSubtype="0" fill="hold" nodeType="clickEffect">
-                                  <p:stCondLst>
-                                    <p:cond delay="0"/>
-                                  </p:stCondLst>
-                                  <p:childTnLst>
-                                    <p:set>
-                                      <p:cBhvr>
-                                        <p:cTn id="14" dur="1" fill="hold">
-                                          <p:stCondLst>
-                                            <p:cond delay="0"/>
-                                          </p:stCondLst>
-                                        </p:cTn>
-                                        <p:tgtEl>
-                                          <p:spTgt spid="7">
-                                            <p:txEl>
-                                              <p:pRg st="3" end="3"/>
-                                            </p:txEl>
-                                          </p:spTgt>
-                                        </p:tgtEl>
-                                        <p:attrNameLst>
-                                          <p:attrName>style.visibility</p:attrName>
-                                        </p:attrNameLst>
-                                      </p:cBhvr>
-                                      <p:to>
-                                        <p:strVal val="visible"/>
-                                      </p:to>
-                                    </p:set>
-                                  </p:childTnLst>
-                                </p:cTn>
-                              </p:par>
-                            </p:childTnLst>
-                          </p:cTn>
-                        </p:par>
-                      </p:childTnLst>
-                    </p:cTn>
-                  </p:par>
-                  <p:par>
-                    <p:cTn id="15" fill="hold">
-                      <p:stCondLst>
-                        <p:cond delay="indefinite"/>
-                      </p:stCondLst>
-                      <p:childTnLst>
-                        <p:par>
-                          <p:cTn id="16" fill="hold">
-                            <p:stCondLst>
-                              <p:cond delay="0"/>
-                            </p:stCondLst>
-                            <p:childTnLst>
-                              <p:par>
-                                <p:cTn id="17" presetID="1" presetClass="entr" presetSubtype="0" fill="hold" nodeType="clickEffect">
-                                  <p:stCondLst>
-                                    <p:cond delay="0"/>
-                                  </p:stCondLst>
-                                  <p:childTnLst>
-                                    <p:set>
-                                      <p:cBhvr>
-                                        <p:cTn id="18" dur="1" fill="hold">
-                                          <p:stCondLst>
-                                            <p:cond delay="0"/>
-                                          </p:stCondLst>
-                                        </p:cTn>
-                                        <p:tgtEl>
-                                          <p:spTgt spid="7">
-                                            <p:txEl>
-                                              <p:pRg st="4" end="4"/>
-                                            </p:txEl>
-                                          </p:spTgt>
-                                        </p:tgtEl>
-                                        <p:attrNameLst>
-                                          <p:attrName>style.visibility</p:attrName>
-                                        </p:attrNameLst>
-                                      </p:cBhvr>
-                                      <p:to>
-                                        <p:strVal val="visible"/>
-                                      </p:to>
-                                    </p:set>
-                                  </p:childTnLst>
-                                </p:cTn>
-                              </p:par>
-                            </p:childTnLst>
-                          </p:cTn>
-                        </p:par>
-                      </p:childTnLst>
-                    </p:cTn>
-                  </p:par>
-                  <p:par>
-                    <p:cTn id="19" fill="hold">
-                      <p:stCondLst>
-                        <p:cond delay="indefinite"/>
-                      </p:stCondLst>
-                      <p:childTnLst>
-                        <p:par>
-                          <p:cTn id="20" fill="hold">
-                            <p:stCondLst>
-                              <p:cond delay="0"/>
-                            </p:stCondLst>
-                            <p:childTnLst>
-                              <p:par>
-                                <p:cTn id="21" presetID="1" presetClass="entr" presetSubtype="0" fill="hold" nodeType="clickEffect">
-                                  <p:stCondLst>
-                                    <p:cond delay="0"/>
-                                  </p:stCondLst>
-                                  <p:childTnLst>
-                                    <p:set>
-                                      <p:cBhvr>
-                                        <p:cTn id="22" dur="1" fill="hold">
-                                          <p:stCondLst>
-                                            <p:cond delay="0"/>
-                                          </p:stCondLst>
-                                        </p:cTn>
-                                        <p:tgtEl>
-                                          <p:spTgt spid="7">
-                                            <p:txEl>
-                                              <p:pRg st="5" end="5"/>
-                                            </p:txEl>
-                                          </p:spTgt>
-                                        </p:tgtEl>
-                                        <p:attrNameLst>
-                                          <p:attrName>style.visibility</p:attrName>
-                                        </p:attrNameLst>
-                                      </p:cBhvr>
-                                      <p:to>
-                                        <p:strVal val="visible"/>
-                                      </p:to>
-                                    </p:set>
-                                  </p:childTnLst>
-                                </p:cTn>
-                              </p:par>
-                            </p:childTnLst>
-                          </p:cTn>
-                        </p:par>
-                      </p:childTnLst>
-                    </p:cTn>
-                  </p:par>
-                  <p:par>
-                    <p:cTn id="23" fill="hold">
-                      <p:stCondLst>
-                        <p:cond delay="indefinite"/>
-                      </p:stCondLst>
-                      <p:childTnLst>
-                        <p:par>
-                          <p:cTn id="24" fill="hold">
-                            <p:stCondLst>
-                              <p:cond delay="0"/>
-                            </p:stCondLst>
-                            <p:childTnLst>
-                              <p:par>
-                                <p:cTn id="25" presetID="1" presetClass="entr" presetSubtype="0" fill="hold" nodeType="clickEffect">
-                                  <p:stCondLst>
-                                    <p:cond delay="0"/>
-                                  </p:stCondLst>
-                                  <p:childTnLst>
-                                    <p:set>
-                                      <p:cBhvr>
-                                        <p:cTn id="26" dur="1" fill="hold">
-                                          <p:stCondLst>
-                                            <p:cond delay="0"/>
-                                          </p:stCondLst>
-                                        </p:cTn>
-                                        <p:tgtEl>
-                                          <p:spTgt spid="7">
-                                            <p:txEl>
-                                              <p:pRg st="6" end="6"/>
-                                            </p:txEl>
-                                          </p:spTgt>
-                                        </p:tgtEl>
-                                        <p:attrNameLst>
-                                          <p:attrName>style.visibility</p:attrName>
-                                        </p:attrNameLst>
-                                      </p:cBhvr>
-                                      <p:to>
-                                        <p:strVal val="visible"/>
-                                      </p:to>
-                                    </p:set>
-                                  </p:childTnLst>
-                                </p:cTn>
-                              </p:par>
-                            </p:childTnLst>
-                          </p:cTn>
-                        </p:par>
-                      </p:childTnLst>
-                    </p:cTn>
-                  </p:par>
-                  <p:par>
-                    <p:cTn id="27" fill="hold">
-                      <p:stCondLst>
-                        <p:cond delay="indefinite"/>
-                      </p:stCondLst>
-                      <p:childTnLst>
-                        <p:par>
-                          <p:cTn id="28" fill="hold">
-                            <p:stCondLst>
-                              <p:cond delay="0"/>
-                            </p:stCondLst>
-                            <p:childTnLst>
-                              <p:par>
-                                <p:cTn id="29" presetID="1" presetClass="entr" presetSubtype="0" fill="hold" nodeType="clickEffect">
-                                  <p:stCondLst>
-                                    <p:cond delay="0"/>
-                                  </p:stCondLst>
-                                  <p:childTnLst>
-                                    <p:set>
-                                      <p:cBhvr>
-                                        <p:cTn id="30" dur="1" fill="hold">
-                                          <p:stCondLst>
-                                            <p:cond delay="0"/>
-                                          </p:stCondLst>
-                                        </p:cTn>
-                                        <p:tgtEl>
-                                          <p:spTgt spid="7">
-                                            <p:txEl>
-                                              <p:pRg st="7" end="7"/>
-                                            </p:txEl>
-                                          </p:spTgt>
-                                        </p:tgtEl>
-                                        <p:attrNameLst>
-                                          <p:attrName>style.visibility</p:attrName>
-                                        </p:attrNameLst>
-                                      </p:cBhvr>
-                                      <p:to>
-                                        <p:strVal val="visible"/>
-                                      </p:to>
-                                    </p:set>
-                                  </p:childTnLst>
-                                </p:cTn>
-                              </p:par>
-                            </p:childTnLst>
-                          </p:cTn>
-                        </p:par>
-                      </p:childTnLst>
-                    </p:cTn>
-                  </p:par>
-                </p:childTnLst>
-              </p:cTn>
-              <p:prevCondLst>
-                <p:cond evt="onPrev" delay="0">
-                  <p:tgtEl>
-                    <p:sldTgt/>
-                  </p:tgtEl>
-                </p:cond>
-              </p:prevCondLst>
-              <p:nextCondLst>
-                <p:cond evt="onNext" delay="0">
-                  <p:tgtEl>
-                    <p:sldTgt/>
-                  </p:tgtEl>
-                </p:cond>
-              </p:nextCondLst>
-            </p:seq>
-          </p:childTnLst>
-        </p:cTn>
-      </p:par>
-    </p:tnLst>
-  </p:timing>
-</p:sld>
-</file>
-
-<file path=ppt/slides/slide16.xml><?xml version="1.0" encoding="utf-8"?>
-<p:sld xmlns:a="http://schemas.openxmlformats.org/drawingml/2006/main" xmlns:r="http://schemas.openxmlformats.org/officeDocument/2006/relationships" xmlns:p="http://schemas.openxmlformats.org/presentationml/2006/main">
-  <p:cSld>
-    <p:spTree>
-      <p:nvGrpSpPr>
-        <p:cNvPr id="1" name=""/>
-        <p:cNvGrpSpPr/>
-        <p:nvPr/>
-      </p:nvGrpSpPr>
-      <p:grpSpPr>
-        <a:xfrm>
-          <a:off x="0" y="0"/>
-          <a:ext cx="0" cy="0"/>
-          <a:chOff x="0" y="0"/>
-          <a:chExt cx="0" cy="0"/>
-        </a:xfrm>
-      </p:grpSpPr>
-      <p:sp>
-        <p:nvSpPr>
-          <p:cNvPr id="9" name="Slide Number">
-            <a:extLst>
-              <a:ext uri="{FF2B5EF4-FFF2-40B4-BE49-F238E27FC236}">
-                <a16:creationId xmlns:a16="http://schemas.microsoft.com/office/drawing/2014/main" id="{8891F045-A272-4231-985A-53063F832AC8}"/>
-              </a:ext>
-            </a:extLst>
-          </p:cNvPr>
-          <p:cNvSpPr>
-            <a:spLocks noGrp="1"/>
-          </p:cNvSpPr>
-          <p:nvPr>
-            <p:ph type="sldNum" sz="quarter" idx="5"/>
-          </p:nvPr>
-        </p:nvSpPr>
-        <p:spPr>
-          <a:xfrm>
-            <a:off x="11753030" y="6507000"/>
-            <a:ext cx="367414" cy="297000"/>
-          </a:xfrm>
-        </p:spPr>
-        <p:txBody>
-          <a:bodyPr vert="horz" lIns="91440" tIns="45720" rIns="91440" bIns="45720" rtlCol="0" anchor="b"/>
-          <a:lstStyle>
-            <a:lvl1pPr algn="r">
-              <a:defRPr sz="1000"/>
-            </a:lvl1pPr>
-          </a:lstStyle>
-          <a:p>
-            <a:fld id="{2BF067CD-8E6B-4360-9AA8-C5DF2A48A6D1}" type="slidenum">
-              <a:rPr lang="en-US" smtClean="0"/>
-              <a:pPr/>
-              <a:t>16</a:t>
-            </a:fld>
-            <a:endParaRPr lang="en-US" dirty="0"/>
-          </a:p>
-        </p:txBody>
-      </p:sp>
-      <p:sp>
-        <p:nvSpPr>
-          <p:cNvPr id="4" name="Slide Title"/>
-          <p:cNvSpPr>
-            <a:spLocks noGrp="1"/>
-          </p:cNvSpPr>
-          <p:nvPr>
-            <p:ph type="title"/>
-          </p:nvPr>
-        </p:nvSpPr>
-        <p:spPr>
-          <a:xfrm>
-            <a:off x="190406" y="100750"/>
-            <a:ext cx="10270594" cy="882654"/>
-          </a:xfrm>
-        </p:spPr>
-        <p:txBody>
-          <a:bodyPr/>
-          <a:lstStyle/>
-          <a:p>
-            <a:r>
-              <a:rPr lang="en-US" dirty="0"/>
-              <a:t>SWOT </a:t>
-            </a:r>
-            <a:r>
-              <a:rPr lang="bg-BG" dirty="0"/>
-              <a:t>анализ</a:t>
-            </a:r>
-            <a:r>
-              <a:rPr lang="en-US" dirty="0"/>
-              <a:t> </a:t>
-            </a:r>
-            <a:r>
-              <a:rPr lang="en-GB" sz="4000" dirty="0">
-                <a:solidFill>
-                  <a:schemeClr val="bg2"/>
-                </a:solidFill>
-              </a:rPr>
-              <a:t>–</a:t>
-            </a:r>
-            <a:r>
-              <a:rPr lang="en-US" dirty="0"/>
-              <a:t> </a:t>
-            </a:r>
-            <a:r>
-              <a:rPr lang="bg-BG" dirty="0"/>
-              <a:t>Пример</a:t>
-            </a:r>
-            <a:endParaRPr lang="en-US" dirty="0"/>
-          </a:p>
-        </p:txBody>
-      </p:sp>
-      <p:pic>
-        <p:nvPicPr>
-          <p:cNvPr id="3" name="Picture 2">
-            <a:extLst>
-              <a:ext uri="{FF2B5EF4-FFF2-40B4-BE49-F238E27FC236}">
-                <a16:creationId xmlns:a16="http://schemas.microsoft.com/office/drawing/2014/main" id="{C8F97075-36CD-484E-4A66-353A2467803A}"/>
-              </a:ext>
-            </a:extLst>
-          </p:cNvPr>
-          <p:cNvPicPr>
-            <a:picLocks noChangeAspect="1"/>
-          </p:cNvPicPr>
-          <p:nvPr/>
-        </p:nvPicPr>
-        <p:blipFill>
-          <a:blip r:embed="rId3">
-            <a:extLst>
-              <a:ext uri="{28A0092B-C50C-407E-A947-70E740481C1C}">
-                <a14:useLocalDpi xmlns:a14="http://schemas.microsoft.com/office/drawing/2010/main" val="0"/>
-              </a:ext>
-            </a:extLst>
-          </a:blip>
-          <a:stretch>
-            <a:fillRect/>
-          </a:stretch>
-        </p:blipFill>
-        <p:spPr>
-          <a:xfrm>
-            <a:off x="71014" y="2349000"/>
-            <a:ext cx="12035934" cy="2790000"/>
-          </a:xfrm>
-          <a:prstGeom prst="rect">
-            <a:avLst/>
-          </a:prstGeom>
-        </p:spPr>
-      </p:pic>
-    </p:spTree>
-    <p:extLst>
-      <p:ext uri="{BB962C8B-B14F-4D97-AF65-F5344CB8AC3E}">
-        <p14:creationId xmlns:p14="http://schemas.microsoft.com/office/powerpoint/2010/main" val="2002786287"/>
-      </p:ext>
-    </p:extLst>
-  </p:cSld>
-  <p:clrMapOvr>
-    <a:masterClrMapping/>
-  </p:clrMapOvr>
-  <mc:AlternateContent xmlns:mc="http://schemas.openxmlformats.org/markup-compatibility/2006" xmlns:p14="http://schemas.microsoft.com/office/powerpoint/2010/main">
-    <mc:Choice Requires="p14">
-      <p:transition spd="slow" p14:dur="2000" advClick="0" advTm="5000"/>
-    </mc:Choice>
-    <mc:Fallback xmlns="">
-      <p:transition spd="slow" advClick="0" advTm="5000"/>
-    </mc:Fallback>
-  </mc:AlternateContent>
-</p:sld>
-</file>
-
-<file path=ppt/slides/slide17.xml><?xml version="1.0" encoding="utf-8"?>
-<p:sld xmlns:a="http://schemas.openxmlformats.org/drawingml/2006/main" xmlns:r="http://schemas.openxmlformats.org/officeDocument/2006/relationships" xmlns:p="http://schemas.openxmlformats.org/presentationml/2006/main">
-  <p:cSld>
-    <p:spTree>
-      <p:nvGrpSpPr>
-        <p:cNvPr id="1" name=""/>
-        <p:cNvGrpSpPr/>
-        <p:nvPr/>
-      </p:nvGrpSpPr>
-      <p:grpSpPr>
-        <a:xfrm>
-          <a:off x="0" y="0"/>
-          <a:ext cx="0" cy="0"/>
-          <a:chOff x="0" y="0"/>
-          <a:chExt cx="0" cy="0"/>
-        </a:xfrm>
-      </p:grpSpPr>
-      <p:sp>
-        <p:nvSpPr>
-          <p:cNvPr id="4" name="Slide Subtitle">
-            <a:extLst>
-              <a:ext uri="{FF2B5EF4-FFF2-40B4-BE49-F238E27FC236}">
-                <a16:creationId xmlns:a16="http://schemas.microsoft.com/office/drawing/2014/main" id="{BEB5BB41-09D4-4E9F-8C80-EE8709171CB3}"/>
-              </a:ext>
-            </a:extLst>
-          </p:cNvPr>
-          <p:cNvSpPr>
-            <a:spLocks noGrp="1"/>
-          </p:cNvSpPr>
-          <p:nvPr>
-            <p:ph type="subTitle" sz="quarter" idx="11"/>
-          </p:nvPr>
-        </p:nvSpPr>
-        <p:spPr/>
-        <p:txBody>
-          <a:bodyPr/>
-          <a:lstStyle/>
-          <a:p>
             <a:pPr>
               <a:buClr>
                 <a:schemeClr val="tx1"/>
@@ -13167,7 +10571,7 @@
 </p:sld>
 </file>
 
-<file path=ppt/slides/slide18.xml><?xml version="1.0" encoding="utf-8"?>
+<file path=ppt/slides/slide12.xml><?xml version="1.0" encoding="utf-8"?>
 <p:sld xmlns:a="http://schemas.openxmlformats.org/drawingml/2006/main" xmlns:r="http://schemas.openxmlformats.org/officeDocument/2006/relationships" xmlns:p="http://schemas.openxmlformats.org/presentationml/2006/main">
   <p:cSld>
     <p:spTree>
@@ -13208,7 +10612,7 @@
             <a:fld id="{2BF067CD-8E6B-4360-9AA8-C5DF2A48A6D1}" type="slidenum">
               <a:rPr lang="en-US" noProof="0" smtClean="0"/>
               <a:pPr/>
-              <a:t>18</a:t>
+              <a:t>12</a:t>
             </a:fld>
             <a:endParaRPr lang="en-US" noProof="0" dirty="0"/>
           </a:p>
@@ -14411,6 +11815,2602 @@
 </p:sld>
 </file>
 
+<file path=ppt/slides/slide13.xml><?xml version="1.0" encoding="utf-8"?>
+<p:sld xmlns:a="http://schemas.openxmlformats.org/drawingml/2006/main" xmlns:r="http://schemas.openxmlformats.org/officeDocument/2006/relationships" xmlns:p="http://schemas.openxmlformats.org/presentationml/2006/main">
+  <p:cSld>
+    <p:spTree>
+      <p:nvGrpSpPr>
+        <p:cNvPr id="1" name=""/>
+        <p:cNvGrpSpPr/>
+        <p:nvPr/>
+      </p:nvGrpSpPr>
+      <p:grpSpPr>
+        <a:xfrm>
+          <a:off x="0" y="0"/>
+          <a:ext cx="0" cy="0"/>
+          <a:chOff x="0" y="0"/>
+          <a:chExt cx="0" cy="0"/>
+        </a:xfrm>
+      </p:grpSpPr>
+      <p:sp>
+        <p:nvSpPr>
+          <p:cNvPr id="4" name="Slide Subtitle">
+            <a:extLst>
+              <a:ext uri="{FF2B5EF4-FFF2-40B4-BE49-F238E27FC236}">
+                <a16:creationId xmlns:a16="http://schemas.microsoft.com/office/drawing/2014/main" id="{BEB5BB41-09D4-4E9F-8C80-EE8709171CB3}"/>
+              </a:ext>
+            </a:extLst>
+          </p:cNvPr>
+          <p:cNvSpPr>
+            <a:spLocks noGrp="1"/>
+          </p:cNvSpPr>
+          <p:nvPr>
+            <p:ph type="subTitle" sz="quarter" idx="11"/>
+          </p:nvPr>
+        </p:nvSpPr>
+        <p:spPr/>
+        <p:txBody>
+          <a:bodyPr/>
+          <a:lstStyle/>
+          <a:p>
+            <a:r>
+              <a:rPr lang="bg-BG" sz="4000" dirty="0"/>
+              <a:t>Идентифициране на рисковете</a:t>
+            </a:r>
+          </a:p>
+        </p:txBody>
+      </p:sp>
+      <p:sp>
+        <p:nvSpPr>
+          <p:cNvPr id="6" name="Slide Title">
+            <a:extLst>
+              <a:ext uri="{FF2B5EF4-FFF2-40B4-BE49-F238E27FC236}">
+                <a16:creationId xmlns:a16="http://schemas.microsoft.com/office/drawing/2014/main" id="{028D9EA3-B5E0-4F17-9467-4BE3C280DA68}"/>
+              </a:ext>
+            </a:extLst>
+          </p:cNvPr>
+          <p:cNvSpPr>
+            <a:spLocks noGrp="1"/>
+          </p:cNvSpPr>
+          <p:nvPr>
+            <p:ph type="title" sz="quarter" idx="10"/>
+          </p:nvPr>
+        </p:nvSpPr>
+        <p:spPr/>
+        <p:txBody>
+          <a:bodyPr/>
+          <a:lstStyle/>
+          <a:p>
+            <a:r>
+              <a:rPr lang="bg-BG" sz="5600" dirty="0"/>
+              <a:t>Методи за анализ на риска</a:t>
+            </a:r>
+            <a:endParaRPr lang="en-US" sz="5600" dirty="0"/>
+          </a:p>
+        </p:txBody>
+      </p:sp>
+      <p:pic>
+        <p:nvPicPr>
+          <p:cNvPr id="10" name="Picture 9">
+            <a:extLst>
+              <a:ext uri="{FF2B5EF4-FFF2-40B4-BE49-F238E27FC236}">
+                <a16:creationId xmlns:a16="http://schemas.microsoft.com/office/drawing/2014/main" id="{3D6A2548-E4F0-3AB2-4542-DAFD19F823C1}"/>
+              </a:ext>
+            </a:extLst>
+          </p:cNvPr>
+          <p:cNvPicPr>
+            <a:picLocks noChangeAspect="1"/>
+          </p:cNvPicPr>
+          <p:nvPr/>
+        </p:nvPicPr>
+        <p:blipFill>
+          <a:blip r:embed="rId3">
+            <a:extLst>
+              <a:ext uri="{28A0092B-C50C-407E-A947-70E740481C1C}">
+                <a14:useLocalDpi xmlns:a14="http://schemas.microsoft.com/office/drawing/2010/main" val="0"/>
+              </a:ext>
+            </a:extLst>
+          </a:blip>
+          <a:stretch>
+            <a:fillRect/>
+          </a:stretch>
+        </p:blipFill>
+        <p:spPr>
+          <a:xfrm>
+            <a:off x="4599750" y="1269000"/>
+            <a:ext cx="2992500" cy="2740008"/>
+          </a:xfrm>
+          <a:prstGeom prst="rect">
+            <a:avLst/>
+          </a:prstGeom>
+        </p:spPr>
+      </p:pic>
+    </p:spTree>
+    <p:extLst>
+      <p:ext uri="{BB962C8B-B14F-4D97-AF65-F5344CB8AC3E}">
+        <p14:creationId xmlns:p14="http://schemas.microsoft.com/office/powerpoint/2010/main" val="1625221437"/>
+      </p:ext>
+    </p:extLst>
+  </p:cSld>
+  <p:clrMapOvr>
+    <a:masterClrMapping/>
+  </p:clrMapOvr>
+  <mc:AlternateContent xmlns:mc="http://schemas.openxmlformats.org/markup-compatibility/2006" xmlns:p14="http://schemas.microsoft.com/office/powerpoint/2010/main">
+    <mc:Choice Requires="p14">
+      <p:transition spd="slow" p14:dur="2000" advClick="0" advTm="5000"/>
+    </mc:Choice>
+    <mc:Fallback xmlns="">
+      <p:transition spd="slow" advClick="0" advTm="5000"/>
+    </mc:Fallback>
+  </mc:AlternateContent>
+</p:sld>
+</file>
+
+<file path=ppt/slides/slide14.xml><?xml version="1.0" encoding="utf-8"?>
+<p:sld xmlns:a="http://schemas.openxmlformats.org/drawingml/2006/main" xmlns:r="http://schemas.openxmlformats.org/officeDocument/2006/relationships" xmlns:p="http://schemas.openxmlformats.org/presentationml/2006/main">
+  <p:cSld>
+    <p:spTree>
+      <p:nvGrpSpPr>
+        <p:cNvPr id="1" name=""/>
+        <p:cNvGrpSpPr/>
+        <p:nvPr/>
+      </p:nvGrpSpPr>
+      <p:grpSpPr>
+        <a:xfrm>
+          <a:off x="0" y="0"/>
+          <a:ext cx="0" cy="0"/>
+          <a:chOff x="0" y="0"/>
+          <a:chExt cx="0" cy="0"/>
+        </a:xfrm>
+      </p:grpSpPr>
+      <p:sp>
+        <p:nvSpPr>
+          <p:cNvPr id="9" name="Slide Number">
+            <a:extLst>
+              <a:ext uri="{FF2B5EF4-FFF2-40B4-BE49-F238E27FC236}">
+                <a16:creationId xmlns:a16="http://schemas.microsoft.com/office/drawing/2014/main" id="{8891F045-A272-4231-985A-53063F832AC8}"/>
+              </a:ext>
+            </a:extLst>
+          </p:cNvPr>
+          <p:cNvSpPr>
+            <a:spLocks noGrp="1"/>
+          </p:cNvSpPr>
+          <p:nvPr>
+            <p:ph type="sldNum" sz="quarter" idx="5"/>
+          </p:nvPr>
+        </p:nvSpPr>
+        <p:spPr>
+          <a:xfrm>
+            <a:off x="11753030" y="6507000"/>
+            <a:ext cx="367414" cy="297000"/>
+          </a:xfrm>
+        </p:spPr>
+        <p:txBody>
+          <a:bodyPr vert="horz" lIns="91440" tIns="45720" rIns="91440" bIns="45720" rtlCol="0" anchor="b"/>
+          <a:lstStyle>
+            <a:lvl1pPr algn="r">
+              <a:defRPr sz="1000"/>
+            </a:lvl1pPr>
+          </a:lstStyle>
+          <a:p>
+            <a:fld id="{2BF067CD-8E6B-4360-9AA8-C5DF2A48A6D1}" type="slidenum">
+              <a:rPr lang="en-US" smtClean="0"/>
+              <a:pPr/>
+              <a:t>14</a:t>
+            </a:fld>
+            <a:endParaRPr lang="en-US" dirty="0"/>
+          </a:p>
+        </p:txBody>
+      </p:sp>
+      <p:sp>
+        <p:nvSpPr>
+          <p:cNvPr id="7" name="Slide Body Text">
+            <a:extLst>
+              <a:ext uri="{FF2B5EF4-FFF2-40B4-BE49-F238E27FC236}">
+                <a16:creationId xmlns:a16="http://schemas.microsoft.com/office/drawing/2014/main" id="{320B2856-CE5E-4934-BD1C-1D81E68E529A}"/>
+              </a:ext>
+            </a:extLst>
+          </p:cNvPr>
+          <p:cNvSpPr>
+            <a:spLocks noGrp="1"/>
+          </p:cNvSpPr>
+          <p:nvPr>
+            <p:ph type="body" sz="quarter" idx="10"/>
+          </p:nvPr>
+        </p:nvSpPr>
+        <p:spPr>
+          <a:xfrm>
+            <a:off x="190402" y="1196125"/>
+            <a:ext cx="10270594" cy="5528766"/>
+          </a:xfrm>
+        </p:spPr>
+        <p:txBody>
+          <a:bodyPr>
+            <a:normAutofit lnSpcReduction="10000"/>
+          </a:bodyPr>
+          <a:lstStyle/>
+          <a:p>
+            <a:r>
+              <a:rPr lang="bg-BG" sz="3200" b="1" dirty="0"/>
+              <a:t>Метод</a:t>
+            </a:r>
+            <a:r>
+              <a:rPr lang="bg-BG" sz="3200" dirty="0"/>
+              <a:t> за </a:t>
+            </a:r>
+            <a:r>
+              <a:rPr lang="bg-BG" sz="3200" b="1" dirty="0">
+                <a:solidFill>
+                  <a:schemeClr val="bg1"/>
+                </a:solidFill>
+              </a:rPr>
+              <a:t>структурирано събиране </a:t>
+            </a:r>
+            <a:r>
+              <a:rPr lang="bg-BG" sz="3200" dirty="0"/>
+              <a:t>на </a:t>
+            </a:r>
+            <a:r>
+              <a:rPr lang="bg-BG" sz="3200" b="1" dirty="0"/>
+              <a:t>информация</a:t>
+            </a:r>
+            <a:r>
+              <a:rPr lang="bg-BG" sz="3200" dirty="0"/>
+              <a:t> за </a:t>
+            </a:r>
+            <a:r>
+              <a:rPr lang="bg-BG" sz="3200" b="1" dirty="0"/>
+              <a:t>потенциални рискове</a:t>
+            </a:r>
+            <a:r>
+              <a:rPr lang="bg-BG" sz="3200" dirty="0"/>
+              <a:t> чрез </a:t>
+            </a:r>
+            <a:r>
+              <a:rPr lang="bg-BG" sz="3200" b="1" dirty="0">
+                <a:solidFill>
+                  <a:schemeClr val="bg1"/>
+                </a:solidFill>
+              </a:rPr>
+              <a:t>предварително подготвени въпроси</a:t>
+            </a:r>
+          </a:p>
+          <a:p>
+            <a:r>
+              <a:rPr lang="bg-BG" sz="3200" dirty="0"/>
+              <a:t>Осигуряват </a:t>
+            </a:r>
+            <a:r>
+              <a:rPr lang="bg-BG" sz="3200" b="1" dirty="0"/>
+              <a:t>структурирани</a:t>
+            </a:r>
+            <a:r>
+              <a:rPr lang="bg-BG" sz="3200" dirty="0"/>
+              <a:t> и </a:t>
+            </a:r>
+            <a:r>
+              <a:rPr lang="bg-BG" sz="3200" b="1" dirty="0"/>
+              <a:t>обективни</a:t>
+            </a:r>
+            <a:r>
+              <a:rPr lang="bg-BG" sz="3200" dirty="0"/>
+              <a:t> </a:t>
+            </a:r>
+            <a:r>
+              <a:rPr lang="bg-BG" sz="3200" b="1" dirty="0"/>
+              <a:t>отговори</a:t>
+            </a:r>
+          </a:p>
+          <a:p>
+            <a:r>
+              <a:rPr lang="bg-BG" sz="3200" dirty="0"/>
+              <a:t>Подходящи са за </a:t>
+            </a:r>
+            <a:r>
+              <a:rPr lang="bg-BG" sz="3200" b="1" dirty="0"/>
+              <a:t>големи екипи </a:t>
+            </a:r>
+            <a:r>
+              <a:rPr lang="bg-BG" sz="3200" dirty="0"/>
+              <a:t>и </a:t>
+            </a:r>
+            <a:r>
+              <a:rPr lang="bg-BG" sz="3200" b="1" dirty="0"/>
+              <a:t>проекти</a:t>
+            </a:r>
+          </a:p>
+          <a:p>
+            <a:r>
+              <a:rPr lang="bg-BG" sz="3200" b="1" dirty="0"/>
+              <a:t>Примери</a:t>
+            </a:r>
+            <a:r>
+              <a:rPr lang="en-US" sz="3200" b="1" dirty="0"/>
+              <a:t>:</a:t>
+            </a:r>
+          </a:p>
+          <a:p>
+            <a:pPr lvl="1"/>
+            <a:r>
+              <a:rPr lang="bg-BG" sz="3000" dirty="0"/>
+              <a:t>Какви са най-големите технически предизвикателства при проекта?</a:t>
+            </a:r>
+          </a:p>
+          <a:p>
+            <a:pPr lvl="1"/>
+            <a:r>
+              <a:rPr lang="bg-BG" sz="3000" dirty="0"/>
+              <a:t>Какви са зависимостите на проекта</a:t>
+            </a:r>
+            <a:r>
+              <a:rPr lang="en-US" sz="3000" dirty="0"/>
+              <a:t> (</a:t>
+            </a:r>
+            <a:r>
+              <a:rPr lang="bg-BG" sz="3000" dirty="0"/>
+              <a:t>напр. трети страни, библиотеки)?</a:t>
+            </a:r>
+          </a:p>
+        </p:txBody>
+      </p:sp>
+      <p:sp>
+        <p:nvSpPr>
+          <p:cNvPr id="4" name="Slide Title"/>
+          <p:cNvSpPr>
+            <a:spLocks noGrp="1"/>
+          </p:cNvSpPr>
+          <p:nvPr>
+            <p:ph type="title"/>
+          </p:nvPr>
+        </p:nvSpPr>
+        <p:spPr>
+          <a:xfrm>
+            <a:off x="190406" y="100750"/>
+            <a:ext cx="10270594" cy="882654"/>
+          </a:xfrm>
+        </p:spPr>
+        <p:txBody>
+          <a:bodyPr/>
+          <a:lstStyle/>
+          <a:p>
+            <a:r>
+              <a:rPr lang="bg-BG" dirty="0"/>
+              <a:t>Въпросници</a:t>
+            </a:r>
+            <a:endParaRPr lang="en-US" dirty="0"/>
+          </a:p>
+        </p:txBody>
+      </p:sp>
+      <p:pic>
+        <p:nvPicPr>
+          <p:cNvPr id="6" name="Picture 5">
+            <a:extLst>
+              <a:ext uri="{FF2B5EF4-FFF2-40B4-BE49-F238E27FC236}">
+                <a16:creationId xmlns:a16="http://schemas.microsoft.com/office/drawing/2014/main" id="{87FB8174-91CB-98A2-3287-CAE35915A76B}"/>
+              </a:ext>
+            </a:extLst>
+          </p:cNvPr>
+          <p:cNvPicPr>
+            <a:picLocks noChangeAspect="1"/>
+          </p:cNvPicPr>
+          <p:nvPr/>
+        </p:nvPicPr>
+        <p:blipFill rotWithShape="1">
+          <a:blip r:embed="rId3">
+            <a:extLst>
+              <a:ext uri="{28A0092B-C50C-407E-A947-70E740481C1C}">
+                <a14:useLocalDpi xmlns:a14="http://schemas.microsoft.com/office/drawing/2010/main" val="0"/>
+              </a:ext>
+            </a:extLst>
+          </a:blip>
+          <a:srcRect t="3767" r="11064"/>
+          <a:stretch/>
+        </p:blipFill>
+        <p:spPr>
+          <a:xfrm>
+            <a:off x="10123657" y="2304070"/>
+            <a:ext cx="1813080" cy="3312875"/>
+          </a:xfrm>
+          <a:prstGeom prst="rect">
+            <a:avLst/>
+          </a:prstGeom>
+        </p:spPr>
+      </p:pic>
+    </p:spTree>
+    <p:extLst>
+      <p:ext uri="{BB962C8B-B14F-4D97-AF65-F5344CB8AC3E}">
+        <p14:creationId xmlns:p14="http://schemas.microsoft.com/office/powerpoint/2010/main" val="60034460"/>
+      </p:ext>
+    </p:extLst>
+  </p:cSld>
+  <p:clrMapOvr>
+    <a:masterClrMapping/>
+  </p:clrMapOvr>
+  <mc:AlternateContent xmlns:mc="http://schemas.openxmlformats.org/markup-compatibility/2006" xmlns:p14="http://schemas.microsoft.com/office/powerpoint/2010/main">
+    <mc:Choice Requires="p14">
+      <p:transition spd="slow" p14:dur="2000" advClick="0" advTm="5000"/>
+    </mc:Choice>
+    <mc:Fallback xmlns="">
+      <p:transition spd="slow" advClick="0" advTm="5000"/>
+    </mc:Fallback>
+  </mc:AlternateContent>
+  <p:timing>
+    <p:tnLst>
+      <p:par>
+        <p:cTn id="1" dur="indefinite" restart="never" nodeType="tmRoot">
+          <p:childTnLst>
+            <p:seq concurrent="1" nextAc="seek">
+              <p:cTn id="2" dur="indefinite" nodeType="mainSeq">
+                <p:childTnLst>
+                  <p:par>
+                    <p:cTn id="3" fill="hold">
+                      <p:stCondLst>
+                        <p:cond delay="indefinite"/>
+                      </p:stCondLst>
+                      <p:childTnLst>
+                        <p:par>
+                          <p:cTn id="4" fill="hold">
+                            <p:stCondLst>
+                              <p:cond delay="0"/>
+                            </p:stCondLst>
+                            <p:childTnLst>
+                              <p:par>
+                                <p:cTn id="5" presetID="1" presetClass="entr" presetSubtype="0" fill="hold" nodeType="clickEffect">
+                                  <p:stCondLst>
+                                    <p:cond delay="0"/>
+                                  </p:stCondLst>
+                                  <p:childTnLst>
+                                    <p:set>
+                                      <p:cBhvr>
+                                        <p:cTn id="6" dur="1" fill="hold">
+                                          <p:stCondLst>
+                                            <p:cond delay="0"/>
+                                          </p:stCondLst>
+                                        </p:cTn>
+                                        <p:tgtEl>
+                                          <p:spTgt spid="7">
+                                            <p:txEl>
+                                              <p:pRg st="1" end="1"/>
+                                            </p:txEl>
+                                          </p:spTgt>
+                                        </p:tgtEl>
+                                        <p:attrNameLst>
+                                          <p:attrName>style.visibility</p:attrName>
+                                        </p:attrNameLst>
+                                      </p:cBhvr>
+                                      <p:to>
+                                        <p:strVal val="visible"/>
+                                      </p:to>
+                                    </p:set>
+                                  </p:childTnLst>
+                                </p:cTn>
+                              </p:par>
+                            </p:childTnLst>
+                          </p:cTn>
+                        </p:par>
+                      </p:childTnLst>
+                    </p:cTn>
+                  </p:par>
+                  <p:par>
+                    <p:cTn id="7" fill="hold">
+                      <p:stCondLst>
+                        <p:cond delay="indefinite"/>
+                      </p:stCondLst>
+                      <p:childTnLst>
+                        <p:par>
+                          <p:cTn id="8" fill="hold">
+                            <p:stCondLst>
+                              <p:cond delay="0"/>
+                            </p:stCondLst>
+                            <p:childTnLst>
+                              <p:par>
+                                <p:cTn id="9" presetID="1" presetClass="entr" presetSubtype="0" fill="hold" nodeType="clickEffect">
+                                  <p:stCondLst>
+                                    <p:cond delay="0"/>
+                                  </p:stCondLst>
+                                  <p:childTnLst>
+                                    <p:set>
+                                      <p:cBhvr>
+                                        <p:cTn id="10" dur="1" fill="hold">
+                                          <p:stCondLst>
+                                            <p:cond delay="0"/>
+                                          </p:stCondLst>
+                                        </p:cTn>
+                                        <p:tgtEl>
+                                          <p:spTgt spid="7">
+                                            <p:txEl>
+                                              <p:pRg st="2" end="2"/>
+                                            </p:txEl>
+                                          </p:spTgt>
+                                        </p:tgtEl>
+                                        <p:attrNameLst>
+                                          <p:attrName>style.visibility</p:attrName>
+                                        </p:attrNameLst>
+                                      </p:cBhvr>
+                                      <p:to>
+                                        <p:strVal val="visible"/>
+                                      </p:to>
+                                    </p:set>
+                                  </p:childTnLst>
+                                </p:cTn>
+                              </p:par>
+                            </p:childTnLst>
+                          </p:cTn>
+                        </p:par>
+                      </p:childTnLst>
+                    </p:cTn>
+                  </p:par>
+                  <p:par>
+                    <p:cTn id="11" fill="hold">
+                      <p:stCondLst>
+                        <p:cond delay="indefinite"/>
+                      </p:stCondLst>
+                      <p:childTnLst>
+                        <p:par>
+                          <p:cTn id="12" fill="hold">
+                            <p:stCondLst>
+                              <p:cond delay="0"/>
+                            </p:stCondLst>
+                            <p:childTnLst>
+                              <p:par>
+                                <p:cTn id="13" presetID="1" presetClass="entr" presetSubtype="0" fill="hold" nodeType="clickEffect">
+                                  <p:stCondLst>
+                                    <p:cond delay="0"/>
+                                  </p:stCondLst>
+                                  <p:childTnLst>
+                                    <p:set>
+                                      <p:cBhvr>
+                                        <p:cTn id="14" dur="1" fill="hold">
+                                          <p:stCondLst>
+                                            <p:cond delay="0"/>
+                                          </p:stCondLst>
+                                        </p:cTn>
+                                        <p:tgtEl>
+                                          <p:spTgt spid="7">
+                                            <p:txEl>
+                                              <p:pRg st="3" end="3"/>
+                                            </p:txEl>
+                                          </p:spTgt>
+                                        </p:tgtEl>
+                                        <p:attrNameLst>
+                                          <p:attrName>style.visibility</p:attrName>
+                                        </p:attrNameLst>
+                                      </p:cBhvr>
+                                      <p:to>
+                                        <p:strVal val="visible"/>
+                                      </p:to>
+                                    </p:set>
+                                  </p:childTnLst>
+                                </p:cTn>
+                              </p:par>
+                            </p:childTnLst>
+                          </p:cTn>
+                        </p:par>
+                      </p:childTnLst>
+                    </p:cTn>
+                  </p:par>
+                  <p:par>
+                    <p:cTn id="15" fill="hold">
+                      <p:stCondLst>
+                        <p:cond delay="indefinite"/>
+                      </p:stCondLst>
+                      <p:childTnLst>
+                        <p:par>
+                          <p:cTn id="16" fill="hold">
+                            <p:stCondLst>
+                              <p:cond delay="0"/>
+                            </p:stCondLst>
+                            <p:childTnLst>
+                              <p:par>
+                                <p:cTn id="17" presetID="1" presetClass="entr" presetSubtype="0" fill="hold" nodeType="clickEffect">
+                                  <p:stCondLst>
+                                    <p:cond delay="0"/>
+                                  </p:stCondLst>
+                                  <p:childTnLst>
+                                    <p:set>
+                                      <p:cBhvr>
+                                        <p:cTn id="18" dur="1" fill="hold">
+                                          <p:stCondLst>
+                                            <p:cond delay="0"/>
+                                          </p:stCondLst>
+                                        </p:cTn>
+                                        <p:tgtEl>
+                                          <p:spTgt spid="7">
+                                            <p:txEl>
+                                              <p:pRg st="4" end="4"/>
+                                            </p:txEl>
+                                          </p:spTgt>
+                                        </p:tgtEl>
+                                        <p:attrNameLst>
+                                          <p:attrName>style.visibility</p:attrName>
+                                        </p:attrNameLst>
+                                      </p:cBhvr>
+                                      <p:to>
+                                        <p:strVal val="visible"/>
+                                      </p:to>
+                                    </p:set>
+                                  </p:childTnLst>
+                                </p:cTn>
+                              </p:par>
+                            </p:childTnLst>
+                          </p:cTn>
+                        </p:par>
+                      </p:childTnLst>
+                    </p:cTn>
+                  </p:par>
+                  <p:par>
+                    <p:cTn id="19" fill="hold">
+                      <p:stCondLst>
+                        <p:cond delay="indefinite"/>
+                      </p:stCondLst>
+                      <p:childTnLst>
+                        <p:par>
+                          <p:cTn id="20" fill="hold">
+                            <p:stCondLst>
+                              <p:cond delay="0"/>
+                            </p:stCondLst>
+                            <p:childTnLst>
+                              <p:par>
+                                <p:cTn id="21" presetID="1" presetClass="entr" presetSubtype="0" fill="hold" nodeType="clickEffect">
+                                  <p:stCondLst>
+                                    <p:cond delay="0"/>
+                                  </p:stCondLst>
+                                  <p:childTnLst>
+                                    <p:set>
+                                      <p:cBhvr>
+                                        <p:cTn id="22" dur="1" fill="hold">
+                                          <p:stCondLst>
+                                            <p:cond delay="0"/>
+                                          </p:stCondLst>
+                                        </p:cTn>
+                                        <p:tgtEl>
+                                          <p:spTgt spid="7">
+                                            <p:txEl>
+                                              <p:pRg st="5" end="5"/>
+                                            </p:txEl>
+                                          </p:spTgt>
+                                        </p:tgtEl>
+                                        <p:attrNameLst>
+                                          <p:attrName>style.visibility</p:attrName>
+                                        </p:attrNameLst>
+                                      </p:cBhvr>
+                                      <p:to>
+                                        <p:strVal val="visible"/>
+                                      </p:to>
+                                    </p:set>
+                                  </p:childTnLst>
+                                </p:cTn>
+                              </p:par>
+                            </p:childTnLst>
+                          </p:cTn>
+                        </p:par>
+                      </p:childTnLst>
+                    </p:cTn>
+                  </p:par>
+                </p:childTnLst>
+              </p:cTn>
+              <p:prevCondLst>
+                <p:cond evt="onPrev" delay="0">
+                  <p:tgtEl>
+                    <p:sldTgt/>
+                  </p:tgtEl>
+                </p:cond>
+              </p:prevCondLst>
+              <p:nextCondLst>
+                <p:cond evt="onNext" delay="0">
+                  <p:tgtEl>
+                    <p:sldTgt/>
+                  </p:tgtEl>
+                </p:cond>
+              </p:nextCondLst>
+            </p:seq>
+          </p:childTnLst>
+        </p:cTn>
+      </p:par>
+    </p:tnLst>
+  </p:timing>
+</p:sld>
+</file>
+
+<file path=ppt/slides/slide15.xml><?xml version="1.0" encoding="utf-8"?>
+<p:sld xmlns:a="http://schemas.openxmlformats.org/drawingml/2006/main" xmlns:r="http://schemas.openxmlformats.org/officeDocument/2006/relationships" xmlns:p="http://schemas.openxmlformats.org/presentationml/2006/main">
+  <p:cSld>
+    <p:spTree>
+      <p:nvGrpSpPr>
+        <p:cNvPr id="1" name=""/>
+        <p:cNvGrpSpPr/>
+        <p:nvPr/>
+      </p:nvGrpSpPr>
+      <p:grpSpPr>
+        <a:xfrm>
+          <a:off x="0" y="0"/>
+          <a:ext cx="0" cy="0"/>
+          <a:chOff x="0" y="0"/>
+          <a:chExt cx="0" cy="0"/>
+        </a:xfrm>
+      </p:grpSpPr>
+      <p:sp>
+        <p:nvSpPr>
+          <p:cNvPr id="9" name="Slide Number">
+            <a:extLst>
+              <a:ext uri="{FF2B5EF4-FFF2-40B4-BE49-F238E27FC236}">
+                <a16:creationId xmlns:a16="http://schemas.microsoft.com/office/drawing/2014/main" id="{8891F045-A272-4231-985A-53063F832AC8}"/>
+              </a:ext>
+            </a:extLst>
+          </p:cNvPr>
+          <p:cNvSpPr>
+            <a:spLocks noGrp="1"/>
+          </p:cNvSpPr>
+          <p:nvPr>
+            <p:ph type="sldNum" sz="quarter" idx="5"/>
+          </p:nvPr>
+        </p:nvSpPr>
+        <p:spPr>
+          <a:xfrm>
+            <a:off x="11753030" y="6507000"/>
+            <a:ext cx="367414" cy="297000"/>
+          </a:xfrm>
+        </p:spPr>
+        <p:txBody>
+          <a:bodyPr vert="horz" lIns="91440" tIns="45720" rIns="91440" bIns="45720" rtlCol="0" anchor="b"/>
+          <a:lstStyle>
+            <a:lvl1pPr algn="r">
+              <a:defRPr sz="1000"/>
+            </a:lvl1pPr>
+          </a:lstStyle>
+          <a:p>
+            <a:fld id="{2BF067CD-8E6B-4360-9AA8-C5DF2A48A6D1}" type="slidenum">
+              <a:rPr lang="en-US" smtClean="0"/>
+              <a:pPr/>
+              <a:t>15</a:t>
+            </a:fld>
+            <a:endParaRPr lang="en-US" dirty="0"/>
+          </a:p>
+        </p:txBody>
+      </p:sp>
+      <p:sp>
+        <p:nvSpPr>
+          <p:cNvPr id="7" name="Slide Body Text">
+            <a:extLst>
+              <a:ext uri="{FF2B5EF4-FFF2-40B4-BE49-F238E27FC236}">
+                <a16:creationId xmlns:a16="http://schemas.microsoft.com/office/drawing/2014/main" id="{320B2856-CE5E-4934-BD1C-1D81E68E529A}"/>
+              </a:ext>
+            </a:extLst>
+          </p:cNvPr>
+          <p:cNvSpPr>
+            <a:spLocks noGrp="1"/>
+          </p:cNvSpPr>
+          <p:nvPr>
+            <p:ph type="body" sz="quarter" idx="10"/>
+          </p:nvPr>
+        </p:nvSpPr>
+        <p:spPr>
+          <a:xfrm>
+            <a:off x="190402" y="1196125"/>
+            <a:ext cx="9280598" cy="5528766"/>
+          </a:xfrm>
+        </p:spPr>
+        <p:txBody>
+          <a:bodyPr>
+            <a:normAutofit lnSpcReduction="10000"/>
+          </a:bodyPr>
+          <a:lstStyle/>
+          <a:p>
+            <a:r>
+              <a:rPr lang="bg-BG" sz="3000" b="1" dirty="0"/>
+              <a:t>Техника</a:t>
+            </a:r>
+            <a:r>
+              <a:rPr lang="bg-BG" sz="3000" dirty="0"/>
+              <a:t> за </a:t>
+            </a:r>
+            <a:r>
+              <a:rPr lang="bg-BG" sz="3000" b="1" dirty="0">
+                <a:solidFill>
+                  <a:schemeClr val="bg1"/>
+                </a:solidFill>
+              </a:rPr>
+              <a:t>генериране на идеи</a:t>
+            </a:r>
+            <a:r>
+              <a:rPr lang="bg-BG" sz="3000" dirty="0"/>
+              <a:t> чрез </a:t>
+            </a:r>
+            <a:r>
+              <a:rPr lang="bg-BG" sz="3000" b="1" dirty="0"/>
+              <a:t>групови дискусии</a:t>
+            </a:r>
+          </a:p>
+          <a:p>
+            <a:r>
+              <a:rPr lang="bg-BG" sz="3000" dirty="0"/>
+              <a:t>Екипът предлага </a:t>
+            </a:r>
+            <a:r>
+              <a:rPr lang="bg-BG" sz="3000" b="1" dirty="0"/>
+              <a:t>възможни рискове без критика</a:t>
+            </a:r>
+            <a:r>
+              <a:rPr lang="bg-BG" sz="3000" dirty="0"/>
+              <a:t>, което стимулира </a:t>
+            </a:r>
+            <a:r>
+              <a:rPr lang="bg-BG" sz="3000" b="1" dirty="0"/>
+              <a:t>креативността</a:t>
+            </a:r>
+          </a:p>
+          <a:p>
+            <a:r>
+              <a:rPr lang="bg-BG" sz="3000" dirty="0"/>
+              <a:t>Подходящи са за </a:t>
+            </a:r>
+            <a:r>
+              <a:rPr lang="bg-BG" sz="3000" b="1" dirty="0"/>
+              <a:t>креативни екипи </a:t>
+            </a:r>
+            <a:r>
+              <a:rPr lang="bg-BG" sz="3000" dirty="0"/>
+              <a:t>и </a:t>
+            </a:r>
+            <a:r>
+              <a:rPr lang="bg-BG" sz="3000" b="1" dirty="0"/>
+              <a:t>иновации</a:t>
+            </a:r>
+          </a:p>
+          <a:p>
+            <a:r>
+              <a:rPr lang="bg-BG" sz="3000" b="1" dirty="0"/>
+              <a:t>Пример</a:t>
+            </a:r>
+            <a:r>
+              <a:rPr lang="en-US" sz="3000" b="1" dirty="0"/>
+              <a:t>:</a:t>
+            </a:r>
+          </a:p>
+          <a:p>
+            <a:pPr lvl="1"/>
+            <a:r>
+              <a:rPr lang="bg-BG" sz="2800" dirty="0"/>
+              <a:t>Екипът се събира и записва всички възможни проблеми, свързани с разработката на мобилно приложение (напр. несъвместимост с определени устройства, възможни сривове при голям брой потребители и др.</a:t>
+            </a:r>
+            <a:r>
+              <a:rPr lang="en-US" sz="2800" dirty="0"/>
+              <a:t>)</a:t>
+            </a:r>
+            <a:endParaRPr lang="bg-BG" sz="2800" dirty="0"/>
+          </a:p>
+        </p:txBody>
+      </p:sp>
+      <p:sp>
+        <p:nvSpPr>
+          <p:cNvPr id="4" name="Slide Title"/>
+          <p:cNvSpPr>
+            <a:spLocks noGrp="1"/>
+          </p:cNvSpPr>
+          <p:nvPr>
+            <p:ph type="title"/>
+          </p:nvPr>
+        </p:nvSpPr>
+        <p:spPr>
+          <a:xfrm>
+            <a:off x="190406" y="100750"/>
+            <a:ext cx="10270594" cy="882654"/>
+          </a:xfrm>
+        </p:spPr>
+        <p:txBody>
+          <a:bodyPr/>
+          <a:lstStyle/>
+          <a:p>
+            <a:r>
+              <a:rPr lang="bg-BG" dirty="0"/>
+              <a:t>Мозъчна атака </a:t>
+            </a:r>
+            <a:r>
+              <a:rPr lang="en-US" dirty="0"/>
+              <a:t>(Brainstorming)</a:t>
+            </a:r>
+          </a:p>
+        </p:txBody>
+      </p:sp>
+      <p:pic>
+        <p:nvPicPr>
+          <p:cNvPr id="3" name="Picture 2">
+            <a:extLst>
+              <a:ext uri="{FF2B5EF4-FFF2-40B4-BE49-F238E27FC236}">
+                <a16:creationId xmlns:a16="http://schemas.microsoft.com/office/drawing/2014/main" id="{008E871C-E8D2-D6EF-2DF4-CB292C373F95}"/>
+              </a:ext>
+            </a:extLst>
+          </p:cNvPr>
+          <p:cNvPicPr>
+            <a:picLocks noChangeAspect="1"/>
+          </p:cNvPicPr>
+          <p:nvPr/>
+        </p:nvPicPr>
+        <p:blipFill rotWithShape="1">
+          <a:blip r:embed="rId3">
+            <a:extLst>
+              <a:ext uri="{28A0092B-C50C-407E-A947-70E740481C1C}">
+                <a14:useLocalDpi xmlns:a14="http://schemas.microsoft.com/office/drawing/2010/main" val="0"/>
+              </a:ext>
+            </a:extLst>
+          </a:blip>
+          <a:srcRect l="2510" r="2285" b="2968"/>
+          <a:stretch/>
+        </p:blipFill>
+        <p:spPr>
+          <a:xfrm>
+            <a:off x="8504499" y="2700508"/>
+            <a:ext cx="3497099" cy="2520000"/>
+          </a:xfrm>
+          <a:prstGeom prst="rect">
+            <a:avLst/>
+          </a:prstGeom>
+        </p:spPr>
+      </p:pic>
+    </p:spTree>
+    <p:extLst>
+      <p:ext uri="{BB962C8B-B14F-4D97-AF65-F5344CB8AC3E}">
+        <p14:creationId xmlns:p14="http://schemas.microsoft.com/office/powerpoint/2010/main" val="3074497014"/>
+      </p:ext>
+    </p:extLst>
+  </p:cSld>
+  <p:clrMapOvr>
+    <a:masterClrMapping/>
+  </p:clrMapOvr>
+  <mc:AlternateContent xmlns:mc="http://schemas.openxmlformats.org/markup-compatibility/2006" xmlns:p14="http://schemas.microsoft.com/office/powerpoint/2010/main">
+    <mc:Choice Requires="p14">
+      <p:transition spd="slow" p14:dur="2000" advClick="0" advTm="5000"/>
+    </mc:Choice>
+    <mc:Fallback xmlns="">
+      <p:transition spd="slow" advClick="0" advTm="5000"/>
+    </mc:Fallback>
+  </mc:AlternateContent>
+  <p:timing>
+    <p:tnLst>
+      <p:par>
+        <p:cTn id="1" dur="indefinite" restart="never" nodeType="tmRoot">
+          <p:childTnLst>
+            <p:seq concurrent="1" nextAc="seek">
+              <p:cTn id="2" dur="indefinite" nodeType="mainSeq">
+                <p:childTnLst>
+                  <p:par>
+                    <p:cTn id="3" fill="hold">
+                      <p:stCondLst>
+                        <p:cond delay="indefinite"/>
+                      </p:stCondLst>
+                      <p:childTnLst>
+                        <p:par>
+                          <p:cTn id="4" fill="hold">
+                            <p:stCondLst>
+                              <p:cond delay="0"/>
+                            </p:stCondLst>
+                            <p:childTnLst>
+                              <p:par>
+                                <p:cTn id="5" presetID="1" presetClass="entr" presetSubtype="0" fill="hold" nodeType="clickEffect">
+                                  <p:stCondLst>
+                                    <p:cond delay="0"/>
+                                  </p:stCondLst>
+                                  <p:childTnLst>
+                                    <p:set>
+                                      <p:cBhvr>
+                                        <p:cTn id="6" dur="1" fill="hold">
+                                          <p:stCondLst>
+                                            <p:cond delay="0"/>
+                                          </p:stCondLst>
+                                        </p:cTn>
+                                        <p:tgtEl>
+                                          <p:spTgt spid="7">
+                                            <p:txEl>
+                                              <p:pRg st="1" end="1"/>
+                                            </p:txEl>
+                                          </p:spTgt>
+                                        </p:tgtEl>
+                                        <p:attrNameLst>
+                                          <p:attrName>style.visibility</p:attrName>
+                                        </p:attrNameLst>
+                                      </p:cBhvr>
+                                      <p:to>
+                                        <p:strVal val="visible"/>
+                                      </p:to>
+                                    </p:set>
+                                  </p:childTnLst>
+                                </p:cTn>
+                              </p:par>
+                            </p:childTnLst>
+                          </p:cTn>
+                        </p:par>
+                      </p:childTnLst>
+                    </p:cTn>
+                  </p:par>
+                  <p:par>
+                    <p:cTn id="7" fill="hold">
+                      <p:stCondLst>
+                        <p:cond delay="indefinite"/>
+                      </p:stCondLst>
+                      <p:childTnLst>
+                        <p:par>
+                          <p:cTn id="8" fill="hold">
+                            <p:stCondLst>
+                              <p:cond delay="0"/>
+                            </p:stCondLst>
+                            <p:childTnLst>
+                              <p:par>
+                                <p:cTn id="9" presetID="1" presetClass="entr" presetSubtype="0" fill="hold" nodeType="clickEffect">
+                                  <p:stCondLst>
+                                    <p:cond delay="0"/>
+                                  </p:stCondLst>
+                                  <p:childTnLst>
+                                    <p:set>
+                                      <p:cBhvr>
+                                        <p:cTn id="10" dur="1" fill="hold">
+                                          <p:stCondLst>
+                                            <p:cond delay="0"/>
+                                          </p:stCondLst>
+                                        </p:cTn>
+                                        <p:tgtEl>
+                                          <p:spTgt spid="7">
+                                            <p:txEl>
+                                              <p:pRg st="2" end="2"/>
+                                            </p:txEl>
+                                          </p:spTgt>
+                                        </p:tgtEl>
+                                        <p:attrNameLst>
+                                          <p:attrName>style.visibility</p:attrName>
+                                        </p:attrNameLst>
+                                      </p:cBhvr>
+                                      <p:to>
+                                        <p:strVal val="visible"/>
+                                      </p:to>
+                                    </p:set>
+                                  </p:childTnLst>
+                                </p:cTn>
+                              </p:par>
+                            </p:childTnLst>
+                          </p:cTn>
+                        </p:par>
+                      </p:childTnLst>
+                    </p:cTn>
+                  </p:par>
+                  <p:par>
+                    <p:cTn id="11" fill="hold">
+                      <p:stCondLst>
+                        <p:cond delay="indefinite"/>
+                      </p:stCondLst>
+                      <p:childTnLst>
+                        <p:par>
+                          <p:cTn id="12" fill="hold">
+                            <p:stCondLst>
+                              <p:cond delay="0"/>
+                            </p:stCondLst>
+                            <p:childTnLst>
+                              <p:par>
+                                <p:cTn id="13" presetID="1" presetClass="entr" presetSubtype="0" fill="hold" nodeType="clickEffect">
+                                  <p:stCondLst>
+                                    <p:cond delay="0"/>
+                                  </p:stCondLst>
+                                  <p:childTnLst>
+                                    <p:set>
+                                      <p:cBhvr>
+                                        <p:cTn id="14" dur="1" fill="hold">
+                                          <p:stCondLst>
+                                            <p:cond delay="0"/>
+                                          </p:stCondLst>
+                                        </p:cTn>
+                                        <p:tgtEl>
+                                          <p:spTgt spid="7">
+                                            <p:txEl>
+                                              <p:pRg st="3" end="3"/>
+                                            </p:txEl>
+                                          </p:spTgt>
+                                        </p:tgtEl>
+                                        <p:attrNameLst>
+                                          <p:attrName>style.visibility</p:attrName>
+                                        </p:attrNameLst>
+                                      </p:cBhvr>
+                                      <p:to>
+                                        <p:strVal val="visible"/>
+                                      </p:to>
+                                    </p:set>
+                                  </p:childTnLst>
+                                </p:cTn>
+                              </p:par>
+                            </p:childTnLst>
+                          </p:cTn>
+                        </p:par>
+                      </p:childTnLst>
+                    </p:cTn>
+                  </p:par>
+                  <p:par>
+                    <p:cTn id="15" fill="hold">
+                      <p:stCondLst>
+                        <p:cond delay="indefinite"/>
+                      </p:stCondLst>
+                      <p:childTnLst>
+                        <p:par>
+                          <p:cTn id="16" fill="hold">
+                            <p:stCondLst>
+                              <p:cond delay="0"/>
+                            </p:stCondLst>
+                            <p:childTnLst>
+                              <p:par>
+                                <p:cTn id="17" presetID="1" presetClass="entr" presetSubtype="0" fill="hold" nodeType="clickEffect">
+                                  <p:stCondLst>
+                                    <p:cond delay="0"/>
+                                  </p:stCondLst>
+                                  <p:childTnLst>
+                                    <p:set>
+                                      <p:cBhvr>
+                                        <p:cTn id="18" dur="1" fill="hold">
+                                          <p:stCondLst>
+                                            <p:cond delay="0"/>
+                                          </p:stCondLst>
+                                        </p:cTn>
+                                        <p:tgtEl>
+                                          <p:spTgt spid="7">
+                                            <p:txEl>
+                                              <p:pRg st="4" end="4"/>
+                                            </p:txEl>
+                                          </p:spTgt>
+                                        </p:tgtEl>
+                                        <p:attrNameLst>
+                                          <p:attrName>style.visibility</p:attrName>
+                                        </p:attrNameLst>
+                                      </p:cBhvr>
+                                      <p:to>
+                                        <p:strVal val="visible"/>
+                                      </p:to>
+                                    </p:set>
+                                  </p:childTnLst>
+                                </p:cTn>
+                              </p:par>
+                            </p:childTnLst>
+                          </p:cTn>
+                        </p:par>
+                      </p:childTnLst>
+                    </p:cTn>
+                  </p:par>
+                </p:childTnLst>
+              </p:cTn>
+              <p:prevCondLst>
+                <p:cond evt="onPrev" delay="0">
+                  <p:tgtEl>
+                    <p:sldTgt/>
+                  </p:tgtEl>
+                </p:cond>
+              </p:prevCondLst>
+              <p:nextCondLst>
+                <p:cond evt="onNext" delay="0">
+                  <p:tgtEl>
+                    <p:sldTgt/>
+                  </p:tgtEl>
+                </p:cond>
+              </p:nextCondLst>
+            </p:seq>
+          </p:childTnLst>
+        </p:cTn>
+      </p:par>
+    </p:tnLst>
+  </p:timing>
+</p:sld>
+</file>
+
+<file path=ppt/slides/slide16.xml><?xml version="1.0" encoding="utf-8"?>
+<p:sld xmlns:a="http://schemas.openxmlformats.org/drawingml/2006/main" xmlns:r="http://schemas.openxmlformats.org/officeDocument/2006/relationships" xmlns:p="http://schemas.openxmlformats.org/presentationml/2006/main">
+  <p:cSld>
+    <p:spTree>
+      <p:nvGrpSpPr>
+        <p:cNvPr id="1" name=""/>
+        <p:cNvGrpSpPr/>
+        <p:nvPr/>
+      </p:nvGrpSpPr>
+      <p:grpSpPr>
+        <a:xfrm>
+          <a:off x="0" y="0"/>
+          <a:ext cx="0" cy="0"/>
+          <a:chOff x="0" y="0"/>
+          <a:chExt cx="0" cy="0"/>
+        </a:xfrm>
+      </p:grpSpPr>
+      <p:sp>
+        <p:nvSpPr>
+          <p:cNvPr id="9" name="Slide Number">
+            <a:extLst>
+              <a:ext uri="{FF2B5EF4-FFF2-40B4-BE49-F238E27FC236}">
+                <a16:creationId xmlns:a16="http://schemas.microsoft.com/office/drawing/2014/main" id="{8891F045-A272-4231-985A-53063F832AC8}"/>
+              </a:ext>
+            </a:extLst>
+          </p:cNvPr>
+          <p:cNvSpPr>
+            <a:spLocks noGrp="1"/>
+          </p:cNvSpPr>
+          <p:nvPr>
+            <p:ph type="sldNum" sz="quarter" idx="5"/>
+          </p:nvPr>
+        </p:nvSpPr>
+        <p:spPr>
+          <a:xfrm>
+            <a:off x="11753030" y="6507000"/>
+            <a:ext cx="367414" cy="297000"/>
+          </a:xfrm>
+        </p:spPr>
+        <p:txBody>
+          <a:bodyPr vert="horz" lIns="91440" tIns="45720" rIns="91440" bIns="45720" rtlCol="0" anchor="b"/>
+          <a:lstStyle>
+            <a:lvl1pPr algn="r">
+              <a:defRPr sz="1000"/>
+            </a:lvl1pPr>
+          </a:lstStyle>
+          <a:p>
+            <a:fld id="{2BF067CD-8E6B-4360-9AA8-C5DF2A48A6D1}" type="slidenum">
+              <a:rPr lang="en-US" smtClean="0"/>
+              <a:pPr/>
+              <a:t>16</a:t>
+            </a:fld>
+            <a:endParaRPr lang="en-US" dirty="0"/>
+          </a:p>
+        </p:txBody>
+      </p:sp>
+      <p:sp>
+        <p:nvSpPr>
+          <p:cNvPr id="7" name="Slide Body Text">
+            <a:extLst>
+              <a:ext uri="{FF2B5EF4-FFF2-40B4-BE49-F238E27FC236}">
+                <a16:creationId xmlns:a16="http://schemas.microsoft.com/office/drawing/2014/main" id="{320B2856-CE5E-4934-BD1C-1D81E68E529A}"/>
+              </a:ext>
+            </a:extLst>
+          </p:cNvPr>
+          <p:cNvSpPr>
+            <a:spLocks noGrp="1"/>
+          </p:cNvSpPr>
+          <p:nvPr>
+            <p:ph type="body" sz="quarter" idx="10"/>
+          </p:nvPr>
+        </p:nvSpPr>
+        <p:spPr>
+          <a:xfrm>
+            <a:off x="190402" y="1196125"/>
+            <a:ext cx="11818096" cy="5528766"/>
+          </a:xfrm>
+        </p:spPr>
+        <p:txBody>
+          <a:bodyPr>
+            <a:normAutofit/>
+          </a:bodyPr>
+          <a:lstStyle/>
+          <a:p>
+            <a:r>
+              <a:rPr lang="bg-BG" sz="3000" dirty="0"/>
+              <a:t>Разглежда </a:t>
+            </a:r>
+            <a:r>
+              <a:rPr lang="bg-BG" sz="3000" b="1" dirty="0">
+                <a:solidFill>
+                  <a:schemeClr val="bg1"/>
+                </a:solidFill>
+              </a:rPr>
+              <a:t>силните</a:t>
+            </a:r>
+            <a:r>
+              <a:rPr lang="bg-BG" sz="3000" dirty="0"/>
+              <a:t> и </a:t>
+            </a:r>
+            <a:r>
+              <a:rPr lang="bg-BG" sz="3000" b="1" dirty="0">
+                <a:solidFill>
+                  <a:schemeClr val="bg1"/>
+                </a:solidFill>
+              </a:rPr>
+              <a:t>слабите</a:t>
+            </a:r>
+            <a:r>
+              <a:rPr lang="bg-BG" sz="3000" dirty="0">
+                <a:solidFill>
+                  <a:schemeClr val="bg1"/>
+                </a:solidFill>
+              </a:rPr>
+              <a:t> </a:t>
+            </a:r>
+            <a:r>
+              <a:rPr lang="bg-BG" sz="3000" b="1" dirty="0">
+                <a:solidFill>
+                  <a:schemeClr val="bg1"/>
+                </a:solidFill>
+              </a:rPr>
+              <a:t>страни</a:t>
+            </a:r>
+            <a:r>
+              <a:rPr lang="bg-BG" sz="3000" dirty="0">
+                <a:solidFill>
+                  <a:schemeClr val="bg1"/>
+                </a:solidFill>
+              </a:rPr>
+              <a:t> </a:t>
+            </a:r>
+            <a:r>
+              <a:rPr lang="bg-BG" sz="3000" dirty="0"/>
+              <a:t>на </a:t>
+            </a:r>
+            <a:r>
+              <a:rPr lang="bg-BG" sz="3000" b="1" dirty="0"/>
+              <a:t>проекта</a:t>
+            </a:r>
+            <a:r>
+              <a:rPr lang="bg-BG" sz="3000" dirty="0"/>
+              <a:t>, </a:t>
+            </a:r>
+            <a:r>
+              <a:rPr lang="bg-BG" sz="3000" b="1" dirty="0">
+                <a:solidFill>
+                  <a:schemeClr val="bg1"/>
+                </a:solidFill>
+              </a:rPr>
+              <a:t>възможностите</a:t>
+            </a:r>
+            <a:r>
+              <a:rPr lang="bg-BG" sz="3000" dirty="0"/>
+              <a:t> и </a:t>
+            </a:r>
+            <a:r>
+              <a:rPr lang="bg-BG" sz="3000" b="1" dirty="0">
+                <a:solidFill>
+                  <a:schemeClr val="bg1"/>
+                </a:solidFill>
+              </a:rPr>
+              <a:t>заплахите</a:t>
+            </a:r>
+            <a:r>
+              <a:rPr lang="bg-BG" sz="3000" dirty="0"/>
+              <a:t> от </a:t>
+            </a:r>
+            <a:r>
+              <a:rPr lang="bg-BG" sz="3000" b="1" dirty="0"/>
+              <a:t>външната среда</a:t>
+            </a:r>
+          </a:p>
+          <a:p>
+            <a:r>
+              <a:rPr lang="bg-BG" sz="3000" dirty="0"/>
+              <a:t>Позволява </a:t>
+            </a:r>
+            <a:r>
+              <a:rPr lang="bg-BG" sz="3000" b="1" dirty="0">
+                <a:solidFill>
+                  <a:schemeClr val="bg1"/>
+                </a:solidFill>
+              </a:rPr>
+              <a:t>стратегическо управление </a:t>
+            </a:r>
+            <a:r>
+              <a:rPr lang="bg-BG" sz="3000" dirty="0"/>
+              <a:t>на </a:t>
+            </a:r>
+            <a:r>
+              <a:rPr lang="bg-BG" sz="3000" b="1" dirty="0"/>
+              <a:t>риска</a:t>
+            </a:r>
+            <a:r>
+              <a:rPr lang="bg-BG" sz="3000" dirty="0"/>
+              <a:t> и </a:t>
+            </a:r>
+            <a:r>
+              <a:rPr lang="bg-BG" sz="3000" b="1" dirty="0">
+                <a:solidFill>
+                  <a:schemeClr val="bg1"/>
+                </a:solidFill>
+              </a:rPr>
+              <a:t>цялостен поглед </a:t>
+            </a:r>
+            <a:r>
+              <a:rPr lang="bg-BG" sz="3000" dirty="0"/>
+              <a:t>върху </a:t>
+            </a:r>
+            <a:r>
+              <a:rPr lang="bg-BG" sz="3000" b="1" dirty="0"/>
+              <a:t>проекта</a:t>
+            </a:r>
+          </a:p>
+          <a:p>
+            <a:r>
+              <a:rPr lang="bg-BG" sz="3000" dirty="0"/>
+              <a:t>Подходящ за </a:t>
+            </a:r>
+            <a:r>
+              <a:rPr lang="bg-BG" sz="3000" b="1" dirty="0"/>
+              <a:t>стратегии</a:t>
+            </a:r>
+            <a:r>
+              <a:rPr lang="bg-BG" sz="3000" dirty="0"/>
+              <a:t> и </a:t>
+            </a:r>
+            <a:r>
+              <a:rPr lang="bg-BG" sz="3000" b="1" dirty="0"/>
+              <a:t>бизнес решения</a:t>
+            </a:r>
+          </a:p>
+        </p:txBody>
+      </p:sp>
+      <p:sp>
+        <p:nvSpPr>
+          <p:cNvPr id="4" name="Slide Title"/>
+          <p:cNvSpPr>
+            <a:spLocks noGrp="1"/>
+          </p:cNvSpPr>
+          <p:nvPr>
+            <p:ph type="title"/>
+          </p:nvPr>
+        </p:nvSpPr>
+        <p:spPr>
+          <a:xfrm>
+            <a:off x="190406" y="100750"/>
+            <a:ext cx="10270594" cy="882654"/>
+          </a:xfrm>
+        </p:spPr>
+        <p:txBody>
+          <a:bodyPr/>
+          <a:lstStyle/>
+          <a:p>
+            <a:r>
+              <a:rPr lang="en-US" dirty="0"/>
+              <a:t>SWOT </a:t>
+            </a:r>
+            <a:r>
+              <a:rPr lang="bg-BG" dirty="0"/>
+              <a:t>анализ (</a:t>
+            </a:r>
+            <a:r>
+              <a:rPr lang="en-US" dirty="0"/>
+              <a:t>1)</a:t>
+            </a:r>
+          </a:p>
+        </p:txBody>
+      </p:sp>
+      <p:pic>
+        <p:nvPicPr>
+          <p:cNvPr id="6" name="Picture 5">
+            <a:extLst>
+              <a:ext uri="{FF2B5EF4-FFF2-40B4-BE49-F238E27FC236}">
+                <a16:creationId xmlns:a16="http://schemas.microsoft.com/office/drawing/2014/main" id="{F0526FED-F6FE-3F67-2703-23FE7C52A9B5}"/>
+              </a:ext>
+            </a:extLst>
+          </p:cNvPr>
+          <p:cNvPicPr>
+            <a:picLocks noChangeAspect="1"/>
+          </p:cNvPicPr>
+          <p:nvPr/>
+        </p:nvPicPr>
+        <p:blipFill>
+          <a:blip r:embed="rId3">
+            <a:extLst>
+              <a:ext uri="{28A0092B-C50C-407E-A947-70E740481C1C}">
+                <a14:useLocalDpi xmlns:a14="http://schemas.microsoft.com/office/drawing/2010/main" val="0"/>
+              </a:ext>
+            </a:extLst>
+          </a:blip>
+          <a:stretch>
+            <a:fillRect/>
+          </a:stretch>
+        </p:blipFill>
+        <p:spPr>
+          <a:xfrm>
+            <a:off x="1821000" y="4239000"/>
+            <a:ext cx="8550000" cy="2137500"/>
+          </a:xfrm>
+          <a:prstGeom prst="rect">
+            <a:avLst/>
+          </a:prstGeom>
+        </p:spPr>
+      </p:pic>
+    </p:spTree>
+    <p:extLst>
+      <p:ext uri="{BB962C8B-B14F-4D97-AF65-F5344CB8AC3E}">
+        <p14:creationId xmlns:p14="http://schemas.microsoft.com/office/powerpoint/2010/main" val="1373226465"/>
+      </p:ext>
+    </p:extLst>
+  </p:cSld>
+  <p:clrMapOvr>
+    <a:masterClrMapping/>
+  </p:clrMapOvr>
+  <mc:AlternateContent xmlns:mc="http://schemas.openxmlformats.org/markup-compatibility/2006" xmlns:p14="http://schemas.microsoft.com/office/powerpoint/2010/main">
+    <mc:Choice Requires="p14">
+      <p:transition spd="slow" p14:dur="2000" advClick="0" advTm="5000"/>
+    </mc:Choice>
+    <mc:Fallback xmlns="">
+      <p:transition spd="slow" advClick="0" advTm="5000"/>
+    </mc:Fallback>
+  </mc:AlternateContent>
+  <p:timing>
+    <p:tnLst>
+      <p:par>
+        <p:cTn id="1" dur="indefinite" restart="never" nodeType="tmRoot">
+          <p:childTnLst>
+            <p:seq concurrent="1" nextAc="seek">
+              <p:cTn id="2" dur="indefinite" nodeType="mainSeq">
+                <p:childTnLst>
+                  <p:par>
+                    <p:cTn id="3" fill="hold">
+                      <p:stCondLst>
+                        <p:cond delay="indefinite"/>
+                      </p:stCondLst>
+                      <p:childTnLst>
+                        <p:par>
+                          <p:cTn id="4" fill="hold">
+                            <p:stCondLst>
+                              <p:cond delay="0"/>
+                            </p:stCondLst>
+                            <p:childTnLst>
+                              <p:par>
+                                <p:cTn id="5" presetID="1" presetClass="entr" presetSubtype="0" fill="hold" nodeType="clickEffect">
+                                  <p:stCondLst>
+                                    <p:cond delay="0"/>
+                                  </p:stCondLst>
+                                  <p:childTnLst>
+                                    <p:set>
+                                      <p:cBhvr>
+                                        <p:cTn id="6" dur="1" fill="hold">
+                                          <p:stCondLst>
+                                            <p:cond delay="0"/>
+                                          </p:stCondLst>
+                                        </p:cTn>
+                                        <p:tgtEl>
+                                          <p:spTgt spid="7">
+                                            <p:txEl>
+                                              <p:pRg st="1" end="1"/>
+                                            </p:txEl>
+                                          </p:spTgt>
+                                        </p:tgtEl>
+                                        <p:attrNameLst>
+                                          <p:attrName>style.visibility</p:attrName>
+                                        </p:attrNameLst>
+                                      </p:cBhvr>
+                                      <p:to>
+                                        <p:strVal val="visible"/>
+                                      </p:to>
+                                    </p:set>
+                                  </p:childTnLst>
+                                </p:cTn>
+                              </p:par>
+                            </p:childTnLst>
+                          </p:cTn>
+                        </p:par>
+                      </p:childTnLst>
+                    </p:cTn>
+                  </p:par>
+                  <p:par>
+                    <p:cTn id="7" fill="hold">
+                      <p:stCondLst>
+                        <p:cond delay="indefinite"/>
+                      </p:stCondLst>
+                      <p:childTnLst>
+                        <p:par>
+                          <p:cTn id="8" fill="hold">
+                            <p:stCondLst>
+                              <p:cond delay="0"/>
+                            </p:stCondLst>
+                            <p:childTnLst>
+                              <p:par>
+                                <p:cTn id="9" presetID="1" presetClass="entr" presetSubtype="0" fill="hold" nodeType="clickEffect">
+                                  <p:stCondLst>
+                                    <p:cond delay="0"/>
+                                  </p:stCondLst>
+                                  <p:childTnLst>
+                                    <p:set>
+                                      <p:cBhvr>
+                                        <p:cTn id="10" dur="1" fill="hold">
+                                          <p:stCondLst>
+                                            <p:cond delay="0"/>
+                                          </p:stCondLst>
+                                        </p:cTn>
+                                        <p:tgtEl>
+                                          <p:spTgt spid="7">
+                                            <p:txEl>
+                                              <p:pRg st="2" end="2"/>
+                                            </p:txEl>
+                                          </p:spTgt>
+                                        </p:tgtEl>
+                                        <p:attrNameLst>
+                                          <p:attrName>style.visibility</p:attrName>
+                                        </p:attrNameLst>
+                                      </p:cBhvr>
+                                      <p:to>
+                                        <p:strVal val="visible"/>
+                                      </p:to>
+                                    </p:set>
+                                  </p:childTnLst>
+                                </p:cTn>
+                              </p:par>
+                            </p:childTnLst>
+                          </p:cTn>
+                        </p:par>
+                      </p:childTnLst>
+                    </p:cTn>
+                  </p:par>
+                </p:childTnLst>
+              </p:cTn>
+              <p:prevCondLst>
+                <p:cond evt="onPrev" delay="0">
+                  <p:tgtEl>
+                    <p:sldTgt/>
+                  </p:tgtEl>
+                </p:cond>
+              </p:prevCondLst>
+              <p:nextCondLst>
+                <p:cond evt="onNext" delay="0">
+                  <p:tgtEl>
+                    <p:sldTgt/>
+                  </p:tgtEl>
+                </p:cond>
+              </p:nextCondLst>
+            </p:seq>
+          </p:childTnLst>
+        </p:cTn>
+      </p:par>
+    </p:tnLst>
+  </p:timing>
+</p:sld>
+</file>
+
+<file path=ppt/slides/slide17.xml><?xml version="1.0" encoding="utf-8"?>
+<p:sld xmlns:a="http://schemas.openxmlformats.org/drawingml/2006/main" xmlns:r="http://schemas.openxmlformats.org/officeDocument/2006/relationships" xmlns:p="http://schemas.openxmlformats.org/presentationml/2006/main">
+  <p:cSld>
+    <p:spTree>
+      <p:nvGrpSpPr>
+        <p:cNvPr id="1" name=""/>
+        <p:cNvGrpSpPr/>
+        <p:nvPr/>
+      </p:nvGrpSpPr>
+      <p:grpSpPr>
+        <a:xfrm>
+          <a:off x="0" y="0"/>
+          <a:ext cx="0" cy="0"/>
+          <a:chOff x="0" y="0"/>
+          <a:chExt cx="0" cy="0"/>
+        </a:xfrm>
+      </p:grpSpPr>
+      <p:sp>
+        <p:nvSpPr>
+          <p:cNvPr id="9" name="Slide Number">
+            <a:extLst>
+              <a:ext uri="{FF2B5EF4-FFF2-40B4-BE49-F238E27FC236}">
+                <a16:creationId xmlns:a16="http://schemas.microsoft.com/office/drawing/2014/main" id="{8891F045-A272-4231-985A-53063F832AC8}"/>
+              </a:ext>
+            </a:extLst>
+          </p:cNvPr>
+          <p:cNvSpPr>
+            <a:spLocks noGrp="1"/>
+          </p:cNvSpPr>
+          <p:nvPr>
+            <p:ph type="sldNum" sz="quarter" idx="5"/>
+          </p:nvPr>
+        </p:nvSpPr>
+        <p:spPr>
+          <a:xfrm>
+            <a:off x="11753030" y="6507000"/>
+            <a:ext cx="367414" cy="297000"/>
+          </a:xfrm>
+        </p:spPr>
+        <p:txBody>
+          <a:bodyPr vert="horz" lIns="91440" tIns="45720" rIns="91440" bIns="45720" rtlCol="0" anchor="b"/>
+          <a:lstStyle>
+            <a:lvl1pPr algn="r">
+              <a:defRPr sz="1000"/>
+            </a:lvl1pPr>
+          </a:lstStyle>
+          <a:p>
+            <a:fld id="{2BF067CD-8E6B-4360-9AA8-C5DF2A48A6D1}" type="slidenum">
+              <a:rPr lang="en-US" smtClean="0"/>
+              <a:pPr/>
+              <a:t>17</a:t>
+            </a:fld>
+            <a:endParaRPr lang="en-US" dirty="0"/>
+          </a:p>
+        </p:txBody>
+      </p:sp>
+      <p:sp>
+        <p:nvSpPr>
+          <p:cNvPr id="7" name="Slide Body Text">
+            <a:extLst>
+              <a:ext uri="{FF2B5EF4-FFF2-40B4-BE49-F238E27FC236}">
+                <a16:creationId xmlns:a16="http://schemas.microsoft.com/office/drawing/2014/main" id="{320B2856-CE5E-4934-BD1C-1D81E68E529A}"/>
+              </a:ext>
+            </a:extLst>
+          </p:cNvPr>
+          <p:cNvSpPr>
+            <a:spLocks noGrp="1"/>
+          </p:cNvSpPr>
+          <p:nvPr>
+            <p:ph type="body" sz="quarter" idx="10"/>
+          </p:nvPr>
+        </p:nvSpPr>
+        <p:spPr>
+          <a:xfrm>
+            <a:off x="190402" y="1196125"/>
+            <a:ext cx="7976636" cy="5528766"/>
+          </a:xfrm>
+          <a:ln>
+            <a:noFill/>
+          </a:ln>
+        </p:spPr>
+        <p:txBody>
+          <a:bodyPr>
+            <a:normAutofit lnSpcReduction="10000"/>
+          </a:bodyPr>
+          <a:lstStyle/>
+          <a:p>
+            <a:r>
+              <a:rPr lang="en-US" sz="3000" b="1" dirty="0">
+                <a:solidFill>
+                  <a:schemeClr val="accent2"/>
+                </a:solidFill>
+              </a:rPr>
+              <a:t>S</a:t>
+            </a:r>
+            <a:r>
+              <a:rPr lang="en-US" sz="3000" b="1" dirty="0"/>
+              <a:t>trengths</a:t>
+            </a:r>
+            <a:r>
+              <a:rPr lang="bg-BG" sz="3000" b="1" dirty="0"/>
+              <a:t> </a:t>
+            </a:r>
+            <a:r>
+              <a:rPr lang="en-GB" sz="3200" dirty="0"/>
+              <a:t>–</a:t>
+            </a:r>
+            <a:r>
+              <a:rPr lang="bg-BG" sz="3000" b="1" dirty="0"/>
+              <a:t> </a:t>
+            </a:r>
+            <a:r>
+              <a:rPr lang="bg-BG" sz="3000" b="1" dirty="0">
+                <a:solidFill>
+                  <a:schemeClr val="bg1"/>
+                </a:solidFill>
+              </a:rPr>
+              <a:t>Силни страни</a:t>
+            </a:r>
+            <a:endParaRPr lang="en-US" sz="3000" b="1" dirty="0"/>
+          </a:p>
+          <a:p>
+            <a:pPr lvl="1"/>
+            <a:r>
+              <a:rPr lang="bg-BG" sz="3000" dirty="0"/>
+              <a:t>Какви </a:t>
+            </a:r>
+            <a:r>
+              <a:rPr lang="bg-BG" sz="3000" b="1" dirty="0"/>
+              <a:t>предимства</a:t>
+            </a:r>
+            <a:r>
+              <a:rPr lang="bg-BG" sz="3000" dirty="0"/>
+              <a:t> има </a:t>
+            </a:r>
+            <a:r>
+              <a:rPr lang="bg-BG" sz="3000" b="1" dirty="0"/>
+              <a:t>проектът</a:t>
+            </a:r>
+            <a:r>
+              <a:rPr lang="bg-BG" sz="3000" dirty="0"/>
+              <a:t>?</a:t>
+            </a:r>
+            <a:endParaRPr lang="en-US" sz="3000" dirty="0"/>
+          </a:p>
+          <a:p>
+            <a:r>
+              <a:rPr lang="en-US" sz="3000" b="1" dirty="0">
+                <a:solidFill>
+                  <a:srgbClr val="FF0000"/>
+                </a:solidFill>
+              </a:rPr>
+              <a:t>W</a:t>
+            </a:r>
+            <a:r>
+              <a:rPr lang="en-US" sz="3000" b="1" dirty="0"/>
+              <a:t>eaknesses</a:t>
+            </a:r>
+            <a:r>
+              <a:rPr lang="bg-BG" sz="3000" b="1" dirty="0"/>
+              <a:t> </a:t>
+            </a:r>
+            <a:r>
+              <a:rPr lang="en-GB" sz="2800" dirty="0"/>
+              <a:t>–</a:t>
+            </a:r>
+            <a:r>
+              <a:rPr lang="bg-BG" sz="3000" b="1" dirty="0"/>
+              <a:t> </a:t>
+            </a:r>
+            <a:r>
+              <a:rPr lang="bg-BG" sz="3000" b="1" dirty="0">
+                <a:solidFill>
+                  <a:schemeClr val="bg1"/>
+                </a:solidFill>
+              </a:rPr>
+              <a:t>Слаби страни</a:t>
+            </a:r>
+            <a:endParaRPr lang="bg-BG" sz="3000" b="1" dirty="0"/>
+          </a:p>
+          <a:p>
+            <a:pPr lvl="1"/>
+            <a:r>
+              <a:rPr lang="bg-BG" sz="2800" dirty="0"/>
+              <a:t>Какви </a:t>
+            </a:r>
+            <a:r>
+              <a:rPr lang="bg-BG" sz="2800" b="1" dirty="0"/>
+              <a:t>недостатъци</a:t>
+            </a:r>
+            <a:r>
+              <a:rPr lang="bg-BG" sz="2800" dirty="0"/>
+              <a:t> могат да създадат </a:t>
+            </a:r>
+            <a:r>
+              <a:rPr lang="bg-BG" sz="2800" b="1" dirty="0"/>
+              <a:t>проблеми</a:t>
+            </a:r>
+            <a:r>
+              <a:rPr lang="bg-BG" sz="2800" dirty="0"/>
+              <a:t>?</a:t>
+            </a:r>
+            <a:endParaRPr lang="en-US" sz="2800" dirty="0"/>
+          </a:p>
+          <a:p>
+            <a:r>
+              <a:rPr lang="en-US" sz="3000" b="1" dirty="0">
+                <a:solidFill>
+                  <a:schemeClr val="accent3">
+                    <a:lumMod val="75000"/>
+                  </a:schemeClr>
+                </a:solidFill>
+              </a:rPr>
+              <a:t>O</a:t>
+            </a:r>
+            <a:r>
+              <a:rPr lang="en-US" sz="3000" b="1" dirty="0"/>
+              <a:t>pportunities</a:t>
+            </a:r>
+            <a:r>
+              <a:rPr lang="bg-BG" sz="3000" b="1" dirty="0"/>
+              <a:t> </a:t>
+            </a:r>
+            <a:r>
+              <a:rPr lang="en-GB" sz="2800" dirty="0"/>
+              <a:t>–</a:t>
+            </a:r>
+            <a:r>
+              <a:rPr lang="bg-BG" sz="3000" b="1" dirty="0"/>
+              <a:t> </a:t>
+            </a:r>
+            <a:r>
+              <a:rPr lang="bg-BG" sz="3000" b="1" dirty="0">
+                <a:solidFill>
+                  <a:schemeClr val="bg1"/>
+                </a:solidFill>
+              </a:rPr>
+              <a:t>Възможности</a:t>
+            </a:r>
+            <a:endParaRPr lang="bg-BG" sz="3000" b="1" dirty="0"/>
+          </a:p>
+          <a:p>
+            <a:pPr lvl="1"/>
+            <a:r>
+              <a:rPr lang="bg-BG" sz="2800" dirty="0"/>
+              <a:t>Какви </a:t>
+            </a:r>
+            <a:r>
+              <a:rPr lang="bg-BG" sz="2800" b="1" dirty="0"/>
+              <a:t>външни фактори </a:t>
+            </a:r>
+            <a:r>
+              <a:rPr lang="bg-BG" sz="2800" dirty="0"/>
+              <a:t>могат да бъдат </a:t>
+            </a:r>
+            <a:r>
+              <a:rPr lang="bg-BG" sz="2800" b="1" dirty="0"/>
+              <a:t>полезни</a:t>
+            </a:r>
+            <a:r>
+              <a:rPr lang="bg-BG" sz="2800" dirty="0"/>
+              <a:t>?</a:t>
+            </a:r>
+            <a:endParaRPr lang="en-US" sz="2800" dirty="0"/>
+          </a:p>
+          <a:p>
+            <a:r>
+              <a:rPr lang="en-US" sz="3000" b="1" dirty="0">
+                <a:solidFill>
+                  <a:schemeClr val="bg1">
+                    <a:lumMod val="60000"/>
+                    <a:lumOff val="40000"/>
+                  </a:schemeClr>
+                </a:solidFill>
+              </a:rPr>
+              <a:t>T</a:t>
+            </a:r>
+            <a:r>
+              <a:rPr lang="en-US" sz="3000" b="1" dirty="0"/>
+              <a:t>hreats</a:t>
+            </a:r>
+            <a:r>
+              <a:rPr lang="bg-BG" sz="3000" b="1" dirty="0"/>
+              <a:t> </a:t>
+            </a:r>
+            <a:r>
+              <a:rPr lang="en-GB" sz="2800" dirty="0"/>
+              <a:t>–</a:t>
+            </a:r>
+            <a:r>
+              <a:rPr lang="bg-BG" sz="3000" b="1" dirty="0"/>
+              <a:t> </a:t>
+            </a:r>
+            <a:r>
+              <a:rPr lang="bg-BG" sz="3000" b="1" dirty="0">
+                <a:solidFill>
+                  <a:schemeClr val="bg1"/>
+                </a:solidFill>
+              </a:rPr>
+              <a:t>Заплахи</a:t>
+            </a:r>
+            <a:endParaRPr lang="bg-BG" sz="3000" b="1" dirty="0"/>
+          </a:p>
+          <a:p>
+            <a:pPr lvl="1"/>
+            <a:r>
+              <a:rPr lang="bg-BG" sz="2800" dirty="0"/>
+              <a:t>Какви </a:t>
+            </a:r>
+            <a:r>
+              <a:rPr lang="bg-BG" sz="2800" b="1" dirty="0"/>
+              <a:t>рискове</a:t>
+            </a:r>
+            <a:r>
+              <a:rPr lang="bg-BG" sz="2800" dirty="0"/>
+              <a:t> крие </a:t>
+            </a:r>
+            <a:r>
+              <a:rPr lang="bg-BG" sz="2800" b="1" dirty="0"/>
+              <a:t>външната среда</a:t>
+            </a:r>
+            <a:r>
+              <a:rPr lang="bg-BG" sz="2800" dirty="0"/>
+              <a:t>?</a:t>
+            </a:r>
+          </a:p>
+          <a:p>
+            <a:pPr lvl="1"/>
+            <a:endParaRPr lang="bg-BG" sz="2800" dirty="0"/>
+          </a:p>
+        </p:txBody>
+      </p:sp>
+      <p:sp>
+        <p:nvSpPr>
+          <p:cNvPr id="4" name="Slide Title"/>
+          <p:cNvSpPr>
+            <a:spLocks noGrp="1"/>
+          </p:cNvSpPr>
+          <p:nvPr>
+            <p:ph type="title"/>
+          </p:nvPr>
+        </p:nvSpPr>
+        <p:spPr>
+          <a:xfrm>
+            <a:off x="190406" y="100750"/>
+            <a:ext cx="10270594" cy="882654"/>
+          </a:xfrm>
+        </p:spPr>
+        <p:txBody>
+          <a:bodyPr/>
+          <a:lstStyle/>
+          <a:p>
+            <a:r>
+              <a:rPr lang="en-US" dirty="0"/>
+              <a:t>SWOT </a:t>
+            </a:r>
+            <a:r>
+              <a:rPr lang="bg-BG" dirty="0"/>
+              <a:t>анализ</a:t>
+            </a:r>
+            <a:r>
+              <a:rPr lang="en-US" dirty="0"/>
+              <a:t> (2)</a:t>
+            </a:r>
+          </a:p>
+        </p:txBody>
+      </p:sp>
+      <p:pic>
+        <p:nvPicPr>
+          <p:cNvPr id="2" name="Picture 1">
+            <a:extLst>
+              <a:ext uri="{FF2B5EF4-FFF2-40B4-BE49-F238E27FC236}">
+                <a16:creationId xmlns:a16="http://schemas.microsoft.com/office/drawing/2014/main" id="{99ADB807-58A4-10A5-72FF-D8D050C2D5EB}"/>
+              </a:ext>
+            </a:extLst>
+          </p:cNvPr>
+          <p:cNvPicPr>
+            <a:picLocks noChangeAspect="1"/>
+          </p:cNvPicPr>
+          <p:nvPr/>
+        </p:nvPicPr>
+        <p:blipFill>
+          <a:blip r:embed="rId3">
+            <a:extLst>
+              <a:ext uri="{28A0092B-C50C-407E-A947-70E740481C1C}">
+                <a14:useLocalDpi xmlns:a14="http://schemas.microsoft.com/office/drawing/2010/main" val="0"/>
+              </a:ext>
+            </a:extLst>
+          </a:blip>
+          <a:stretch>
+            <a:fillRect/>
+          </a:stretch>
+        </p:blipFill>
+        <p:spPr>
+          <a:xfrm>
+            <a:off x="7449707" y="1716993"/>
+            <a:ext cx="4487030" cy="4487030"/>
+          </a:xfrm>
+          <a:prstGeom prst="rect">
+            <a:avLst/>
+          </a:prstGeom>
+        </p:spPr>
+      </p:pic>
+    </p:spTree>
+    <p:extLst>
+      <p:ext uri="{BB962C8B-B14F-4D97-AF65-F5344CB8AC3E}">
+        <p14:creationId xmlns:p14="http://schemas.microsoft.com/office/powerpoint/2010/main" val="277296995"/>
+      </p:ext>
+    </p:extLst>
+  </p:cSld>
+  <p:clrMapOvr>
+    <a:masterClrMapping/>
+  </p:clrMapOvr>
+  <mc:AlternateContent xmlns:mc="http://schemas.openxmlformats.org/markup-compatibility/2006" xmlns:p14="http://schemas.microsoft.com/office/powerpoint/2010/main">
+    <mc:Choice Requires="p14">
+      <p:transition spd="slow" p14:dur="2000" advClick="0" advTm="5000"/>
+    </mc:Choice>
+    <mc:Fallback xmlns="">
+      <p:transition spd="slow" advClick="0" advTm="5000"/>
+    </mc:Fallback>
+  </mc:AlternateContent>
+  <p:timing>
+    <p:tnLst>
+      <p:par>
+        <p:cTn id="1" dur="indefinite" restart="never" nodeType="tmRoot">
+          <p:childTnLst>
+            <p:seq concurrent="1" nextAc="seek">
+              <p:cTn id="2" dur="indefinite" nodeType="mainSeq">
+                <p:childTnLst>
+                  <p:par>
+                    <p:cTn id="3" fill="hold">
+                      <p:stCondLst>
+                        <p:cond delay="indefinite"/>
+                      </p:stCondLst>
+                      <p:childTnLst>
+                        <p:par>
+                          <p:cTn id="4" fill="hold">
+                            <p:stCondLst>
+                              <p:cond delay="0"/>
+                            </p:stCondLst>
+                            <p:childTnLst>
+                              <p:par>
+                                <p:cTn id="5" presetID="1" presetClass="entr" presetSubtype="0" fill="hold" nodeType="clickEffect">
+                                  <p:stCondLst>
+                                    <p:cond delay="0"/>
+                                  </p:stCondLst>
+                                  <p:childTnLst>
+                                    <p:set>
+                                      <p:cBhvr>
+                                        <p:cTn id="6" dur="1" fill="hold">
+                                          <p:stCondLst>
+                                            <p:cond delay="0"/>
+                                          </p:stCondLst>
+                                        </p:cTn>
+                                        <p:tgtEl>
+                                          <p:spTgt spid="7">
+                                            <p:txEl>
+                                              <p:pRg st="1" end="1"/>
+                                            </p:txEl>
+                                          </p:spTgt>
+                                        </p:tgtEl>
+                                        <p:attrNameLst>
+                                          <p:attrName>style.visibility</p:attrName>
+                                        </p:attrNameLst>
+                                      </p:cBhvr>
+                                      <p:to>
+                                        <p:strVal val="visible"/>
+                                      </p:to>
+                                    </p:set>
+                                  </p:childTnLst>
+                                </p:cTn>
+                              </p:par>
+                            </p:childTnLst>
+                          </p:cTn>
+                        </p:par>
+                      </p:childTnLst>
+                    </p:cTn>
+                  </p:par>
+                  <p:par>
+                    <p:cTn id="7" fill="hold">
+                      <p:stCondLst>
+                        <p:cond delay="indefinite"/>
+                      </p:stCondLst>
+                      <p:childTnLst>
+                        <p:par>
+                          <p:cTn id="8" fill="hold">
+                            <p:stCondLst>
+                              <p:cond delay="0"/>
+                            </p:stCondLst>
+                            <p:childTnLst>
+                              <p:par>
+                                <p:cTn id="9" presetID="1" presetClass="entr" presetSubtype="0" fill="hold" nodeType="clickEffect">
+                                  <p:stCondLst>
+                                    <p:cond delay="0"/>
+                                  </p:stCondLst>
+                                  <p:childTnLst>
+                                    <p:set>
+                                      <p:cBhvr>
+                                        <p:cTn id="10" dur="1" fill="hold">
+                                          <p:stCondLst>
+                                            <p:cond delay="0"/>
+                                          </p:stCondLst>
+                                        </p:cTn>
+                                        <p:tgtEl>
+                                          <p:spTgt spid="7">
+                                            <p:txEl>
+                                              <p:pRg st="2" end="2"/>
+                                            </p:txEl>
+                                          </p:spTgt>
+                                        </p:tgtEl>
+                                        <p:attrNameLst>
+                                          <p:attrName>style.visibility</p:attrName>
+                                        </p:attrNameLst>
+                                      </p:cBhvr>
+                                      <p:to>
+                                        <p:strVal val="visible"/>
+                                      </p:to>
+                                    </p:set>
+                                  </p:childTnLst>
+                                </p:cTn>
+                              </p:par>
+                            </p:childTnLst>
+                          </p:cTn>
+                        </p:par>
+                      </p:childTnLst>
+                    </p:cTn>
+                  </p:par>
+                  <p:par>
+                    <p:cTn id="11" fill="hold">
+                      <p:stCondLst>
+                        <p:cond delay="indefinite"/>
+                      </p:stCondLst>
+                      <p:childTnLst>
+                        <p:par>
+                          <p:cTn id="12" fill="hold">
+                            <p:stCondLst>
+                              <p:cond delay="0"/>
+                            </p:stCondLst>
+                            <p:childTnLst>
+                              <p:par>
+                                <p:cTn id="13" presetID="1" presetClass="entr" presetSubtype="0" fill="hold" nodeType="clickEffect">
+                                  <p:stCondLst>
+                                    <p:cond delay="0"/>
+                                  </p:stCondLst>
+                                  <p:childTnLst>
+                                    <p:set>
+                                      <p:cBhvr>
+                                        <p:cTn id="14" dur="1" fill="hold">
+                                          <p:stCondLst>
+                                            <p:cond delay="0"/>
+                                          </p:stCondLst>
+                                        </p:cTn>
+                                        <p:tgtEl>
+                                          <p:spTgt spid="7">
+                                            <p:txEl>
+                                              <p:pRg st="3" end="3"/>
+                                            </p:txEl>
+                                          </p:spTgt>
+                                        </p:tgtEl>
+                                        <p:attrNameLst>
+                                          <p:attrName>style.visibility</p:attrName>
+                                        </p:attrNameLst>
+                                      </p:cBhvr>
+                                      <p:to>
+                                        <p:strVal val="visible"/>
+                                      </p:to>
+                                    </p:set>
+                                  </p:childTnLst>
+                                </p:cTn>
+                              </p:par>
+                            </p:childTnLst>
+                          </p:cTn>
+                        </p:par>
+                      </p:childTnLst>
+                    </p:cTn>
+                  </p:par>
+                  <p:par>
+                    <p:cTn id="15" fill="hold">
+                      <p:stCondLst>
+                        <p:cond delay="indefinite"/>
+                      </p:stCondLst>
+                      <p:childTnLst>
+                        <p:par>
+                          <p:cTn id="16" fill="hold">
+                            <p:stCondLst>
+                              <p:cond delay="0"/>
+                            </p:stCondLst>
+                            <p:childTnLst>
+                              <p:par>
+                                <p:cTn id="17" presetID="1" presetClass="entr" presetSubtype="0" fill="hold" nodeType="clickEffect">
+                                  <p:stCondLst>
+                                    <p:cond delay="0"/>
+                                  </p:stCondLst>
+                                  <p:childTnLst>
+                                    <p:set>
+                                      <p:cBhvr>
+                                        <p:cTn id="18" dur="1" fill="hold">
+                                          <p:stCondLst>
+                                            <p:cond delay="0"/>
+                                          </p:stCondLst>
+                                        </p:cTn>
+                                        <p:tgtEl>
+                                          <p:spTgt spid="7">
+                                            <p:txEl>
+                                              <p:pRg st="4" end="4"/>
+                                            </p:txEl>
+                                          </p:spTgt>
+                                        </p:tgtEl>
+                                        <p:attrNameLst>
+                                          <p:attrName>style.visibility</p:attrName>
+                                        </p:attrNameLst>
+                                      </p:cBhvr>
+                                      <p:to>
+                                        <p:strVal val="visible"/>
+                                      </p:to>
+                                    </p:set>
+                                  </p:childTnLst>
+                                </p:cTn>
+                              </p:par>
+                            </p:childTnLst>
+                          </p:cTn>
+                        </p:par>
+                      </p:childTnLst>
+                    </p:cTn>
+                  </p:par>
+                  <p:par>
+                    <p:cTn id="19" fill="hold">
+                      <p:stCondLst>
+                        <p:cond delay="indefinite"/>
+                      </p:stCondLst>
+                      <p:childTnLst>
+                        <p:par>
+                          <p:cTn id="20" fill="hold">
+                            <p:stCondLst>
+                              <p:cond delay="0"/>
+                            </p:stCondLst>
+                            <p:childTnLst>
+                              <p:par>
+                                <p:cTn id="21" presetID="1" presetClass="entr" presetSubtype="0" fill="hold" nodeType="clickEffect">
+                                  <p:stCondLst>
+                                    <p:cond delay="0"/>
+                                  </p:stCondLst>
+                                  <p:childTnLst>
+                                    <p:set>
+                                      <p:cBhvr>
+                                        <p:cTn id="22" dur="1" fill="hold">
+                                          <p:stCondLst>
+                                            <p:cond delay="0"/>
+                                          </p:stCondLst>
+                                        </p:cTn>
+                                        <p:tgtEl>
+                                          <p:spTgt spid="7">
+                                            <p:txEl>
+                                              <p:pRg st="5" end="5"/>
+                                            </p:txEl>
+                                          </p:spTgt>
+                                        </p:tgtEl>
+                                        <p:attrNameLst>
+                                          <p:attrName>style.visibility</p:attrName>
+                                        </p:attrNameLst>
+                                      </p:cBhvr>
+                                      <p:to>
+                                        <p:strVal val="visible"/>
+                                      </p:to>
+                                    </p:set>
+                                  </p:childTnLst>
+                                </p:cTn>
+                              </p:par>
+                            </p:childTnLst>
+                          </p:cTn>
+                        </p:par>
+                      </p:childTnLst>
+                    </p:cTn>
+                  </p:par>
+                  <p:par>
+                    <p:cTn id="23" fill="hold">
+                      <p:stCondLst>
+                        <p:cond delay="indefinite"/>
+                      </p:stCondLst>
+                      <p:childTnLst>
+                        <p:par>
+                          <p:cTn id="24" fill="hold">
+                            <p:stCondLst>
+                              <p:cond delay="0"/>
+                            </p:stCondLst>
+                            <p:childTnLst>
+                              <p:par>
+                                <p:cTn id="25" presetID="1" presetClass="entr" presetSubtype="0" fill="hold" nodeType="clickEffect">
+                                  <p:stCondLst>
+                                    <p:cond delay="0"/>
+                                  </p:stCondLst>
+                                  <p:childTnLst>
+                                    <p:set>
+                                      <p:cBhvr>
+                                        <p:cTn id="26" dur="1" fill="hold">
+                                          <p:stCondLst>
+                                            <p:cond delay="0"/>
+                                          </p:stCondLst>
+                                        </p:cTn>
+                                        <p:tgtEl>
+                                          <p:spTgt spid="7">
+                                            <p:txEl>
+                                              <p:pRg st="6" end="6"/>
+                                            </p:txEl>
+                                          </p:spTgt>
+                                        </p:tgtEl>
+                                        <p:attrNameLst>
+                                          <p:attrName>style.visibility</p:attrName>
+                                        </p:attrNameLst>
+                                      </p:cBhvr>
+                                      <p:to>
+                                        <p:strVal val="visible"/>
+                                      </p:to>
+                                    </p:set>
+                                  </p:childTnLst>
+                                </p:cTn>
+                              </p:par>
+                            </p:childTnLst>
+                          </p:cTn>
+                        </p:par>
+                      </p:childTnLst>
+                    </p:cTn>
+                  </p:par>
+                  <p:par>
+                    <p:cTn id="27" fill="hold">
+                      <p:stCondLst>
+                        <p:cond delay="indefinite"/>
+                      </p:stCondLst>
+                      <p:childTnLst>
+                        <p:par>
+                          <p:cTn id="28" fill="hold">
+                            <p:stCondLst>
+                              <p:cond delay="0"/>
+                            </p:stCondLst>
+                            <p:childTnLst>
+                              <p:par>
+                                <p:cTn id="29" presetID="1" presetClass="entr" presetSubtype="0" fill="hold" nodeType="clickEffect">
+                                  <p:stCondLst>
+                                    <p:cond delay="0"/>
+                                  </p:stCondLst>
+                                  <p:childTnLst>
+                                    <p:set>
+                                      <p:cBhvr>
+                                        <p:cTn id="30" dur="1" fill="hold">
+                                          <p:stCondLst>
+                                            <p:cond delay="0"/>
+                                          </p:stCondLst>
+                                        </p:cTn>
+                                        <p:tgtEl>
+                                          <p:spTgt spid="7">
+                                            <p:txEl>
+                                              <p:pRg st="7" end="7"/>
+                                            </p:txEl>
+                                          </p:spTgt>
+                                        </p:tgtEl>
+                                        <p:attrNameLst>
+                                          <p:attrName>style.visibility</p:attrName>
+                                        </p:attrNameLst>
+                                      </p:cBhvr>
+                                      <p:to>
+                                        <p:strVal val="visible"/>
+                                      </p:to>
+                                    </p:set>
+                                  </p:childTnLst>
+                                </p:cTn>
+                              </p:par>
+                            </p:childTnLst>
+                          </p:cTn>
+                        </p:par>
+                      </p:childTnLst>
+                    </p:cTn>
+                  </p:par>
+                </p:childTnLst>
+              </p:cTn>
+              <p:prevCondLst>
+                <p:cond evt="onPrev" delay="0">
+                  <p:tgtEl>
+                    <p:sldTgt/>
+                  </p:tgtEl>
+                </p:cond>
+              </p:prevCondLst>
+              <p:nextCondLst>
+                <p:cond evt="onNext" delay="0">
+                  <p:tgtEl>
+                    <p:sldTgt/>
+                  </p:tgtEl>
+                </p:cond>
+              </p:nextCondLst>
+            </p:seq>
+          </p:childTnLst>
+        </p:cTn>
+      </p:par>
+    </p:tnLst>
+  </p:timing>
+</p:sld>
+</file>
+
+<file path=ppt/slides/slide18.xml><?xml version="1.0" encoding="utf-8"?>
+<p:sld xmlns:a="http://schemas.openxmlformats.org/drawingml/2006/main" xmlns:r="http://schemas.openxmlformats.org/officeDocument/2006/relationships" xmlns:p="http://schemas.openxmlformats.org/presentationml/2006/main">
+  <p:cSld>
+    <p:spTree>
+      <p:nvGrpSpPr>
+        <p:cNvPr id="1" name=""/>
+        <p:cNvGrpSpPr/>
+        <p:nvPr/>
+      </p:nvGrpSpPr>
+      <p:grpSpPr>
+        <a:xfrm>
+          <a:off x="0" y="0"/>
+          <a:ext cx="0" cy="0"/>
+          <a:chOff x="0" y="0"/>
+          <a:chExt cx="0" cy="0"/>
+        </a:xfrm>
+      </p:grpSpPr>
+      <p:sp>
+        <p:nvSpPr>
+          <p:cNvPr id="9" name="Slide Number">
+            <a:extLst>
+              <a:ext uri="{FF2B5EF4-FFF2-40B4-BE49-F238E27FC236}">
+                <a16:creationId xmlns:a16="http://schemas.microsoft.com/office/drawing/2014/main" id="{8891F045-A272-4231-985A-53063F832AC8}"/>
+              </a:ext>
+            </a:extLst>
+          </p:cNvPr>
+          <p:cNvSpPr>
+            <a:spLocks noGrp="1"/>
+          </p:cNvSpPr>
+          <p:nvPr>
+            <p:ph type="sldNum" sz="quarter" idx="5"/>
+          </p:nvPr>
+        </p:nvSpPr>
+        <p:spPr>
+          <a:xfrm>
+            <a:off x="11753030" y="6507000"/>
+            <a:ext cx="367414" cy="297000"/>
+          </a:xfrm>
+        </p:spPr>
+        <p:txBody>
+          <a:bodyPr vert="horz" lIns="91440" tIns="45720" rIns="91440" bIns="45720" rtlCol="0" anchor="b"/>
+          <a:lstStyle>
+            <a:lvl1pPr algn="r">
+              <a:defRPr sz="1000"/>
+            </a:lvl1pPr>
+          </a:lstStyle>
+          <a:p>
+            <a:fld id="{2BF067CD-8E6B-4360-9AA8-C5DF2A48A6D1}" type="slidenum">
+              <a:rPr lang="en-US" smtClean="0"/>
+              <a:pPr/>
+              <a:t>18</a:t>
+            </a:fld>
+            <a:endParaRPr lang="en-US" dirty="0"/>
+          </a:p>
+        </p:txBody>
+      </p:sp>
+      <p:sp>
+        <p:nvSpPr>
+          <p:cNvPr id="4" name="Slide Title"/>
+          <p:cNvSpPr>
+            <a:spLocks noGrp="1"/>
+          </p:cNvSpPr>
+          <p:nvPr>
+            <p:ph type="title"/>
+          </p:nvPr>
+        </p:nvSpPr>
+        <p:spPr>
+          <a:xfrm>
+            <a:off x="190406" y="100750"/>
+            <a:ext cx="10270594" cy="882654"/>
+          </a:xfrm>
+        </p:spPr>
+        <p:txBody>
+          <a:bodyPr/>
+          <a:lstStyle/>
+          <a:p>
+            <a:r>
+              <a:rPr lang="en-US" dirty="0"/>
+              <a:t>SWOT </a:t>
+            </a:r>
+            <a:r>
+              <a:rPr lang="bg-BG" dirty="0"/>
+              <a:t>анализ</a:t>
+            </a:r>
+            <a:r>
+              <a:rPr lang="en-US" dirty="0"/>
+              <a:t> </a:t>
+            </a:r>
+            <a:r>
+              <a:rPr lang="en-GB" sz="4000" dirty="0">
+                <a:solidFill>
+                  <a:schemeClr val="bg2"/>
+                </a:solidFill>
+              </a:rPr>
+              <a:t>–</a:t>
+            </a:r>
+            <a:r>
+              <a:rPr lang="en-US" dirty="0"/>
+              <a:t> </a:t>
+            </a:r>
+            <a:r>
+              <a:rPr lang="bg-BG" dirty="0"/>
+              <a:t>Пример</a:t>
+            </a:r>
+            <a:endParaRPr lang="en-US" dirty="0"/>
+          </a:p>
+        </p:txBody>
+      </p:sp>
+      <p:pic>
+        <p:nvPicPr>
+          <p:cNvPr id="3" name="Picture 2">
+            <a:extLst>
+              <a:ext uri="{FF2B5EF4-FFF2-40B4-BE49-F238E27FC236}">
+                <a16:creationId xmlns:a16="http://schemas.microsoft.com/office/drawing/2014/main" id="{C8F97075-36CD-484E-4A66-353A2467803A}"/>
+              </a:ext>
+            </a:extLst>
+          </p:cNvPr>
+          <p:cNvPicPr>
+            <a:picLocks noChangeAspect="1"/>
+          </p:cNvPicPr>
+          <p:nvPr/>
+        </p:nvPicPr>
+        <p:blipFill>
+          <a:blip r:embed="rId3">
+            <a:extLst>
+              <a:ext uri="{28A0092B-C50C-407E-A947-70E740481C1C}">
+                <a14:useLocalDpi xmlns:a14="http://schemas.microsoft.com/office/drawing/2010/main" val="0"/>
+              </a:ext>
+            </a:extLst>
+          </a:blip>
+          <a:stretch>
+            <a:fillRect/>
+          </a:stretch>
+        </p:blipFill>
+        <p:spPr>
+          <a:xfrm>
+            <a:off x="71014" y="2349000"/>
+            <a:ext cx="12035934" cy="2790000"/>
+          </a:xfrm>
+          <a:prstGeom prst="rect">
+            <a:avLst/>
+          </a:prstGeom>
+        </p:spPr>
+      </p:pic>
+    </p:spTree>
+    <p:extLst>
+      <p:ext uri="{BB962C8B-B14F-4D97-AF65-F5344CB8AC3E}">
+        <p14:creationId xmlns:p14="http://schemas.microsoft.com/office/powerpoint/2010/main" val="2002786287"/>
+      </p:ext>
+    </p:extLst>
+  </p:cSld>
+  <p:clrMapOvr>
+    <a:masterClrMapping/>
+  </p:clrMapOvr>
+  <mc:AlternateContent xmlns:mc="http://schemas.openxmlformats.org/markup-compatibility/2006" xmlns:p14="http://schemas.microsoft.com/office/powerpoint/2010/main">
+    <mc:Choice Requires="p14">
+      <p:transition spd="slow" p14:dur="2000" advClick="0" advTm="5000"/>
+    </mc:Choice>
+    <mc:Fallback xmlns="">
+      <p:transition spd="slow" advClick="0" advTm="5000"/>
+    </mc:Fallback>
+  </mc:AlternateContent>
+</p:sld>
+</file>
+
 <file path=ppt/slides/slide19.xml><?xml version="1.0" encoding="utf-8"?>
 <p:sld xmlns:a="http://schemas.openxmlformats.org/drawingml/2006/main" xmlns:r="http://schemas.openxmlformats.org/officeDocument/2006/relationships" xmlns:p="http://schemas.openxmlformats.org/presentationml/2006/main">
   <p:cSld>
@@ -14780,6 +14780,34 @@
               </a:buClr>
             </a:pPr>
             <a:r>
+              <a:rPr lang="en-US" sz="4200" dirty="0"/>
+              <a:t>​</a:t>
+            </a:r>
+            <a:r>
+              <a:rPr lang="bg-BG" sz="3900" b="1" dirty="0"/>
+              <a:t>Пример</a:t>
+            </a:r>
+            <a:r>
+              <a:rPr lang="en-US" sz="3900" b="1" dirty="0"/>
+              <a:t>: </a:t>
+            </a:r>
+            <a:r>
+              <a:rPr lang="bg-BG" sz="3900" dirty="0"/>
+              <a:t>Матрица на риска на </a:t>
+            </a:r>
+            <a:r>
+              <a:rPr lang="en-US" sz="3900" dirty="0"/>
+              <a:t>Google Classroom</a:t>
+            </a:r>
+            <a:endParaRPr lang="bg-BG" sz="3900" b="1" dirty="0"/>
+          </a:p>
+          <a:p>
+            <a:pPr>
+              <a:buClr>
+                <a:schemeClr val="tx1"/>
+              </a:buClr>
+            </a:pPr>
+            <a:r>
               <a:rPr lang="bg-BG" sz="4000" dirty="0"/>
               <a:t>​</a:t>
             </a:r>
@@ -14832,34 +14860,6 @@
               <a:rPr lang="bg-BG" sz="3700" b="1" dirty="0"/>
               <a:t>анализ</a:t>
             </a:r>
-          </a:p>
-          <a:p>
-            <a:pPr>
-              <a:buClr>
-                <a:schemeClr val="tx1"/>
-              </a:buClr>
-            </a:pPr>
-            <a:r>
-              <a:rPr lang="en-US" sz="4200" dirty="0"/>
-              <a:t>​</a:t>
-            </a:r>
-            <a:r>
-              <a:rPr lang="bg-BG" sz="3900" b="1" dirty="0"/>
-              <a:t>Пример</a:t>
-            </a:r>
-            <a:r>
-              <a:rPr lang="en-US" sz="3900" b="1" dirty="0"/>
-              <a:t>: </a:t>
-            </a:r>
-            <a:r>
-              <a:rPr lang="bg-BG" sz="3900" dirty="0"/>
-              <a:t>Матрица на риска на </a:t>
-            </a:r>
-            <a:r>
-              <a:rPr lang="en-US" sz="3900" dirty="0"/>
-              <a:t>Google Classroom</a:t>
-            </a:r>
-            <a:endParaRPr lang="bg-BG" sz="3900" dirty="0"/>
           </a:p>
           <a:p>
             <a:pPr>

--- a/Courses/Software-Sciences/IT-Module-4-Problem-Solving-with-ICT/04-Risk-Analysis/04-Risk-Analysis.pptx
+++ b/Courses/Software-Sciences/IT-Module-4-Problem-Solving-with-ICT/04-Risk-Analysis/04-Risk-Analysis.pptx
@@ -153,7 +153,7 @@
             <p14:sldId id="641"/>
           </p14:sldIdLst>
         </p14:section>
-        <p14:section name="Пример: Матрица на риска на Google Classroom&#13;" id="{C1DF9EB4-CE77-CA44-907B-BD32599A00F3}">
+        <p14:section name="Пример: Матрица на риска на Google Classroom&#10;" id="{C1DF9EB4-CE77-CA44-907B-BD32599A00F3}">
           <p14:sldIdLst>
             <p14:sldId id="639"/>
             <p14:sldId id="657"/>
@@ -205,6 +205,12 @@
 </p:presentation>
 </file>
 
+<file path=ppt/authors.xml><?xml version="1.0" encoding="utf-8"?>
+<p188:authorLst xmlns:a="http://schemas.openxmlformats.org/drawingml/2006/main" xmlns:r="http://schemas.openxmlformats.org/officeDocument/2006/relationships" xmlns:p188="http://schemas.microsoft.com/office/powerpoint/2018/8/main">
+  <p188:author id="{CB4BF2F8-D32F-9387-A6CE-368ED6EFDCF0}" name="Zaraliev" initials="KZ" userId="S::Zaraliev@students.softuni.bg::e1c6524a-140e-4108-9ad5-216363431969" providerId="AD"/>
+</p188:authorLst>
+</file>
+
 <file path=ppt/commentAuthors.xml><?xml version="1.0" encoding="utf-8"?>
 <p:cmAuthorLst xmlns:a="http://schemas.openxmlformats.org/drawingml/2006/main" xmlns:r="http://schemas.openxmlformats.org/officeDocument/2006/relationships" xmlns:p="http://schemas.openxmlformats.org/presentationml/2006/main">
   <p:cmAuthor id="1" name="PC" initials="P" lastIdx="8" clrIdx="0">
@@ -222,6 +228,84 @@
     </p:extLst>
   </p:cmAuthor>
 </p:cmAuthorLst>
+</file>
+
+<file path=ppt/comments/modernComment_27C_3940D9C.xml><?xml version="1.0" encoding="utf-8"?>
+<p188:cmLst xmlns:a="http://schemas.openxmlformats.org/drawingml/2006/main" xmlns:r="http://schemas.openxmlformats.org/officeDocument/2006/relationships" xmlns:p188="http://schemas.microsoft.com/office/powerpoint/2018/8/main">
+  <p188:cm id="{11D03BF2-BA5A-46F8-B27C-1C77A29CEDA2}" authorId="{CB4BF2F8-D32F-9387-A6CE-368ED6EFDCF0}" created="2025-05-05T11:41:11.010">
+    <ac:txMkLst xmlns:ac="http://schemas.microsoft.com/office/drawing/2013/main/command">
+      <pc:docMk xmlns:pc="http://schemas.microsoft.com/office/powerpoint/2013/main/command"/>
+      <pc:sldMk xmlns:pc="http://schemas.microsoft.com/office/powerpoint/2013/main/command" cId="60034460" sldId="636"/>
+      <ac:spMk id="7" creationId="{320B2856-CE5E-4934-BD1C-1D81E68E529A}"/>
+      <ac:txMk cp="192" len="7">
+        <ac:context len="333" hash="3652534299"/>
+      </ac:txMk>
+    </ac:txMkLst>
+    <p188:pos x="2152106" y="2975183"/>
+    <p188:txBody>
+      <a:bodyPr/>
+      <a:lstStyle/>
+      <a:p>
+        <a:r>
+          <a:rPr lang="en-GB"/>
+          <a:t>Да се опише към кого се задават въпросите</a:t>
+        </a:r>
+      </a:p>
+    </p188:txBody>
+  </p188:cm>
+</p188:cmLst>
+</file>
+
+<file path=ppt/comments/modernComment_28E_3AE904ED.xml><?xml version="1.0" encoding="utf-8"?>
+<p188:cmLst xmlns:a="http://schemas.openxmlformats.org/drawingml/2006/main" xmlns:r="http://schemas.openxmlformats.org/officeDocument/2006/relationships" xmlns:p188="http://schemas.microsoft.com/office/powerpoint/2018/8/main">
+  <p188:cm id="{065D115C-B0CF-4430-8FC8-2F6D3FA703F3}" authorId="{CB4BF2F8-D32F-9387-A6CE-368ED6EFDCF0}" created="2025-05-05T11:36:20.668">
+    <ac:txMkLst xmlns:ac="http://schemas.microsoft.com/office/drawing/2013/main/command">
+      <pc:docMk xmlns:pc="http://schemas.microsoft.com/office/powerpoint/2013/main/command"/>
+      <pc:sldMk xmlns:pc="http://schemas.microsoft.com/office/powerpoint/2013/main/command" cId="988349677" sldId="654"/>
+      <ac:spMk id="3" creationId="{E5549916-E21B-5715-FA71-A492DA4368A4}"/>
+      <ac:txMk cp="145" len="16">
+        <ac:context len="239" hash="3725322996"/>
+      </ac:txMk>
+    </ac:txMkLst>
+    <p188:pos x="3806245" y="3468342"/>
+    <p188:txBody>
+      <a:bodyPr/>
+      <a:lstStyle/>
+      <a:p>
+        <a:r>
+          <a:rPr lang="en-GB"/>
+          <a:t>Да се обясни какво значи матрица на риска</a:t>
+        </a:r>
+      </a:p>
+    </p188:txBody>
+  </p188:cm>
+</p188:cmLst>
+</file>
+
+<file path=ppt/comments/modernComment_291_8D9628D8.xml><?xml version="1.0" encoding="utf-8"?>
+<p188:cmLst xmlns:a="http://schemas.openxmlformats.org/drawingml/2006/main" xmlns:r="http://schemas.openxmlformats.org/officeDocument/2006/relationships" xmlns:p188="http://schemas.microsoft.com/office/powerpoint/2018/8/main">
+  <p188:cm id="{A994FD14-5D52-4133-A00C-AD30CABF2127}" authorId="{CB4BF2F8-D32F-9387-A6CE-368ED6EFDCF0}" created="2025-05-05T11:38:43.470">
+    <ac:txMkLst xmlns:ac="http://schemas.microsoft.com/office/drawing/2013/main/command">
+      <pc:docMk xmlns:pc="http://schemas.microsoft.com/office/powerpoint/2013/main/command"/>
+      <pc:sldMk xmlns:pc="http://schemas.microsoft.com/office/powerpoint/2013/main/command" cId="2375428312" sldId="657"/>
+      <ac:spMk id="3" creationId="{5CACD0B1-3A93-D765-5C5D-894E0432BD57}"/>
+      <ac:txMk cp="39" len="6">
+        <ac:context len="100" hash="1592138428"/>
+      </ac:txMk>
+    </ac:txMkLst>
+    <p188:pos x="8963872" y="273079"/>
+    <p188:txBody>
+      <a:bodyPr/>
+      <a:lstStyle/>
+      <a:p>
+        <a:r>
+          <a:rPr lang="en-GB"/>
+          <a:t>Да стане цветно ☺️</a:t>
+        </a:r>
+      </a:p>
+    </p188:txBody>
+  </p188:cm>
+</p188:cmLst>
 </file>
 
 <file path=ppt/handoutMasters/handoutMaster1.xml><?xml version="1.0" encoding="utf-8"?>
@@ -318,7 +402,7 @@
           <a:p>
             <a:fld id="{4E087215-0C8F-4762-A664-737A353EC9A4}" type="datetimeFigureOut">
               <a:rPr lang="bg-BG" smtClean="0"/>
-              <a:t>1.05.25 г.</a:t>
+              <a:t>5.5.2025 г.</a:t>
             </a:fld>
             <a:endParaRPr lang="bg-BG"/>
           </a:p>
@@ -514,7 +598,7 @@
           <a:p>
             <a:fld id="{72D84649-876A-46C9-8472-14CB09C070D8}" type="datetimeFigureOut">
               <a:rPr lang="en-US" smtClean="0"/>
-              <a:t>5/1/25</a:t>
+              <a:t>5/5/2025</a:t>
             </a:fld>
             <a:endParaRPr lang="en-US"/>
           </a:p>
@@ -11812,6 +11896,11 @@
       </p:par>
     </p:tnLst>
   </p:timing>
+  <p:extLst>
+    <p:ext uri="{6950BFC3-D8DA-4A85-94F7-54DA5524770B}">
+      <p188:commentRel xmlns:p188="http://schemas.microsoft.com/office/powerpoint/2018/8/main" r:id="rId2"/>
+    </p:ext>
+  </p:extLst>
 </p:sld>
 </file>
 
@@ -12196,7 +12285,7 @@
           <p:nvPr/>
         </p:nvPicPr>
         <p:blipFill rotWithShape="1">
-          <a:blip r:embed="rId3">
+          <a:blip r:embed="rId4">
             <a:extLst>
               <a:ext uri="{28A0092B-C50C-407E-A947-70E740481C1C}">
                 <a14:useLocalDpi xmlns:a14="http://schemas.microsoft.com/office/drawing/2010/main" val="0"/>
@@ -12509,6 +12598,11 @@
       </p:par>
     </p:tnLst>
   </p:timing>
+  <p:extLst>
+    <p:ext uri="{6950BFC3-D8DA-4A85-94F7-54DA5524770B}">
+      <p188:commentRel xmlns:p188="http://schemas.microsoft.com/office/powerpoint/2018/8/main" r:id="rId3"/>
+    </p:ext>
+  </p:extLst>
 </p:sld>
 </file>
 
@@ -14382,8 +14476,8 @@
         </p:blipFill>
         <p:spPr>
           <a:xfrm>
-            <a:off x="71014" y="2349000"/>
-            <a:ext cx="12035934" cy="2790000"/>
+            <a:off x="300526" y="2439000"/>
+            <a:ext cx="11590948" cy="2686850"/>
           </a:xfrm>
           <a:prstGeom prst="rect">
             <a:avLst/>
@@ -19435,7 +19529,7 @@
           <p:nvPr/>
         </p:nvPicPr>
         <p:blipFill rotWithShape="1">
-          <a:blip r:embed="rId2">
+          <a:blip r:embed="rId3">
             <a:extLst>
               <a:ext uri="{28A0092B-C50C-407E-A947-70E740481C1C}">
                 <a14:useLocalDpi xmlns:a14="http://schemas.microsoft.com/office/drawing/2010/main" val="0"/>
@@ -19470,7 +19564,7 @@
           <p:nvPr/>
         </p:nvPicPr>
         <p:blipFill>
-          <a:blip r:embed="rId3">
+          <a:blip r:embed="rId4">
             <a:extLst>
               <a:ext uri="{28A0092B-C50C-407E-A947-70E740481C1C}">
                 <a14:useLocalDpi xmlns:a14="http://schemas.microsoft.com/office/drawing/2010/main" val="0"/>
@@ -19506,7 +19600,7 @@
           <p:nvPr/>
         </p:nvPicPr>
         <p:blipFill>
-          <a:blip r:embed="rId4">
+          <a:blip r:embed="rId5">
             <a:extLst>
               <a:ext uri="{28A0092B-C50C-407E-A947-70E740481C1C}">
                 <a14:useLocalDpi xmlns:a14="http://schemas.microsoft.com/office/drawing/2010/main" val="0"/>
@@ -19820,6 +19914,11 @@
       </p:par>
     </p:tnLst>
   </p:timing>
+  <p:extLst>
+    <p:ext uri="{6950BFC3-D8DA-4A85-94F7-54DA5524770B}">
+      <p188:commentRel xmlns:p188="http://schemas.microsoft.com/office/powerpoint/2018/8/main" r:id="rId2"/>
+    </p:ext>
+  </p:extLst>
 </p:sld>
 </file>
 

--- a/Courses/Software-Sciences/IT-Module-4-Problem-Solving-with-ICT/04-Risk-Analysis/04-Risk-Analysis.pptx
+++ b/Courses/Software-Sciences/IT-Module-4-Problem-Solving-with-ICT/04-Risk-Analysis/04-Risk-Analysis.pptx
@@ -230,84 +230,6 @@
 </p:cmAuthorLst>
 </file>
 
-<file path=ppt/comments/modernComment_27C_3940D9C.xml><?xml version="1.0" encoding="utf-8"?>
-<p188:cmLst xmlns:a="http://schemas.openxmlformats.org/drawingml/2006/main" xmlns:r="http://schemas.openxmlformats.org/officeDocument/2006/relationships" xmlns:p188="http://schemas.microsoft.com/office/powerpoint/2018/8/main">
-  <p188:cm id="{11D03BF2-BA5A-46F8-B27C-1C77A29CEDA2}" authorId="{CB4BF2F8-D32F-9387-A6CE-368ED6EFDCF0}" created="2025-05-05T11:41:11.010">
-    <ac:txMkLst xmlns:ac="http://schemas.microsoft.com/office/drawing/2013/main/command">
-      <pc:docMk xmlns:pc="http://schemas.microsoft.com/office/powerpoint/2013/main/command"/>
-      <pc:sldMk xmlns:pc="http://schemas.microsoft.com/office/powerpoint/2013/main/command" cId="60034460" sldId="636"/>
-      <ac:spMk id="7" creationId="{320B2856-CE5E-4934-BD1C-1D81E68E529A}"/>
-      <ac:txMk cp="192" len="7">
-        <ac:context len="333" hash="3652534299"/>
-      </ac:txMk>
-    </ac:txMkLst>
-    <p188:pos x="2152106" y="2975183"/>
-    <p188:txBody>
-      <a:bodyPr/>
-      <a:lstStyle/>
-      <a:p>
-        <a:r>
-          <a:rPr lang="en-GB"/>
-          <a:t>Да се опише към кого се задават въпросите</a:t>
-        </a:r>
-      </a:p>
-    </p188:txBody>
-  </p188:cm>
-</p188:cmLst>
-</file>
-
-<file path=ppt/comments/modernComment_28E_3AE904ED.xml><?xml version="1.0" encoding="utf-8"?>
-<p188:cmLst xmlns:a="http://schemas.openxmlformats.org/drawingml/2006/main" xmlns:r="http://schemas.openxmlformats.org/officeDocument/2006/relationships" xmlns:p188="http://schemas.microsoft.com/office/powerpoint/2018/8/main">
-  <p188:cm id="{065D115C-B0CF-4430-8FC8-2F6D3FA703F3}" authorId="{CB4BF2F8-D32F-9387-A6CE-368ED6EFDCF0}" created="2025-05-05T11:36:20.668">
-    <ac:txMkLst xmlns:ac="http://schemas.microsoft.com/office/drawing/2013/main/command">
-      <pc:docMk xmlns:pc="http://schemas.microsoft.com/office/powerpoint/2013/main/command"/>
-      <pc:sldMk xmlns:pc="http://schemas.microsoft.com/office/powerpoint/2013/main/command" cId="988349677" sldId="654"/>
-      <ac:spMk id="3" creationId="{E5549916-E21B-5715-FA71-A492DA4368A4}"/>
-      <ac:txMk cp="145" len="16">
-        <ac:context len="239" hash="3725322996"/>
-      </ac:txMk>
-    </ac:txMkLst>
-    <p188:pos x="3806245" y="3468342"/>
-    <p188:txBody>
-      <a:bodyPr/>
-      <a:lstStyle/>
-      <a:p>
-        <a:r>
-          <a:rPr lang="en-GB"/>
-          <a:t>Да се обясни какво значи матрица на риска</a:t>
-        </a:r>
-      </a:p>
-    </p188:txBody>
-  </p188:cm>
-</p188:cmLst>
-</file>
-
-<file path=ppt/comments/modernComment_291_8D9628D8.xml><?xml version="1.0" encoding="utf-8"?>
-<p188:cmLst xmlns:a="http://schemas.openxmlformats.org/drawingml/2006/main" xmlns:r="http://schemas.openxmlformats.org/officeDocument/2006/relationships" xmlns:p188="http://schemas.microsoft.com/office/powerpoint/2018/8/main">
-  <p188:cm id="{A994FD14-5D52-4133-A00C-AD30CABF2127}" authorId="{CB4BF2F8-D32F-9387-A6CE-368ED6EFDCF0}" created="2025-05-05T11:38:43.470">
-    <ac:txMkLst xmlns:ac="http://schemas.microsoft.com/office/drawing/2013/main/command">
-      <pc:docMk xmlns:pc="http://schemas.microsoft.com/office/powerpoint/2013/main/command"/>
-      <pc:sldMk xmlns:pc="http://schemas.microsoft.com/office/powerpoint/2013/main/command" cId="2375428312" sldId="657"/>
-      <ac:spMk id="3" creationId="{5CACD0B1-3A93-D765-5C5D-894E0432BD57}"/>
-      <ac:txMk cp="39" len="6">
-        <ac:context len="100" hash="1592138428"/>
-      </ac:txMk>
-    </ac:txMkLst>
-    <p188:pos x="8963872" y="273079"/>
-    <p188:txBody>
-      <a:bodyPr/>
-      <a:lstStyle/>
-      <a:p>
-        <a:r>
-          <a:rPr lang="en-GB"/>
-          <a:t>Да стане цветно ☺️</a:t>
-        </a:r>
-      </a:p>
-    </p188:txBody>
-  </p188:cm>
-</p188:cmLst>
-</file>
-
 <file path=ppt/handoutMasters/handoutMaster1.xml><?xml version="1.0" encoding="utf-8"?>
 <p:handoutMaster xmlns:a="http://schemas.openxmlformats.org/drawingml/2006/main" xmlns:r="http://schemas.openxmlformats.org/officeDocument/2006/relationships" xmlns:p="http://schemas.openxmlformats.org/presentationml/2006/main">
   <p:cSld>
@@ -402,7 +324,7 @@
           <a:p>
             <a:fld id="{4E087215-0C8F-4762-A664-737A353EC9A4}" type="datetimeFigureOut">
               <a:rPr lang="bg-BG" smtClean="0"/>
-              <a:t>5.5.2025 г.</a:t>
+              <a:t>7.05.25 г.</a:t>
             </a:fld>
             <a:endParaRPr lang="bg-BG"/>
           </a:p>
@@ -598,7 +520,7 @@
           <a:p>
             <a:fld id="{72D84649-876A-46C9-8472-14CB09C070D8}" type="datetimeFigureOut">
               <a:rPr lang="en-US" smtClean="0"/>
-              <a:t>5/5/2025</a:t>
+              <a:t>5/7/25</a:t>
             </a:fld>
             <a:endParaRPr lang="en-US"/>
           </a:p>
@@ -10738,10 +10660,65 @@
             <a:r>
               <a:rPr lang="en-US" sz="3200" b="1" dirty="0">
                 <a:solidFill>
+                  <a:schemeClr val="accent3">
+                    <a:lumMod val="75000"/>
+                  </a:schemeClr>
+                </a:solidFill>
+              </a:rPr>
+              <a:t>G</a:t>
+            </a:r>
+            <a:r>
+              <a:rPr lang="en-US" sz="3200" b="1" dirty="0">
+                <a:solidFill>
+                  <a:srgbClr val="FF0000"/>
+                </a:solidFill>
+              </a:rPr>
+              <a:t>o</a:t>
+            </a:r>
+            <a:r>
+              <a:rPr lang="en-US" sz="3200" b="1" dirty="0">
+                <a:solidFill>
+                  <a:schemeClr val="accent1">
+                    <a:lumMod val="60000"/>
+                    <a:lumOff val="40000"/>
+                  </a:schemeClr>
+                </a:solidFill>
+              </a:rPr>
+              <a:t>o</a:t>
+            </a:r>
+            <a:r>
+              <a:rPr lang="en-US" sz="3200" b="1" dirty="0">
+                <a:solidFill>
+                  <a:schemeClr val="accent3">
+                    <a:lumMod val="75000"/>
+                  </a:schemeClr>
+                </a:solidFill>
+              </a:rPr>
+              <a:t>g</a:t>
+            </a:r>
+            <a:r>
+              <a:rPr lang="en-US" sz="3200" b="1" dirty="0">
+                <a:solidFill>
                   <a:srgbClr val="00B050"/>
                 </a:solidFill>
               </a:rPr>
-              <a:t>Google Classroom</a:t>
+              <a:t>l</a:t>
+            </a:r>
+            <a:r>
+              <a:rPr lang="en-US" sz="3200" b="1" dirty="0">
+                <a:solidFill>
+                  <a:srgbClr val="FF0000"/>
+                </a:solidFill>
+              </a:rPr>
+              <a:t>e</a:t>
+            </a:r>
+            <a:r>
+              <a:rPr lang="en-US" sz="3200" b="1" dirty="0">
+                <a:solidFill>
+                  <a:srgbClr val="00B050"/>
+                </a:solidFill>
+              </a:rPr>
+              <a:t> Classroom</a:t>
             </a:r>
             <a:r>
               <a:rPr lang="bg-BG" sz="3200" b="1" dirty="0">
@@ -11896,11 +11873,6 @@
       </p:par>
     </p:tnLst>
   </p:timing>
-  <p:extLst>
-    <p:ext uri="{6950BFC3-D8DA-4A85-94F7-54DA5524770B}">
-      <p188:commentRel xmlns:p188="http://schemas.microsoft.com/office/powerpoint/2018/8/main" r:id="rId2"/>
-    </p:ext>
-  </p:extLst>
 </p:sld>
 </file>
 
@@ -12115,7 +12087,7 @@
         </p:spPr>
         <p:txBody>
           <a:bodyPr>
-            <a:normAutofit lnSpcReduction="10000"/>
+            <a:normAutofit fontScale="92500" lnSpcReduction="10000"/>
           </a:bodyPr>
           <a:lstStyle/>
           <a:p>
@@ -12161,8 +12133,45 @@
                   <a:schemeClr val="bg1"/>
                 </a:solidFill>
               </a:rPr>
-              <a:t>предварително подготвени въпроси</a:t>
-            </a:r>
+              <a:t>предварително подготвени въпроси </a:t>
+            </a:r>
+            <a:r>
+              <a:rPr lang="bg-BG" sz="3200" dirty="0"/>
+              <a:t>към </a:t>
+            </a:r>
+            <a:r>
+              <a:rPr lang="bg-BG" sz="3200" b="1" dirty="0"/>
+              <a:t>ключови членове</a:t>
+            </a:r>
+            <a:r>
+              <a:rPr lang="bg-BG" sz="3200" dirty="0"/>
+              <a:t> на </a:t>
+            </a:r>
+            <a:r>
+              <a:rPr lang="bg-BG" sz="3200" b="1" dirty="0">
+                <a:solidFill>
+                  <a:schemeClr val="bg1"/>
+                </a:solidFill>
+              </a:rPr>
+              <a:t>екипа</a:t>
+            </a:r>
+            <a:r>
+              <a:rPr lang="bg-BG" sz="3200" dirty="0"/>
+              <a:t> </a:t>
+            </a:r>
+            <a:r>
+              <a:rPr lang="en-US" sz="3200" dirty="0"/>
+              <a:t>(</a:t>
+            </a:r>
+            <a:r>
+              <a:rPr lang="bg-BG" sz="3200" dirty="0"/>
+              <a:t>ръководители, експерти, мениджъри и т.н.</a:t>
+            </a:r>
+            <a:r>
+              <a:rPr lang="en-US" sz="3200" dirty="0"/>
+              <a:t>)</a:t>
+            </a:r>
+            <a:endParaRPr lang="bg-BG" sz="3200" dirty="0"/>
           </a:p>
           <a:p>
             <a:r>
@@ -12285,7 +12294,7 @@
           <p:nvPr/>
         </p:nvPicPr>
         <p:blipFill rotWithShape="1">
-          <a:blip r:embed="rId4">
+          <a:blip r:embed="rId3">
             <a:extLst>
               <a:ext uri="{28A0092B-C50C-407E-A947-70E740481C1C}">
                 <a14:useLocalDpi xmlns:a14="http://schemas.microsoft.com/office/drawing/2010/main" val="0"/>
@@ -12598,11 +12607,6 @@
       </p:par>
     </p:tnLst>
   </p:timing>
-  <p:extLst>
-    <p:ext uri="{6950BFC3-D8DA-4A85-94F7-54DA5524770B}">
-      <p188:commentRel xmlns:p188="http://schemas.microsoft.com/office/powerpoint/2018/8/main" r:id="rId3"/>
-    </p:ext>
-  </p:extLst>
 </p:sld>
 </file>
 
@@ -19529,7 +19533,7 @@
           <p:nvPr/>
         </p:nvPicPr>
         <p:blipFill rotWithShape="1">
-          <a:blip r:embed="rId3">
+          <a:blip r:embed="rId2">
             <a:extLst>
               <a:ext uri="{28A0092B-C50C-407E-A947-70E740481C1C}">
                 <a14:useLocalDpi xmlns:a14="http://schemas.microsoft.com/office/drawing/2010/main" val="0"/>
@@ -19564,7 +19568,7 @@
           <p:nvPr/>
         </p:nvPicPr>
         <p:blipFill>
-          <a:blip r:embed="rId4">
+          <a:blip r:embed="rId3">
             <a:extLst>
               <a:ext uri="{28A0092B-C50C-407E-A947-70E740481C1C}">
                 <a14:useLocalDpi xmlns:a14="http://schemas.microsoft.com/office/drawing/2010/main" val="0"/>
@@ -19600,7 +19604,7 @@
           <p:nvPr/>
         </p:nvPicPr>
         <p:blipFill>
-          <a:blip r:embed="rId5">
+          <a:blip r:embed="rId4">
             <a:extLst>
               <a:ext uri="{28A0092B-C50C-407E-A947-70E740481C1C}">
                 <a14:useLocalDpi xmlns:a14="http://schemas.microsoft.com/office/drawing/2010/main" val="0"/>
@@ -19914,11 +19918,6 @@
       </p:par>
     </p:tnLst>
   </p:timing>
-  <p:extLst>
-    <p:ext uri="{6950BFC3-D8DA-4A85-94F7-54DA5524770B}">
-      <p188:commentRel xmlns:p188="http://schemas.microsoft.com/office/powerpoint/2018/8/main" r:id="rId2"/>
-    </p:ext>
-  </p:extLst>
 </p:sld>
 </file>
 

--- a/Courses/Software-Sciences/IT-Module-4-Problem-Solving-with-ICT/04-Risk-Analysis/04-Risk-Analysis.pptx
+++ b/Courses/Software-Sciences/IT-Module-4-Problem-Solving-with-ICT/04-Risk-Analysis/04-Risk-Analysis.pptx
@@ -324,7 +324,7 @@
           <a:p>
             <a:fld id="{4E087215-0C8F-4762-A664-737A353EC9A4}" type="datetimeFigureOut">
               <a:rPr lang="bg-BG" smtClean="0"/>
-              <a:t>7.05.25 г.</a:t>
+              <a:t>2.06.25 г.</a:t>
             </a:fld>
             <a:endParaRPr lang="bg-BG"/>
           </a:p>
@@ -520,7 +520,7 @@
           <a:p>
             <a:fld id="{72D84649-876A-46C9-8472-14CB09C070D8}" type="datetimeFigureOut">
               <a:rPr lang="en-US" smtClean="0"/>
-              <a:t>5/7/25</a:t>
+              <a:t>6/2/25</a:t>
             </a:fld>
             <a:endParaRPr lang="en-US"/>
           </a:p>
@@ -9951,8 +9951,8 @@
         </p:blipFill>
         <p:spPr>
           <a:xfrm>
-            <a:off x="572403" y="3038128"/>
-            <a:ext cx="1897168" cy="885072"/>
+            <a:off x="572403" y="3055226"/>
+            <a:ext cx="1897168" cy="850875"/>
           </a:xfrm>
           <a:prstGeom prst="rect">
             <a:avLst/>

--- a/Courses/Software-Sciences/IT-Module-4-Problem-Solving-with-ICT/04-Risk-Analysis/04-Risk-Analysis.pptx
+++ b/Courses/Software-Sciences/IT-Module-4-Problem-Solving-with-ICT/04-Risk-Analysis/04-Risk-Analysis.pptx
@@ -5,10 +5,10 @@
     <p:sldMasterId id="2147483675" r:id="rId1"/>
   </p:sldMasterIdLst>
   <p:notesMasterIdLst>
-    <p:notesMasterId r:id="rId25"/>
+    <p:notesMasterId r:id="rId26"/>
   </p:notesMasterIdLst>
   <p:handoutMasterIdLst>
-    <p:handoutMasterId r:id="rId26"/>
+    <p:handoutMasterId r:id="rId27"/>
   </p:handoutMasterIdLst>
   <p:sldIdLst>
     <p:sldId id="503" r:id="rId2"/>
@@ -21,19 +21,20 @@
     <p:sldId id="655" r:id="rId9"/>
     <p:sldId id="640" r:id="rId10"/>
     <p:sldId id="641" r:id="rId11"/>
-    <p:sldId id="639" r:id="rId12"/>
-    <p:sldId id="657" r:id="rId13"/>
-    <p:sldId id="610" r:id="rId14"/>
-    <p:sldId id="636" r:id="rId15"/>
-    <p:sldId id="642" r:id="rId16"/>
-    <p:sldId id="648" r:id="rId17"/>
-    <p:sldId id="650" r:id="rId18"/>
-    <p:sldId id="644" r:id="rId19"/>
-    <p:sldId id="658" r:id="rId20"/>
-    <p:sldId id="659" r:id="rId21"/>
-    <p:sldId id="633" r:id="rId22"/>
-    <p:sldId id="504" r:id="rId23"/>
-    <p:sldId id="505" r:id="rId24"/>
+    <p:sldId id="660" r:id="rId12"/>
+    <p:sldId id="639" r:id="rId13"/>
+    <p:sldId id="657" r:id="rId14"/>
+    <p:sldId id="610" r:id="rId15"/>
+    <p:sldId id="636" r:id="rId16"/>
+    <p:sldId id="642" r:id="rId17"/>
+    <p:sldId id="648" r:id="rId18"/>
+    <p:sldId id="650" r:id="rId19"/>
+    <p:sldId id="644" r:id="rId20"/>
+    <p:sldId id="658" r:id="rId21"/>
+    <p:sldId id="659" r:id="rId22"/>
+    <p:sldId id="633" r:id="rId23"/>
+    <p:sldId id="504" r:id="rId24"/>
+    <p:sldId id="505" r:id="rId25"/>
   </p:sldIdLst>
   <p:sldSz cx="12192000" cy="6858000"/>
   <p:notesSz cx="6858000" cy="9144000"/>
@@ -151,6 +152,7 @@
             <p14:sldId id="655"/>
             <p14:sldId id="640"/>
             <p14:sldId id="641"/>
+            <p14:sldId id="660"/>
           </p14:sldIdLst>
         </p14:section>
         <p14:section name="Пример: Матрица на риска на Google Classroom&#10;" id="{C1DF9EB4-CE77-CA44-907B-BD32599A00F3}">
@@ -324,7 +326,7 @@
           <a:p>
             <a:fld id="{4E087215-0C8F-4762-A664-737A353EC9A4}" type="datetimeFigureOut">
               <a:rPr lang="bg-BG" smtClean="0"/>
-              <a:t>2.06.25 г.</a:t>
+              <a:t>2.09.25 г.</a:t>
             </a:fld>
             <a:endParaRPr lang="bg-BG"/>
           </a:p>
@@ -520,7 +522,7 @@
           <a:p>
             <a:fld id="{72D84649-876A-46C9-8472-14CB09C070D8}" type="datetimeFigureOut">
               <a:rPr lang="en-US" smtClean="0"/>
-              <a:t>6/2/25</a:t>
+              <a:t>9/2/25</a:t>
             </a:fld>
             <a:endParaRPr lang="en-US"/>
           </a:p>
@@ -1120,7 +1122,7 @@
             <a:fld id="{3EBA5BD7-F043-4D1B-AA17-CD412FC534DE}" type="slidenum">
               <a:rPr lang="en-US" smtClean="0"/>
               <a:pPr/>
-              <a:t>15</a:t>
+              <a:t>16</a:t>
             </a:fld>
             <a:endParaRPr lang="en-US" dirty="0"/>
           </a:p>
@@ -1350,7 +1352,7 @@
             <a:fld id="{3EBA5BD7-F043-4D1B-AA17-CD412FC534DE}" type="slidenum">
               <a:rPr lang="en-US" smtClean="0"/>
               <a:pPr/>
-              <a:t>16</a:t>
+              <a:t>17</a:t>
             </a:fld>
             <a:endParaRPr lang="en-US" dirty="0"/>
           </a:p>
@@ -1580,7 +1582,7 @@
             <a:fld id="{3EBA5BD7-F043-4D1B-AA17-CD412FC534DE}" type="slidenum">
               <a:rPr lang="en-US" smtClean="0"/>
               <a:pPr/>
-              <a:t>17</a:t>
+              <a:t>18</a:t>
             </a:fld>
             <a:endParaRPr lang="en-US" dirty="0"/>
           </a:p>
@@ -1810,7 +1812,7 @@
             <a:fld id="{3EBA5BD7-F043-4D1B-AA17-CD412FC534DE}" type="slidenum">
               <a:rPr lang="en-US" smtClean="0"/>
               <a:pPr/>
-              <a:t>18</a:t>
+              <a:t>19</a:t>
             </a:fld>
             <a:endParaRPr lang="en-US" dirty="0"/>
           </a:p>
@@ -2040,7 +2042,7 @@
             <a:fld id="{3EBA5BD7-F043-4D1B-AA17-CD412FC534DE}" type="slidenum">
               <a:rPr lang="en-US" smtClean="0"/>
               <a:pPr/>
-              <a:t>19</a:t>
+              <a:t>20</a:t>
             </a:fld>
             <a:endParaRPr lang="en-US" dirty="0"/>
           </a:p>
@@ -2270,7 +2272,7 @@
             <a:fld id="{3EBA5BD7-F043-4D1B-AA17-CD412FC534DE}" type="slidenum">
               <a:rPr lang="en-US" smtClean="0"/>
               <a:pPr/>
-              <a:t>21</a:t>
+              <a:t>22</a:t>
             </a:fld>
             <a:endParaRPr lang="en-US" dirty="0"/>
           </a:p>
@@ -2516,7 +2518,7 @@
             <a:fld id="{3EBA5BD7-F043-4D1B-AA17-CD412FC534DE}" type="slidenum">
               <a:rPr lang="en-US" smtClean="0"/>
               <a:pPr/>
-              <a:t>22</a:t>
+              <a:t>23</a:t>
             </a:fld>
             <a:endParaRPr lang="en-US" dirty="0"/>
           </a:p>
@@ -2746,7 +2748,7 @@
             <a:fld id="{3EBA5BD7-F043-4D1B-AA17-CD412FC534DE}" type="slidenum">
               <a:rPr lang="en-US" smtClean="0"/>
               <a:pPr/>
-              <a:t>23</a:t>
+              <a:t>24</a:t>
             </a:fld>
             <a:endParaRPr lang="en-US" dirty="0"/>
           </a:p>
@@ -4138,7 +4140,7 @@
             <a:fld id="{3EBA5BD7-F043-4D1B-AA17-CD412FC534DE}" type="slidenum">
               <a:rPr lang="en-US" smtClean="0"/>
               <a:pPr/>
-              <a:t>11</a:t>
+              <a:t>12</a:t>
             </a:fld>
             <a:endParaRPr lang="en-US" dirty="0"/>
           </a:p>
@@ -4368,7 +4370,7 @@
             <a:fld id="{3EBA5BD7-F043-4D1B-AA17-CD412FC534DE}" type="slidenum">
               <a:rPr lang="en-US" smtClean="0"/>
               <a:pPr/>
-              <a:t>13</a:t>
+              <a:t>14</a:t>
             </a:fld>
             <a:endParaRPr lang="en-US" dirty="0"/>
           </a:p>
@@ -4598,7 +4600,7 @@
             <a:fld id="{3EBA5BD7-F043-4D1B-AA17-CD412FC534DE}" type="slidenum">
               <a:rPr lang="en-US" smtClean="0"/>
               <a:pPr/>
-              <a:t>14</a:t>
+              <a:t>15</a:t>
             </a:fld>
             <a:endParaRPr lang="en-US" dirty="0"/>
           </a:p>
@@ -10456,6 +10458,887 @@
       </p:grpSpPr>
       <p:sp>
         <p:nvSpPr>
+          <p:cNvPr id="2" name="Slide Number Placeholder 1">
+            <a:extLst>
+              <a:ext uri="{FF2B5EF4-FFF2-40B4-BE49-F238E27FC236}">
+                <a16:creationId xmlns:a16="http://schemas.microsoft.com/office/drawing/2014/main" id="{45AE3692-E53E-2560-31B6-B14B0D741F8C}"/>
+              </a:ext>
+            </a:extLst>
+          </p:cNvPr>
+          <p:cNvSpPr>
+            <a:spLocks noGrp="1"/>
+          </p:cNvSpPr>
+          <p:nvPr>
+            <p:ph type="sldNum" sz="quarter" idx="5"/>
+          </p:nvPr>
+        </p:nvSpPr>
+        <p:spPr/>
+        <p:txBody>
+          <a:bodyPr/>
+          <a:lstStyle/>
+          <a:p>
+            <a:fld id="{2BF067CD-8E6B-4360-9AA8-C5DF2A48A6D1}" type="slidenum">
+              <a:rPr lang="en-US" noProof="0" smtClean="0"/>
+              <a:pPr/>
+              <a:t>11</a:t>
+            </a:fld>
+            <a:endParaRPr lang="en-US" noProof="0" dirty="0"/>
+          </a:p>
+        </p:txBody>
+      </p:sp>
+      <p:sp>
+        <p:nvSpPr>
+          <p:cNvPr id="3" name="Text Placeholder 2">
+            <a:extLst>
+              <a:ext uri="{FF2B5EF4-FFF2-40B4-BE49-F238E27FC236}">
+                <a16:creationId xmlns:a16="http://schemas.microsoft.com/office/drawing/2014/main" id="{C6BE06A8-D093-8BDE-2A46-D054A00FDDBD}"/>
+              </a:ext>
+            </a:extLst>
+          </p:cNvPr>
+          <p:cNvSpPr>
+            <a:spLocks noGrp="1"/>
+          </p:cNvSpPr>
+          <p:nvPr>
+            <p:ph type="body" sz="quarter" idx="10"/>
+          </p:nvPr>
+        </p:nvSpPr>
+        <p:spPr/>
+        <p:txBody>
+          <a:bodyPr>
+            <a:normAutofit/>
+          </a:bodyPr>
+          <a:lstStyle/>
+          <a:p>
+            <a:r>
+              <a:rPr lang="bg-BG" sz="2800" b="1" dirty="0">
+                <a:solidFill>
+                  <a:schemeClr val="bg1"/>
+                </a:solidFill>
+              </a:rPr>
+              <a:t>Таблица</a:t>
+            </a:r>
+            <a:r>
+              <a:rPr lang="bg-BG" sz="2800" dirty="0"/>
+              <a:t>, представяща </a:t>
+            </a:r>
+            <a:r>
+              <a:rPr lang="bg-BG" sz="2800" b="1" dirty="0"/>
+              <a:t>визуално</a:t>
+            </a:r>
+            <a:r>
+              <a:rPr lang="bg-BG" sz="2800" dirty="0"/>
+              <a:t> </a:t>
+            </a:r>
+            <a:r>
+              <a:rPr lang="bg-BG" sz="2800" b="1" dirty="0">
+                <a:solidFill>
+                  <a:schemeClr val="bg1"/>
+                </a:solidFill>
+              </a:rPr>
+              <a:t>рисковете</a:t>
+            </a:r>
+            <a:r>
+              <a:rPr lang="bg-BG" sz="2800" dirty="0"/>
+              <a:t> в </a:t>
+            </a:r>
+            <a:r>
+              <a:rPr lang="bg-BG" sz="2800" b="1" dirty="0"/>
+              <a:t>проекта</a:t>
+            </a:r>
+          </a:p>
+          <a:p>
+            <a:r>
+              <a:rPr lang="bg-BG" sz="2800" dirty="0"/>
+              <a:t>Включва </a:t>
+            </a:r>
+            <a:r>
+              <a:rPr lang="bg-BG" sz="2800" b="1" dirty="0"/>
+              <a:t>риск</a:t>
+            </a:r>
+            <a:r>
+              <a:rPr lang="bg-BG" sz="2800" dirty="0"/>
+              <a:t>, </a:t>
+            </a:r>
+            <a:r>
+              <a:rPr lang="bg-BG" sz="2800" b="1" dirty="0"/>
+              <a:t>вероятност</a:t>
+            </a:r>
+            <a:r>
+              <a:rPr lang="bg-BG" sz="2800" dirty="0"/>
+              <a:t>, </a:t>
+            </a:r>
+            <a:r>
+              <a:rPr lang="bg-BG" sz="2800" b="1" dirty="0"/>
+              <a:t>последствия</a:t>
+            </a:r>
+            <a:r>
+              <a:rPr lang="bg-BG" sz="2800" dirty="0"/>
+              <a:t> и </a:t>
+            </a:r>
+            <a:r>
+              <a:rPr lang="bg-BG" sz="2800" b="1" dirty="0"/>
+              <a:t>план за действие</a:t>
+            </a:r>
+          </a:p>
+          <a:p>
+            <a:r>
+              <a:rPr lang="bg-BG" sz="2800" b="1" dirty="0"/>
+              <a:t>Пример</a:t>
+            </a:r>
+            <a:r>
+              <a:rPr lang="en-US" sz="2800" b="1" dirty="0"/>
+              <a:t>:</a:t>
+            </a:r>
+            <a:endParaRPr lang="en-BG" sz="2800" b="1" dirty="0"/>
+          </a:p>
+        </p:txBody>
+      </p:sp>
+      <p:sp>
+        <p:nvSpPr>
+          <p:cNvPr id="4" name="Title 3">
+            <a:extLst>
+              <a:ext uri="{FF2B5EF4-FFF2-40B4-BE49-F238E27FC236}">
+                <a16:creationId xmlns:a16="http://schemas.microsoft.com/office/drawing/2014/main" id="{2944C102-A091-26E9-6AE2-454350D145E6}"/>
+              </a:ext>
+            </a:extLst>
+          </p:cNvPr>
+          <p:cNvSpPr>
+            <a:spLocks noGrp="1"/>
+          </p:cNvSpPr>
+          <p:nvPr>
+            <p:ph type="title"/>
+          </p:nvPr>
+        </p:nvSpPr>
+        <p:spPr/>
+        <p:txBody>
+          <a:bodyPr/>
+          <a:lstStyle/>
+          <a:p>
+            <a:r>
+              <a:rPr lang="bg-BG" dirty="0"/>
+              <a:t>Матрица на риска</a:t>
+            </a:r>
+            <a:endParaRPr lang="en-BG" dirty="0"/>
+          </a:p>
+        </p:txBody>
+      </p:sp>
+      <p:graphicFrame>
+        <p:nvGraphicFramePr>
+          <p:cNvPr id="5" name="Table 4">
+            <a:extLst>
+              <a:ext uri="{FF2B5EF4-FFF2-40B4-BE49-F238E27FC236}">
+                <a16:creationId xmlns:a16="http://schemas.microsoft.com/office/drawing/2014/main" id="{A767A15D-D521-6C6E-4B5E-DCBEB294B029}"/>
+              </a:ext>
+            </a:extLst>
+          </p:cNvPr>
+          <p:cNvGraphicFramePr>
+            <a:graphicFrameLocks noGrp="1"/>
+          </p:cNvGraphicFramePr>
+          <p:nvPr>
+            <p:extLst>
+              <p:ext uri="{D42A27DB-BD31-4B8C-83A1-F6EECF244321}">
+                <p14:modId xmlns:p14="http://schemas.microsoft.com/office/powerpoint/2010/main" val="139431846"/>
+              </p:ext>
+            </p:extLst>
+          </p:nvPr>
+        </p:nvGraphicFramePr>
+        <p:xfrm>
+          <a:off x="747242" y="2941690"/>
+          <a:ext cx="10697515" cy="3783201"/>
+        </p:xfrm>
+        <a:graphic>
+          <a:graphicData uri="http://schemas.openxmlformats.org/drawingml/2006/table">
+            <a:tbl>
+              <a:tblPr>
+                <a:tableStyleId>{D7AC3CCA-C797-4891-BE02-D94E43425B78}</a:tableStyleId>
+              </a:tblPr>
+              <a:tblGrid>
+                <a:gridCol w="3812515">
+                  <a:extLst>
+                    <a:ext uri="{9D8B030D-6E8A-4147-A177-3AD203B41FA5}">
+                      <a16:colId xmlns:a16="http://schemas.microsoft.com/office/drawing/2014/main" val="4209508603"/>
+                    </a:ext>
+                  </a:extLst>
+                </a:gridCol>
+                <a:gridCol w="1575000">
+                  <a:extLst>
+                    <a:ext uri="{9D8B030D-6E8A-4147-A177-3AD203B41FA5}">
+                      <a16:colId xmlns:a16="http://schemas.microsoft.com/office/drawing/2014/main" val="3441160131"/>
+                    </a:ext>
+                  </a:extLst>
+                </a:gridCol>
+                <a:gridCol w="1710000">
+                  <a:extLst>
+                    <a:ext uri="{9D8B030D-6E8A-4147-A177-3AD203B41FA5}">
+                      <a16:colId xmlns:a16="http://schemas.microsoft.com/office/drawing/2014/main" val="998624503"/>
+                    </a:ext>
+                  </a:extLst>
+                </a:gridCol>
+                <a:gridCol w="3600000">
+                  <a:extLst>
+                    <a:ext uri="{9D8B030D-6E8A-4147-A177-3AD203B41FA5}">
+                      <a16:colId xmlns:a16="http://schemas.microsoft.com/office/drawing/2014/main" val="2562807571"/>
+                    </a:ext>
+                  </a:extLst>
+                </a:gridCol>
+              </a:tblGrid>
+              <a:tr h="571501">
+                <a:tc>
+                  <a:txBody>
+                    <a:bodyPr/>
+                    <a:lstStyle/>
+                    <a:p>
+                      <a:pPr algn="ctr"/>
+                      <a:r>
+                        <a:rPr lang="bg-BG" sz="1800" b="1" dirty="0"/>
+                        <a:t>Риск</a:t>
+                      </a:r>
+                      <a:endParaRPr lang="bg-BG" sz="1800" dirty="0"/>
+                    </a:p>
+                  </a:txBody>
+                  <a:tcPr marL="67504" marR="67504" marT="33752" marB="33752" anchor="ctr"/>
+                </a:tc>
+                <a:tc>
+                  <a:txBody>
+                    <a:bodyPr/>
+                    <a:lstStyle/>
+                    <a:p>
+                      <a:pPr algn="ctr"/>
+                      <a:r>
+                        <a:rPr lang="bg-BG" sz="1800" b="1" dirty="0"/>
+                        <a:t>Вероятност</a:t>
+                      </a:r>
+                      <a:endParaRPr lang="bg-BG" sz="1800" dirty="0"/>
+                    </a:p>
+                  </a:txBody>
+                  <a:tcPr marL="67504" marR="67504" marT="33752" marB="33752" anchor="ctr"/>
+                </a:tc>
+                <a:tc>
+                  <a:txBody>
+                    <a:bodyPr/>
+                    <a:lstStyle/>
+                    <a:p>
+                      <a:pPr algn="ctr"/>
+                      <a:r>
+                        <a:rPr lang="bg-BG" sz="1800" b="1"/>
+                        <a:t>Последствия</a:t>
+                      </a:r>
+                      <a:endParaRPr lang="bg-BG" sz="1800"/>
+                    </a:p>
+                  </a:txBody>
+                  <a:tcPr marL="67504" marR="67504" marT="33752" marB="33752" anchor="ctr"/>
+                </a:tc>
+                <a:tc>
+                  <a:txBody>
+                    <a:bodyPr/>
+                    <a:lstStyle/>
+                    <a:p>
+                      <a:pPr algn="ctr"/>
+                      <a:r>
+                        <a:rPr lang="bg-BG" sz="1800" b="1" dirty="0"/>
+                        <a:t>План за действие</a:t>
+                      </a:r>
+                      <a:endParaRPr lang="bg-BG" sz="1800" dirty="0"/>
+                    </a:p>
+                  </a:txBody>
+                  <a:tcPr marL="67504" marR="67504" marT="33752" marB="33752" anchor="ctr"/>
+                </a:tc>
+                <a:extLst>
+                  <a:ext uri="{0D108BD9-81ED-4DB2-BD59-A6C34878D82A}">
+                    <a16:rowId xmlns:a16="http://schemas.microsoft.com/office/drawing/2014/main" val="4264227251"/>
+                  </a:ext>
+                </a:extLst>
+              </a:tr>
+              <a:tr h="652229">
+                <a:tc>
+                  <a:txBody>
+                    <a:bodyPr/>
+                    <a:lstStyle/>
+                    <a:p>
+                      <a:r>
+                        <a:rPr lang="bg-BG" sz="1800" b="1" dirty="0"/>
+                        <a:t>Закъснение</a:t>
+                      </a:r>
+                      <a:r>
+                        <a:rPr lang="bg-BG" sz="1800" dirty="0"/>
+                        <a:t> на </a:t>
+                      </a:r>
+                      <a:r>
+                        <a:rPr lang="bg-BG" sz="1800" b="1" dirty="0"/>
+                        <a:t>етап</a:t>
+                      </a:r>
+                      <a:r>
+                        <a:rPr lang="bg-BG" sz="1800" dirty="0"/>
+                        <a:t> от </a:t>
+                      </a:r>
+                      <a:r>
+                        <a:rPr lang="bg-BG" sz="1800" b="1" dirty="0"/>
+                        <a:t>проекта</a:t>
+                      </a:r>
+                    </a:p>
+                  </a:txBody>
+                  <a:tcPr marL="67504" marR="67504" marT="33752" marB="33752" anchor="ctr"/>
+                </a:tc>
+                <a:tc>
+                  <a:txBody>
+                    <a:bodyPr/>
+                    <a:lstStyle/>
+                    <a:p>
+                      <a:pPr algn="ctr"/>
+                      <a:r>
+                        <a:rPr lang="bg-BG" sz="1800" b="1" dirty="0"/>
+                        <a:t>Средна</a:t>
+                      </a:r>
+                    </a:p>
+                  </a:txBody>
+                  <a:tcPr marL="67504" marR="67504" marT="33752" marB="33752" anchor="ctr"/>
+                </a:tc>
+                <a:tc>
+                  <a:txBody>
+                    <a:bodyPr/>
+                    <a:lstStyle/>
+                    <a:p>
+                      <a:pPr algn="ctr"/>
+                      <a:r>
+                        <a:rPr lang="bg-BG" sz="1800" b="1" dirty="0"/>
+                        <a:t>Високи</a:t>
+                      </a:r>
+                    </a:p>
+                  </a:txBody>
+                  <a:tcPr marL="67504" marR="67504" marT="33752" marB="33752" anchor="ctr"/>
+                </a:tc>
+                <a:tc>
+                  <a:txBody>
+                    <a:bodyPr/>
+                    <a:lstStyle/>
+                    <a:p>
+                      <a:r>
+                        <a:rPr lang="bg-BG" sz="1800" dirty="0"/>
+                        <a:t>Редовни </a:t>
+                      </a:r>
+                      <a:r>
+                        <a:rPr lang="bg-BG" sz="1800" b="1" dirty="0"/>
+                        <a:t>статус срещи</a:t>
+                      </a:r>
+                      <a:r>
+                        <a:rPr lang="bg-BG" sz="1800" dirty="0"/>
+                        <a:t>,</a:t>
+                      </a:r>
+                    </a:p>
+                    <a:p>
+                      <a:r>
+                        <a:rPr lang="bg-BG" sz="1800" b="1" dirty="0"/>
+                        <a:t>резерв</a:t>
+                      </a:r>
+                      <a:r>
+                        <a:rPr lang="bg-BG" sz="1800" dirty="0"/>
+                        <a:t> от </a:t>
+                      </a:r>
+                      <a:r>
+                        <a:rPr lang="bg-BG" sz="1800" b="1" dirty="0"/>
+                        <a:t>време</a:t>
+                      </a:r>
+                    </a:p>
+                  </a:txBody>
+                  <a:tcPr marL="67504" marR="67504" marT="33752" marB="33752" anchor="ctr"/>
+                </a:tc>
+                <a:extLst>
+                  <a:ext uri="{0D108BD9-81ED-4DB2-BD59-A6C34878D82A}">
+                    <a16:rowId xmlns:a16="http://schemas.microsoft.com/office/drawing/2014/main" val="3472662672"/>
+                  </a:ext>
+                </a:extLst>
+              </a:tr>
+              <a:tr h="853157">
+                <a:tc>
+                  <a:txBody>
+                    <a:bodyPr/>
+                    <a:lstStyle/>
+                    <a:p>
+                      <a:r>
+                        <a:rPr lang="bg-BG" sz="1800" b="1" dirty="0"/>
+                        <a:t>Загуба</a:t>
+                      </a:r>
+                      <a:r>
+                        <a:rPr lang="bg-BG" sz="1800" dirty="0"/>
+                        <a:t> на </a:t>
+                      </a:r>
+                      <a:r>
+                        <a:rPr lang="bg-BG" sz="1800" b="1" dirty="0"/>
+                        <a:t>данни</a:t>
+                      </a:r>
+                    </a:p>
+                  </a:txBody>
+                  <a:tcPr marL="67504" marR="67504" marT="33752" marB="33752" anchor="ctr"/>
+                </a:tc>
+                <a:tc>
+                  <a:txBody>
+                    <a:bodyPr/>
+                    <a:lstStyle/>
+                    <a:p>
+                      <a:pPr algn="ctr"/>
+                      <a:r>
+                        <a:rPr lang="bg-BG" sz="1800" b="1" dirty="0"/>
+                        <a:t>Ниска</a:t>
+                      </a:r>
+                    </a:p>
+                  </a:txBody>
+                  <a:tcPr marL="67504" marR="67504" marT="33752" marB="33752" anchor="ctr"/>
+                </a:tc>
+                <a:tc>
+                  <a:txBody>
+                    <a:bodyPr/>
+                    <a:lstStyle/>
+                    <a:p>
+                      <a:pPr algn="ctr"/>
+                      <a:r>
+                        <a:rPr lang="bg-BG" sz="1800" b="1" dirty="0"/>
+                        <a:t>Високи</a:t>
+                      </a:r>
+                    </a:p>
+                  </a:txBody>
+                  <a:tcPr marL="67504" marR="67504" marT="33752" marB="33752" anchor="ctr"/>
+                </a:tc>
+                <a:tc>
+                  <a:txBody>
+                    <a:bodyPr/>
+                    <a:lstStyle/>
+                    <a:p>
+                      <a:r>
+                        <a:rPr lang="bg-BG" sz="1800" b="1" dirty="0"/>
+                        <a:t>Архивиране</a:t>
+                      </a:r>
+                      <a:r>
+                        <a:rPr lang="bg-BG" sz="1800" dirty="0"/>
+                        <a:t>, </a:t>
+                      </a:r>
+                      <a:r>
+                        <a:rPr lang="en-GB" sz="1800" b="1" dirty="0"/>
+                        <a:t>cloud</a:t>
+                      </a:r>
+                      <a:r>
+                        <a:rPr lang="en-GB" sz="1800" dirty="0"/>
+                        <a:t> </a:t>
+                      </a:r>
+                      <a:r>
+                        <a:rPr lang="en-GB" sz="1800" b="1" dirty="0"/>
+                        <a:t>backup</a:t>
+                      </a:r>
+                      <a:r>
+                        <a:rPr lang="en-GB" sz="1800" dirty="0"/>
+                        <a:t>,</a:t>
+                      </a:r>
+                      <a:endParaRPr lang="bg-BG" sz="1800" dirty="0"/>
+                    </a:p>
+                    <a:p>
+                      <a:r>
+                        <a:rPr lang="bg-BG" sz="1800" b="1" dirty="0"/>
+                        <a:t>политики</a:t>
+                      </a:r>
+                      <a:r>
+                        <a:rPr lang="bg-BG" sz="1800" dirty="0"/>
+                        <a:t> за </a:t>
+                      </a:r>
+                      <a:r>
+                        <a:rPr lang="bg-BG" sz="1800" b="1" dirty="0"/>
+                        <a:t>сигурност</a:t>
+                      </a:r>
+                    </a:p>
+                  </a:txBody>
+                  <a:tcPr marL="67504" marR="67504" marT="33752" marB="33752" anchor="ctr"/>
+                </a:tc>
+                <a:extLst>
+                  <a:ext uri="{0D108BD9-81ED-4DB2-BD59-A6C34878D82A}">
+                    <a16:rowId xmlns:a16="http://schemas.microsoft.com/office/drawing/2014/main" val="3343531190"/>
+                  </a:ext>
+                </a:extLst>
+              </a:tr>
+              <a:tr h="853157">
+                <a:tc>
+                  <a:txBody>
+                    <a:bodyPr/>
+                    <a:lstStyle/>
+                    <a:p>
+                      <a:r>
+                        <a:rPr lang="bg-BG" sz="1800" b="1" dirty="0"/>
+                        <a:t>Недостиг</a:t>
+                      </a:r>
+                      <a:r>
+                        <a:rPr lang="bg-BG" sz="1800" dirty="0"/>
+                        <a:t> на </a:t>
+                      </a:r>
+                      <a:r>
+                        <a:rPr lang="bg-BG" sz="1800" b="1" dirty="0"/>
+                        <a:t>ресурси</a:t>
+                      </a:r>
+                      <a:r>
+                        <a:rPr lang="bg-BG" sz="1800" dirty="0"/>
+                        <a:t> (хора/финанси)</a:t>
+                      </a:r>
+                    </a:p>
+                  </a:txBody>
+                  <a:tcPr marL="67504" marR="67504" marT="33752" marB="33752" anchor="ctr"/>
+                </a:tc>
+                <a:tc>
+                  <a:txBody>
+                    <a:bodyPr/>
+                    <a:lstStyle/>
+                    <a:p>
+                      <a:pPr algn="ctr"/>
+                      <a:r>
+                        <a:rPr lang="bg-BG" sz="1800" b="1" dirty="0"/>
+                        <a:t>Висока</a:t>
+                      </a:r>
+                    </a:p>
+                  </a:txBody>
+                  <a:tcPr marL="67504" marR="67504" marT="33752" marB="33752" anchor="ctr"/>
+                </a:tc>
+                <a:tc>
+                  <a:txBody>
+                    <a:bodyPr/>
+                    <a:lstStyle/>
+                    <a:p>
+                      <a:pPr algn="ctr"/>
+                      <a:r>
+                        <a:rPr lang="bg-BG" sz="1800" b="1" dirty="0"/>
+                        <a:t>Високи</a:t>
+                      </a:r>
+                    </a:p>
+                  </a:txBody>
+                  <a:tcPr marL="67504" marR="67504" marT="33752" marB="33752" anchor="ctr"/>
+                </a:tc>
+                <a:tc>
+                  <a:txBody>
+                    <a:bodyPr/>
+                    <a:lstStyle/>
+                    <a:p>
+                      <a:r>
+                        <a:rPr lang="bg-BG" sz="1800" b="1" dirty="0"/>
+                        <a:t>Преразпределяне</a:t>
+                      </a:r>
+                      <a:r>
+                        <a:rPr lang="bg-BG" sz="1800" dirty="0"/>
+                        <a:t> на </a:t>
+                      </a:r>
+                      <a:r>
+                        <a:rPr lang="bg-BG" sz="1800" b="1" dirty="0"/>
+                        <a:t>ресурси</a:t>
+                      </a:r>
+                      <a:r>
+                        <a:rPr lang="bg-BG" sz="1800" dirty="0"/>
+                        <a:t>,</a:t>
+                      </a:r>
+                    </a:p>
+                    <a:p>
+                      <a:r>
+                        <a:rPr lang="bg-BG" sz="1800" b="1" dirty="0"/>
+                        <a:t>допълнителен бюджет</a:t>
+                      </a:r>
+                    </a:p>
+                  </a:txBody>
+                  <a:tcPr marL="67504" marR="67504" marT="33752" marB="33752" anchor="ctr"/>
+                </a:tc>
+                <a:extLst>
+                  <a:ext uri="{0D108BD9-81ED-4DB2-BD59-A6C34878D82A}">
+                    <a16:rowId xmlns:a16="http://schemas.microsoft.com/office/drawing/2014/main" val="2341816559"/>
+                  </a:ext>
+                </a:extLst>
+              </a:tr>
+              <a:tr h="853157">
+                <a:tc>
+                  <a:txBody>
+                    <a:bodyPr/>
+                    <a:lstStyle/>
+                    <a:p>
+                      <a:r>
+                        <a:rPr lang="bg-BG" sz="1800" b="1" dirty="0"/>
+                        <a:t>Технически проблеми</a:t>
+                      </a:r>
+                    </a:p>
+                  </a:txBody>
+                  <a:tcPr marL="67504" marR="67504" marT="33752" marB="33752" anchor="ctr"/>
+                </a:tc>
+                <a:tc>
+                  <a:txBody>
+                    <a:bodyPr/>
+                    <a:lstStyle/>
+                    <a:p>
+                      <a:pPr algn="ctr"/>
+                      <a:r>
+                        <a:rPr lang="bg-BG" sz="1800" b="1" dirty="0"/>
+                        <a:t>Средна</a:t>
+                      </a:r>
+                    </a:p>
+                  </a:txBody>
+                  <a:tcPr marL="67504" marR="67504" marT="33752" marB="33752" anchor="ctr"/>
+                </a:tc>
+                <a:tc>
+                  <a:txBody>
+                    <a:bodyPr/>
+                    <a:lstStyle/>
+                    <a:p>
+                      <a:pPr algn="ctr"/>
+                      <a:r>
+                        <a:rPr lang="bg-BG" sz="1800" b="1" dirty="0"/>
+                        <a:t>Средни</a:t>
+                      </a:r>
+                    </a:p>
+                  </a:txBody>
+                  <a:tcPr marL="67504" marR="67504" marT="33752" marB="33752" anchor="ctr"/>
+                </a:tc>
+                <a:tc>
+                  <a:txBody>
+                    <a:bodyPr/>
+                    <a:lstStyle/>
+                    <a:p>
+                      <a:r>
+                        <a:rPr lang="bg-BG" sz="1800" dirty="0"/>
+                        <a:t>План за </a:t>
+                      </a:r>
+                      <a:r>
+                        <a:rPr lang="bg-BG" sz="1800" b="1" dirty="0"/>
+                        <a:t>аварийно възстановяване</a:t>
+                      </a:r>
+                      <a:r>
+                        <a:rPr lang="bg-BG" sz="1800" dirty="0"/>
+                        <a:t>,</a:t>
+                      </a:r>
+                    </a:p>
+                    <a:p>
+                      <a:r>
+                        <a:rPr lang="en-GB" sz="1800" b="1" dirty="0"/>
+                        <a:t>DevOps </a:t>
+                      </a:r>
+                      <a:r>
+                        <a:rPr lang="bg-BG" sz="1800" b="1" dirty="0"/>
+                        <a:t>мониторинг</a:t>
+                      </a:r>
+                    </a:p>
+                  </a:txBody>
+                  <a:tcPr marL="67504" marR="67504" marT="33752" marB="33752" anchor="ctr"/>
+                </a:tc>
+                <a:extLst>
+                  <a:ext uri="{0D108BD9-81ED-4DB2-BD59-A6C34878D82A}">
+                    <a16:rowId xmlns:a16="http://schemas.microsoft.com/office/drawing/2014/main" val="2285103048"/>
+                  </a:ext>
+                </a:extLst>
+              </a:tr>
+            </a:tbl>
+          </a:graphicData>
+        </a:graphic>
+      </p:graphicFrame>
+    </p:spTree>
+    <p:extLst>
+      <p:ext uri="{BB962C8B-B14F-4D97-AF65-F5344CB8AC3E}">
+        <p14:creationId xmlns:p14="http://schemas.microsoft.com/office/powerpoint/2010/main" val="2878933328"/>
+      </p:ext>
+    </p:extLst>
+  </p:cSld>
+  <p:clrMapOvr>
+    <a:masterClrMapping/>
+  </p:clrMapOvr>
+  <mc:AlternateContent xmlns:mc="http://schemas.openxmlformats.org/markup-compatibility/2006" xmlns:p14="http://schemas.microsoft.com/office/powerpoint/2010/main">
+    <mc:Choice Requires="p14">
+      <p:transition spd="slow" p14:dur="2000" advClick="0" advTm="5000"/>
+    </mc:Choice>
+    <mc:Fallback xmlns="">
+      <p:transition spd="slow" advClick="0" advTm="5000"/>
+    </mc:Fallback>
+  </mc:AlternateContent>
+  <p:timing>
+    <p:tnLst>
+      <p:par>
+        <p:cTn id="1" dur="indefinite" restart="never" nodeType="tmRoot">
+          <p:childTnLst>
+            <p:seq concurrent="1" nextAc="seek">
+              <p:cTn id="2" dur="indefinite" nodeType="mainSeq">
+                <p:childTnLst>
+                  <p:par>
+                    <p:cTn id="3" fill="hold">
+                      <p:stCondLst>
+                        <p:cond delay="indefinite"/>
+                      </p:stCondLst>
+                      <p:childTnLst>
+                        <p:par>
+                          <p:cTn id="4" fill="hold">
+                            <p:stCondLst>
+                              <p:cond delay="0"/>
+                            </p:stCondLst>
+                            <p:childTnLst>
+                              <p:par>
+                                <p:cTn id="5" presetID="1" presetClass="entr" presetSubtype="0" fill="hold" nodeType="clickEffect">
+                                  <p:stCondLst>
+                                    <p:cond delay="0"/>
+                                  </p:stCondLst>
+                                  <p:childTnLst>
+                                    <p:set>
+                                      <p:cBhvr>
+                                        <p:cTn id="6" dur="1" fill="hold">
+                                          <p:stCondLst>
+                                            <p:cond delay="0"/>
+                                          </p:stCondLst>
+                                        </p:cTn>
+                                        <p:tgtEl>
+                                          <p:spTgt spid="3">
+                                            <p:txEl>
+                                              <p:pRg st="1" end="1"/>
+                                            </p:txEl>
+                                          </p:spTgt>
+                                        </p:tgtEl>
+                                        <p:attrNameLst>
+                                          <p:attrName>style.visibility</p:attrName>
+                                        </p:attrNameLst>
+                                      </p:cBhvr>
+                                      <p:to>
+                                        <p:strVal val="visible"/>
+                                      </p:to>
+                                    </p:set>
+                                  </p:childTnLst>
+                                </p:cTn>
+                              </p:par>
+                            </p:childTnLst>
+                          </p:cTn>
+                        </p:par>
+                      </p:childTnLst>
+                    </p:cTn>
+                  </p:par>
+                  <p:par>
+                    <p:cTn id="7" fill="hold">
+                      <p:stCondLst>
+                        <p:cond delay="indefinite"/>
+                      </p:stCondLst>
+                      <p:childTnLst>
+                        <p:par>
+                          <p:cTn id="8" fill="hold">
+                            <p:stCondLst>
+                              <p:cond delay="0"/>
+                            </p:stCondLst>
+                            <p:childTnLst>
+                              <p:par>
+                                <p:cTn id="9" presetID="1" presetClass="entr" presetSubtype="0" fill="hold" nodeType="clickEffect">
+                                  <p:stCondLst>
+                                    <p:cond delay="0"/>
+                                  </p:stCondLst>
+                                  <p:childTnLst>
+                                    <p:set>
+                                      <p:cBhvr>
+                                        <p:cTn id="10" dur="1" fill="hold">
+                                          <p:stCondLst>
+                                            <p:cond delay="0"/>
+                                          </p:stCondLst>
+                                        </p:cTn>
+                                        <p:tgtEl>
+                                          <p:spTgt spid="3">
+                                            <p:txEl>
+                                              <p:pRg st="2" end="2"/>
+                                            </p:txEl>
+                                          </p:spTgt>
+                                        </p:tgtEl>
+                                        <p:attrNameLst>
+                                          <p:attrName>style.visibility</p:attrName>
+                                        </p:attrNameLst>
+                                      </p:cBhvr>
+                                      <p:to>
+                                        <p:strVal val="visible"/>
+                                      </p:to>
+                                    </p:set>
+                                  </p:childTnLst>
+                                </p:cTn>
+                              </p:par>
+                            </p:childTnLst>
+                          </p:cTn>
+                        </p:par>
+                      </p:childTnLst>
+                    </p:cTn>
+                  </p:par>
+                  <p:par>
+                    <p:cTn id="11" fill="hold">
+                      <p:stCondLst>
+                        <p:cond delay="indefinite"/>
+                      </p:stCondLst>
+                      <p:childTnLst>
+                        <p:par>
+                          <p:cTn id="12" fill="hold">
+                            <p:stCondLst>
+                              <p:cond delay="0"/>
+                            </p:stCondLst>
+                            <p:childTnLst>
+                              <p:par>
+                                <p:cTn id="13" presetID="1" presetClass="entr" presetSubtype="0" fill="hold" nodeType="clickEffect">
+                                  <p:stCondLst>
+                                    <p:cond delay="0"/>
+                                  </p:stCondLst>
+                                  <p:childTnLst>
+                                    <p:set>
+                                      <p:cBhvr>
+                                        <p:cTn id="14" dur="1" fill="hold">
+                                          <p:stCondLst>
+                                            <p:cond delay="0"/>
+                                          </p:stCondLst>
+                                        </p:cTn>
+                                        <p:tgtEl>
+                                          <p:spTgt spid="5"/>
+                                        </p:tgtEl>
+                                        <p:attrNameLst>
+                                          <p:attrName>style.visibility</p:attrName>
+                                        </p:attrNameLst>
+                                      </p:cBhvr>
+                                      <p:to>
+                                        <p:strVal val="visible"/>
+                                      </p:to>
+                                    </p:set>
+                                  </p:childTnLst>
+                                </p:cTn>
+                              </p:par>
+                            </p:childTnLst>
+                          </p:cTn>
+                        </p:par>
+                      </p:childTnLst>
+                    </p:cTn>
+                  </p:par>
+                </p:childTnLst>
+              </p:cTn>
+              <p:prevCondLst>
+                <p:cond evt="onPrev" delay="0">
+                  <p:tgtEl>
+                    <p:sldTgt/>
+                  </p:tgtEl>
+                </p:cond>
+              </p:prevCondLst>
+              <p:nextCondLst>
+                <p:cond evt="onNext" delay="0">
+                  <p:tgtEl>
+                    <p:sldTgt/>
+                  </p:tgtEl>
+                </p:cond>
+              </p:nextCondLst>
+            </p:seq>
+          </p:childTnLst>
+        </p:cTn>
+      </p:par>
+    </p:tnLst>
+  </p:timing>
+</p:sld>
+</file>
+
+<file path=ppt/slides/slide12.xml><?xml version="1.0" encoding="utf-8"?>
+<p:sld xmlns:a="http://schemas.openxmlformats.org/drawingml/2006/main" xmlns:r="http://schemas.openxmlformats.org/officeDocument/2006/relationships" xmlns:p="http://schemas.openxmlformats.org/presentationml/2006/main">
+  <p:cSld>
+    <p:spTree>
+      <p:nvGrpSpPr>
+        <p:cNvPr id="1" name=""/>
+        <p:cNvGrpSpPr/>
+        <p:nvPr/>
+      </p:nvGrpSpPr>
+      <p:grpSpPr>
+        <a:xfrm>
+          <a:off x="0" y="0"/>
+          <a:ext cx="0" cy="0"/>
+          <a:chOff x="0" y="0"/>
+          <a:chExt cx="0" cy="0"/>
+        </a:xfrm>
+      </p:grpSpPr>
+      <p:sp>
+        <p:nvSpPr>
           <p:cNvPr id="4" name="Slide Subtitle">
             <a:extLst>
               <a:ext uri="{FF2B5EF4-FFF2-40B4-BE49-F238E27FC236}">
@@ -10577,7 +11460,7 @@
 </p:sld>
 </file>
 
-<file path=ppt/slides/slide12.xml><?xml version="1.0" encoding="utf-8"?>
+<file path=ppt/slides/slide13.xml><?xml version="1.0" encoding="utf-8"?>
 <p:sld xmlns:a="http://schemas.openxmlformats.org/drawingml/2006/main" xmlns:r="http://schemas.openxmlformats.org/officeDocument/2006/relationships" xmlns:p="http://schemas.openxmlformats.org/presentationml/2006/main">
   <p:cSld>
     <p:spTree>
@@ -10618,7 +11501,7 @@
             <a:fld id="{2BF067CD-8E6B-4360-9AA8-C5DF2A48A6D1}" type="slidenum">
               <a:rPr lang="en-US" noProof="0" smtClean="0"/>
               <a:pPr/>
-              <a:t>12</a:t>
+              <a:t>13</a:t>
             </a:fld>
             <a:endParaRPr lang="en-US" noProof="0" dirty="0"/>
           </a:p>
@@ -11876,7 +12759,7 @@
 </p:sld>
 </file>
 
-<file path=ppt/slides/slide13.xml><?xml version="1.0" encoding="utf-8"?>
+<file path=ppt/slides/slide14.xml><?xml version="1.0" encoding="utf-8"?>
 <p:sld xmlns:a="http://schemas.openxmlformats.org/drawingml/2006/main" xmlns:r="http://schemas.openxmlformats.org/officeDocument/2006/relationships" xmlns:p="http://schemas.openxmlformats.org/presentationml/2006/main">
   <p:cSld>
     <p:spTree>
@@ -12007,7 +12890,7 @@
 </p:sld>
 </file>
 
-<file path=ppt/slides/slide14.xml><?xml version="1.0" encoding="utf-8"?>
+<file path=ppt/slides/slide15.xml><?xml version="1.0" encoding="utf-8"?>
 <p:sld xmlns:a="http://schemas.openxmlformats.org/drawingml/2006/main" xmlns:r="http://schemas.openxmlformats.org/officeDocument/2006/relationships" xmlns:p="http://schemas.openxmlformats.org/presentationml/2006/main">
   <p:cSld>
     <p:spTree>
@@ -12057,7 +12940,7 @@
             <a:fld id="{2BF067CD-8E6B-4360-9AA8-C5DF2A48A6D1}" type="slidenum">
               <a:rPr lang="en-US" smtClean="0"/>
               <a:pPr/>
-              <a:t>14</a:t>
+              <a:t>15</a:t>
             </a:fld>
             <a:endParaRPr lang="en-US" dirty="0"/>
           </a:p>
@@ -12610,7 +13493,7 @@
 </p:sld>
 </file>
 
-<file path=ppt/slides/slide15.xml><?xml version="1.0" encoding="utf-8"?>
+<file path=ppt/slides/slide16.xml><?xml version="1.0" encoding="utf-8"?>
 <p:sld xmlns:a="http://schemas.openxmlformats.org/drawingml/2006/main" xmlns:r="http://schemas.openxmlformats.org/officeDocument/2006/relationships" xmlns:p="http://schemas.openxmlformats.org/presentationml/2006/main">
   <p:cSld>
     <p:spTree>
@@ -12660,7 +13543,7 @@
             <a:fld id="{2BF067CD-8E6B-4360-9AA8-C5DF2A48A6D1}" type="slidenum">
               <a:rPr lang="en-US" smtClean="0"/>
               <a:pPr/>
-              <a:t>15</a:t>
+              <a:t>16</a:t>
             </a:fld>
             <a:endParaRPr lang="en-US" dirty="0"/>
           </a:p>
@@ -13092,7 +13975,7 @@
 </p:sld>
 </file>
 
-<file path=ppt/slides/slide16.xml><?xml version="1.0" encoding="utf-8"?>
+<file path=ppt/slides/slide17.xml><?xml version="1.0" encoding="utf-8"?>
 <p:sld xmlns:a="http://schemas.openxmlformats.org/drawingml/2006/main" xmlns:r="http://schemas.openxmlformats.org/officeDocument/2006/relationships" xmlns:p="http://schemas.openxmlformats.org/presentationml/2006/main">
   <p:cSld>
     <p:spTree>
@@ -13142,7 +14025,7 @@
             <a:fld id="{2BF067CD-8E6B-4360-9AA8-C5DF2A48A6D1}" type="slidenum">
               <a:rPr lang="en-US" smtClean="0"/>
               <a:pPr/>
-              <a:t>16</a:t>
+              <a:t>17</a:t>
             </a:fld>
             <a:endParaRPr lang="en-US" dirty="0"/>
           </a:p>
@@ -13547,7 +14430,7 @@
 </p:sld>
 </file>
 
-<file path=ppt/slides/slide17.xml><?xml version="1.0" encoding="utf-8"?>
+<file path=ppt/slides/slide18.xml><?xml version="1.0" encoding="utf-8"?>
 <p:sld xmlns:a="http://schemas.openxmlformats.org/drawingml/2006/main" xmlns:r="http://schemas.openxmlformats.org/officeDocument/2006/relationships" xmlns:p="http://schemas.openxmlformats.org/presentationml/2006/main">
   <p:cSld>
     <p:spTree>
@@ -13597,7 +14480,7 @@
             <a:fld id="{2BF067CD-8E6B-4360-9AA8-C5DF2A48A6D1}" type="slidenum">
               <a:rPr lang="en-US" smtClean="0"/>
               <a:pPr/>
-              <a:t>17</a:t>
+              <a:t>18</a:t>
             </a:fld>
             <a:endParaRPr lang="en-US" dirty="0"/>
           </a:p>
@@ -14344,7 +15227,7 @@
 </p:sld>
 </file>
 
-<file path=ppt/slides/slide18.xml><?xml version="1.0" encoding="utf-8"?>
+<file path=ppt/slides/slide19.xml><?xml version="1.0" encoding="utf-8"?>
 <p:sld xmlns:a="http://schemas.openxmlformats.org/drawingml/2006/main" xmlns:r="http://schemas.openxmlformats.org/officeDocument/2006/relationships" xmlns:p="http://schemas.openxmlformats.org/presentationml/2006/main">
   <p:cSld>
     <p:spTree>
@@ -14394,7 +15277,7 @@
             <a:fld id="{2BF067CD-8E6B-4360-9AA8-C5DF2A48A6D1}" type="slidenum">
               <a:rPr lang="en-US" smtClean="0"/>
               <a:pPr/>
-              <a:t>18</a:t>
+              <a:t>19</a:t>
             </a:fld>
             <a:endParaRPr lang="en-US" dirty="0"/>
           </a:p>
@@ -14492,146 +15375,6 @@
     <p:extLst>
       <p:ext uri="{BB962C8B-B14F-4D97-AF65-F5344CB8AC3E}">
         <p14:creationId xmlns:p14="http://schemas.microsoft.com/office/powerpoint/2010/main" val="2002786287"/>
-      </p:ext>
-    </p:extLst>
-  </p:cSld>
-  <p:clrMapOvr>
-    <a:masterClrMapping/>
-  </p:clrMapOvr>
-  <mc:AlternateContent xmlns:mc="http://schemas.openxmlformats.org/markup-compatibility/2006" xmlns:p14="http://schemas.microsoft.com/office/powerpoint/2010/main">
-    <mc:Choice Requires="p14">
-      <p:transition spd="slow" p14:dur="2000" advClick="0" advTm="5000"/>
-    </mc:Choice>
-    <mc:Fallback xmlns="">
-      <p:transition spd="slow" advClick="0" advTm="5000"/>
-    </mc:Fallback>
-  </mc:AlternateContent>
-</p:sld>
-</file>
-
-<file path=ppt/slides/slide19.xml><?xml version="1.0" encoding="utf-8"?>
-<p:sld xmlns:a="http://schemas.openxmlformats.org/drawingml/2006/main" xmlns:r="http://schemas.openxmlformats.org/officeDocument/2006/relationships" xmlns:p="http://schemas.openxmlformats.org/presentationml/2006/main">
-  <p:cSld>
-    <p:spTree>
-      <p:nvGrpSpPr>
-        <p:cNvPr id="1" name=""/>
-        <p:cNvGrpSpPr/>
-        <p:nvPr/>
-      </p:nvGrpSpPr>
-      <p:grpSpPr>
-        <a:xfrm>
-          <a:off x="0" y="0"/>
-          <a:ext cx="0" cy="0"/>
-          <a:chOff x="0" y="0"/>
-          <a:chExt cx="0" cy="0"/>
-        </a:xfrm>
-      </p:grpSpPr>
-      <p:sp>
-        <p:nvSpPr>
-          <p:cNvPr id="4" name="Slide Subtitle">
-            <a:extLst>
-              <a:ext uri="{FF2B5EF4-FFF2-40B4-BE49-F238E27FC236}">
-                <a16:creationId xmlns:a16="http://schemas.microsoft.com/office/drawing/2014/main" id="{BEB5BB41-09D4-4E9F-8C80-EE8709171CB3}"/>
-              </a:ext>
-            </a:extLst>
-          </p:cNvPr>
-          <p:cNvSpPr>
-            <a:spLocks noGrp="1"/>
-          </p:cNvSpPr>
-          <p:nvPr>
-            <p:ph type="subTitle" sz="quarter" idx="11"/>
-          </p:nvPr>
-        </p:nvSpPr>
-        <p:spPr/>
-        <p:txBody>
-          <a:bodyPr/>
-          <a:lstStyle/>
-          <a:p>
-            <a:r>
-              <a:rPr lang="en-US" sz="4000" dirty="0"/>
-              <a:t>SWOT</a:t>
-            </a:r>
-            <a:r>
-              <a:rPr lang="bg-BG" sz="4000" dirty="0"/>
-              <a:t> анализ на </a:t>
-            </a:r>
-            <a:r>
-              <a:rPr lang="en-US" sz="4000" dirty="0"/>
-              <a:t>YouTube</a:t>
-            </a:r>
-            <a:endParaRPr lang="bg-BG" sz="4000" dirty="0"/>
-          </a:p>
-        </p:txBody>
-      </p:sp>
-      <p:sp>
-        <p:nvSpPr>
-          <p:cNvPr id="6" name="Slide Title">
-            <a:extLst>
-              <a:ext uri="{FF2B5EF4-FFF2-40B4-BE49-F238E27FC236}">
-                <a16:creationId xmlns:a16="http://schemas.microsoft.com/office/drawing/2014/main" id="{028D9EA3-B5E0-4F17-9467-4BE3C280DA68}"/>
-              </a:ext>
-            </a:extLst>
-          </p:cNvPr>
-          <p:cNvSpPr>
-            <a:spLocks noGrp="1"/>
-          </p:cNvSpPr>
-          <p:nvPr>
-            <p:ph type="title" sz="quarter" idx="10"/>
-          </p:nvPr>
-        </p:nvSpPr>
-        <p:spPr/>
-        <p:txBody>
-          <a:bodyPr/>
-          <a:lstStyle/>
-          <a:p>
-            <a:r>
-              <a:rPr lang="bg-BG" sz="5600" dirty="0"/>
-              <a:t>Пример</a:t>
-            </a:r>
-            <a:endParaRPr lang="en-US" sz="5600" dirty="0"/>
-          </a:p>
-        </p:txBody>
-      </p:sp>
-      <p:pic>
-        <p:nvPicPr>
-          <p:cNvPr id="5" name="Picture 4">
-            <a:extLst>
-              <a:ext uri="{FF2B5EF4-FFF2-40B4-BE49-F238E27FC236}">
-                <a16:creationId xmlns:a16="http://schemas.microsoft.com/office/drawing/2014/main" id="{8D1F68A9-57FD-D5A0-4ECD-E01E10DEE072}"/>
-              </a:ext>
-            </a:extLst>
-          </p:cNvPr>
-          <p:cNvPicPr>
-            <a:picLocks noChangeAspect="1"/>
-          </p:cNvPicPr>
-          <p:nvPr/>
-        </p:nvPicPr>
-        <p:blipFill>
-          <a:blip r:embed="rId3">
-            <a:extLst>
-              <a:ext uri="{28A0092B-C50C-407E-A947-70E740481C1C}">
-                <a14:useLocalDpi xmlns:a14="http://schemas.microsoft.com/office/drawing/2010/main" val="0"/>
-              </a:ext>
-            </a:extLst>
-          </a:blip>
-          <a:stretch>
-            <a:fillRect/>
-          </a:stretch>
-        </p:blipFill>
-        <p:spPr>
-          <a:xfrm>
-            <a:off x="4636000" y="1899000"/>
-            <a:ext cx="2919999" cy="1642500"/>
-          </a:xfrm>
-          <a:prstGeom prst="rect">
-            <a:avLst/>
-          </a:prstGeom>
-        </p:spPr>
-      </p:pic>
-    </p:spTree>
-    <p:extLst>
-      <p:ext uri="{BB962C8B-B14F-4D97-AF65-F5344CB8AC3E}">
-        <p14:creationId xmlns:p14="http://schemas.microsoft.com/office/powerpoint/2010/main" val="465851044"/>
       </p:ext>
     </p:extLst>
   </p:cSld>
@@ -14814,7 +15557,7 @@
         </p:spPr>
         <p:txBody>
           <a:bodyPr>
-            <a:normAutofit fontScale="92500" lnSpcReduction="20000"/>
+            <a:normAutofit fontScale="85000" lnSpcReduction="20000"/>
           </a:bodyPr>
           <a:lstStyle/>
           <a:p>
@@ -14869,6 +15612,18 @@
             <a:r>
               <a:rPr lang="bg-BG" sz="3700" b="1" dirty="0"/>
               <a:t>софтуерното инженерство</a:t>
+            </a:r>
+            <a:endParaRPr lang="en-US" sz="3700" b="1" dirty="0"/>
+          </a:p>
+          <a:p>
+            <a:pPr lvl="1">
+              <a:buClr>
+                <a:schemeClr val="tx1"/>
+              </a:buClr>
+            </a:pPr>
+            <a:r>
+              <a:rPr lang="bg-BG" sz="3700" b="1" dirty="0"/>
+              <a:t>Матрица на риска</a:t>
             </a:r>
           </a:p>
           <a:p>
@@ -15390,6 +16145,55 @@
                       </p:childTnLst>
                     </p:cTn>
                   </p:par>
+                  <p:par>
+                    <p:cTn id="31" fill="hold">
+                      <p:stCondLst>
+                        <p:cond delay="indefinite"/>
+                      </p:stCondLst>
+                      <p:childTnLst>
+                        <p:par>
+                          <p:cTn id="32" fill="hold">
+                            <p:stCondLst>
+                              <p:cond delay="0"/>
+                            </p:stCondLst>
+                            <p:childTnLst>
+                              <p:par>
+                                <p:cTn id="33" presetID="1" presetClass="entr" presetSubtype="0" fill="hold" nodeType="clickEffect">
+                                  <p:stCondLst>
+                                    <p:cond delay="0"/>
+                                  </p:stCondLst>
+                                  <p:childTnLst>
+                                    <p:set>
+                                      <p:cBhvr>
+                                        <p:cTn id="34" dur="1" fill="hold">
+                                          <p:stCondLst>
+                                            <p:cond delay="0"/>
+                                          </p:stCondLst>
+                                        </p:cTn>
+                                        <p:tgtEl>
+                                          <p:spTgt spid="444419">
+                                            <p:txEl>
+                                              <p:pRg st="8" end="8"/>
+                                            </p:txEl>
+                                          </p:spTgt>
+                                        </p:tgtEl>
+                                        <p:attrNameLst>
+                                          <p:attrName>style.visibility</p:attrName>
+                                        </p:attrNameLst>
+                                      </p:cBhvr>
+                                      <p:to>
+                                        <p:strVal val="visible"/>
+                                      </p:to>
+                                    </p:set>
+                                  </p:childTnLst>
+                                </p:cTn>
+                              </p:par>
+                            </p:childTnLst>
+                          </p:cTn>
+                        </p:par>
+                      </p:childTnLst>
+                    </p:cTn>
+                  </p:par>
                 </p:childTnLst>
               </p:cTn>
               <p:prevCondLst>
@@ -15434,6 +16238,146 @@
       </p:grpSpPr>
       <p:sp>
         <p:nvSpPr>
+          <p:cNvPr id="4" name="Slide Subtitle">
+            <a:extLst>
+              <a:ext uri="{FF2B5EF4-FFF2-40B4-BE49-F238E27FC236}">
+                <a16:creationId xmlns:a16="http://schemas.microsoft.com/office/drawing/2014/main" id="{BEB5BB41-09D4-4E9F-8C80-EE8709171CB3}"/>
+              </a:ext>
+            </a:extLst>
+          </p:cNvPr>
+          <p:cNvSpPr>
+            <a:spLocks noGrp="1"/>
+          </p:cNvSpPr>
+          <p:nvPr>
+            <p:ph type="subTitle" sz="quarter" idx="11"/>
+          </p:nvPr>
+        </p:nvSpPr>
+        <p:spPr/>
+        <p:txBody>
+          <a:bodyPr/>
+          <a:lstStyle/>
+          <a:p>
+            <a:r>
+              <a:rPr lang="en-US" sz="4000" dirty="0"/>
+              <a:t>SWOT</a:t>
+            </a:r>
+            <a:r>
+              <a:rPr lang="bg-BG" sz="4000" dirty="0"/>
+              <a:t> анализ на </a:t>
+            </a:r>
+            <a:r>
+              <a:rPr lang="en-US" sz="4000" dirty="0"/>
+              <a:t>YouTube</a:t>
+            </a:r>
+            <a:endParaRPr lang="bg-BG" sz="4000" dirty="0"/>
+          </a:p>
+        </p:txBody>
+      </p:sp>
+      <p:sp>
+        <p:nvSpPr>
+          <p:cNvPr id="6" name="Slide Title">
+            <a:extLst>
+              <a:ext uri="{FF2B5EF4-FFF2-40B4-BE49-F238E27FC236}">
+                <a16:creationId xmlns:a16="http://schemas.microsoft.com/office/drawing/2014/main" id="{028D9EA3-B5E0-4F17-9467-4BE3C280DA68}"/>
+              </a:ext>
+            </a:extLst>
+          </p:cNvPr>
+          <p:cNvSpPr>
+            <a:spLocks noGrp="1"/>
+          </p:cNvSpPr>
+          <p:nvPr>
+            <p:ph type="title" sz="quarter" idx="10"/>
+          </p:nvPr>
+        </p:nvSpPr>
+        <p:spPr/>
+        <p:txBody>
+          <a:bodyPr/>
+          <a:lstStyle/>
+          <a:p>
+            <a:r>
+              <a:rPr lang="bg-BG" sz="5600" dirty="0"/>
+              <a:t>Пример</a:t>
+            </a:r>
+            <a:endParaRPr lang="en-US" sz="5600" dirty="0"/>
+          </a:p>
+        </p:txBody>
+      </p:sp>
+      <p:pic>
+        <p:nvPicPr>
+          <p:cNvPr id="5" name="Picture 4">
+            <a:extLst>
+              <a:ext uri="{FF2B5EF4-FFF2-40B4-BE49-F238E27FC236}">
+                <a16:creationId xmlns:a16="http://schemas.microsoft.com/office/drawing/2014/main" id="{8D1F68A9-57FD-D5A0-4ECD-E01E10DEE072}"/>
+              </a:ext>
+            </a:extLst>
+          </p:cNvPr>
+          <p:cNvPicPr>
+            <a:picLocks noChangeAspect="1"/>
+          </p:cNvPicPr>
+          <p:nvPr/>
+        </p:nvPicPr>
+        <p:blipFill>
+          <a:blip r:embed="rId3">
+            <a:extLst>
+              <a:ext uri="{28A0092B-C50C-407E-A947-70E740481C1C}">
+                <a14:useLocalDpi xmlns:a14="http://schemas.microsoft.com/office/drawing/2010/main" val="0"/>
+              </a:ext>
+            </a:extLst>
+          </a:blip>
+          <a:stretch>
+            <a:fillRect/>
+          </a:stretch>
+        </p:blipFill>
+        <p:spPr>
+          <a:xfrm>
+            <a:off x="4636000" y="1899000"/>
+            <a:ext cx="2919999" cy="1642500"/>
+          </a:xfrm>
+          <a:prstGeom prst="rect">
+            <a:avLst/>
+          </a:prstGeom>
+        </p:spPr>
+      </p:pic>
+    </p:spTree>
+    <p:extLst>
+      <p:ext uri="{BB962C8B-B14F-4D97-AF65-F5344CB8AC3E}">
+        <p14:creationId xmlns:p14="http://schemas.microsoft.com/office/powerpoint/2010/main" val="465851044"/>
+      </p:ext>
+    </p:extLst>
+  </p:cSld>
+  <p:clrMapOvr>
+    <a:masterClrMapping/>
+  </p:clrMapOvr>
+  <mc:AlternateContent xmlns:mc="http://schemas.openxmlformats.org/markup-compatibility/2006" xmlns:p14="http://schemas.microsoft.com/office/powerpoint/2010/main">
+    <mc:Choice Requires="p14">
+      <p:transition spd="slow" p14:dur="2000" advClick="0" advTm="5000"/>
+    </mc:Choice>
+    <mc:Fallback xmlns="">
+      <p:transition spd="slow" advClick="0" advTm="5000"/>
+    </mc:Fallback>
+  </mc:AlternateContent>
+</p:sld>
+</file>
+
+<file path=ppt/slides/slide21.xml><?xml version="1.0" encoding="utf-8"?>
+<p:sld xmlns:a="http://schemas.openxmlformats.org/drawingml/2006/main" xmlns:r="http://schemas.openxmlformats.org/officeDocument/2006/relationships" xmlns:p="http://schemas.openxmlformats.org/presentationml/2006/main">
+  <p:cSld>
+    <p:spTree>
+      <p:nvGrpSpPr>
+        <p:cNvPr id="1" name=""/>
+        <p:cNvGrpSpPr/>
+        <p:nvPr/>
+      </p:nvGrpSpPr>
+      <p:grpSpPr>
+        <a:xfrm>
+          <a:off x="0" y="0"/>
+          <a:ext cx="0" cy="0"/>
+          <a:chOff x="0" y="0"/>
+          <a:chExt cx="0" cy="0"/>
+        </a:xfrm>
+      </p:grpSpPr>
+      <p:sp>
+        <p:nvSpPr>
           <p:cNvPr id="2" name="Slide Number Placeholder 1">
             <a:extLst>
               <a:ext uri="{FF2B5EF4-FFF2-40B4-BE49-F238E27FC236}">
@@ -15456,7 +16400,7 @@
             <a:fld id="{2BF067CD-8E6B-4360-9AA8-C5DF2A48A6D1}" type="slidenum">
               <a:rPr lang="en-US" noProof="0" smtClean="0"/>
               <a:pPr/>
-              <a:t>20</a:t>
+              <a:t>21</a:t>
             </a:fld>
             <a:endParaRPr lang="en-US" noProof="0" dirty="0"/>
           </a:p>
@@ -16249,7 +17193,7 @@
 </p:sld>
 </file>
 
-<file path=ppt/slides/slide21.xml><?xml version="1.0" encoding="utf-8"?>
+<file path=ppt/slides/slide22.xml><?xml version="1.0" encoding="utf-8"?>
 <p:sld xmlns:a="http://schemas.openxmlformats.org/drawingml/2006/main" xmlns:r="http://schemas.openxmlformats.org/officeDocument/2006/relationships" xmlns:p="http://schemas.openxmlformats.org/presentationml/2006/main">
   <p:cSld>
     <p:spTree>
@@ -17025,7 +17969,7 @@
             <a:fld id="{2BF067CD-8E6B-4360-9AA8-C5DF2A48A6D1}" type="slidenum">
               <a:rPr lang="en-US" noProof="0" smtClean="0"/>
               <a:pPr/>
-              <a:t>21</a:t>
+              <a:t>22</a:t>
             </a:fld>
             <a:endParaRPr lang="en-US" noProof="0" dirty="0"/>
           </a:p>
@@ -17278,7 +18222,7 @@
 </p:sld>
 </file>
 
-<file path=ppt/slides/slide22.xml><?xml version="1.0" encoding="utf-8"?>
+<file path=ppt/slides/slide23.xml><?xml version="1.0" encoding="utf-8"?>
 <p:sld xmlns:a="http://schemas.openxmlformats.org/drawingml/2006/main" xmlns:r="http://schemas.openxmlformats.org/officeDocument/2006/relationships" xmlns:p="http://schemas.openxmlformats.org/presentationml/2006/main">
   <p:cSld>
     <p:spTree>
@@ -17468,7 +18412,7 @@
 </p:sld>
 </file>
 
-<file path=ppt/slides/slide23.xml><?xml version="1.0" encoding="utf-8"?>
+<file path=ppt/slides/slide24.xml><?xml version="1.0" encoding="utf-8"?>
 <p:sld xmlns:a="http://schemas.openxmlformats.org/drawingml/2006/main" xmlns:r="http://schemas.openxmlformats.org/officeDocument/2006/relationships" xmlns:p="http://schemas.openxmlformats.org/presentationml/2006/main" show="0">
   <p:cSld>
     <p:spTree>
@@ -17521,7 +18465,7 @@
             <a:fld id="{2BF067CD-8E6B-4360-9AA8-C5DF2A48A6D1}" type="slidenum">
               <a:rPr lang="en-US" smtClean="0"/>
               <a:pPr/>
-              <a:t>23</a:t>
+              <a:t>24</a:t>
             </a:fld>
             <a:endParaRPr lang="en-US" dirty="0"/>
           </a:p>

--- a/Courses/Software-Sciences/IT-Module-4-Problem-Solving-with-ICT/04-Risk-Analysis/04-Risk-Analysis.pptx
+++ b/Courses/Software-Sciences/IT-Module-4-Problem-Solving-with-ICT/04-Risk-Analysis/04-Risk-Analysis.pptx
@@ -326,7 +326,7 @@
           <a:p>
             <a:fld id="{4E087215-0C8F-4762-A664-737A353EC9A4}" type="datetimeFigureOut">
               <a:rPr lang="bg-BG" smtClean="0"/>
-              <a:t>2.09.25 г.</a:t>
+              <a:t>4.09.25 г.</a:t>
             </a:fld>
             <a:endParaRPr lang="bg-BG"/>
           </a:p>
@@ -522,7 +522,7 @@
           <a:p>
             <a:fld id="{72D84649-876A-46C9-8472-14CB09C070D8}" type="datetimeFigureOut">
               <a:rPr lang="en-US" smtClean="0"/>
-              <a:t>9/2/25</a:t>
+              <a:t>9/4/25</a:t>
             </a:fld>
             <a:endParaRPr lang="en-US"/>
           </a:p>
@@ -9953,8 +9953,8 @@
         </p:blipFill>
         <p:spPr>
           <a:xfrm>
-            <a:off x="572403" y="3055226"/>
-            <a:ext cx="1897168" cy="850875"/>
+            <a:off x="572403" y="3056137"/>
+            <a:ext cx="1897168" cy="849053"/>
           </a:xfrm>
           <a:prstGeom prst="rect">
             <a:avLst/>
